--- a/BIA_SEM_Presentation.pptx
+++ b/BIA_SEM_Presentation.pptx
@@ -6,11 +6,19 @@
   </p:sldMasterIdLst>
   <p:sldIdLst>
     <p:sldId id="256" r:id="rId2"/>
-    <p:sldId id="258" r:id="rId3"/>
-    <p:sldId id="259" r:id="rId4"/>
-    <p:sldId id="260" r:id="rId5"/>
-    <p:sldId id="257" r:id="rId6"/>
-    <p:sldId id="261" r:id="rId7"/>
+    <p:sldId id="259" r:id="rId3"/>
+    <p:sldId id="260" r:id="rId4"/>
+    <p:sldId id="262" r:id="rId5"/>
+    <p:sldId id="263" r:id="rId6"/>
+    <p:sldId id="264" r:id="rId7"/>
+    <p:sldId id="265" r:id="rId8"/>
+    <p:sldId id="266" r:id="rId9"/>
+    <p:sldId id="270" r:id="rId10"/>
+    <p:sldId id="257" r:id="rId11"/>
+    <p:sldId id="269" r:id="rId12"/>
+    <p:sldId id="261" r:id="rId13"/>
+    <p:sldId id="267" r:id="rId14"/>
+    <p:sldId id="268" r:id="rId15"/>
   </p:sldIdLst>
   <p:sldSz cx="12192000" cy="6858000"/>
   <p:notesSz cx="6858000" cy="9144000"/>
@@ -109,7 +117,429 @@
       </a:defRPr>
     </a:lvl9pPr>
   </p:defaultTextStyle>
+  <p:extLst>
+    <p:ext uri="{EFAFB233-063F-42B5-8137-9DF3F51BA10A}">
+      <p15:sldGuideLst xmlns:p15="http://schemas.microsoft.com/office/powerpoint/2012/main"/>
+    </p:ext>
+  </p:extLst>
 </p:presentation>
+</file>
+
+<file path=ppt/revisionInfo.xml><?xml version="1.0" encoding="utf-8"?>
+<p1510:revInfo xmlns:a="http://schemas.openxmlformats.org/drawingml/2006/main" xmlns:r="http://schemas.openxmlformats.org/officeDocument/2006/relationships" xmlns:p1510="http://schemas.microsoft.com/office/powerpoint/2015/10/main">
+  <p1510:revLst>
+    <p1510:client id="{0478F649-87B9-4FB5-8DF7-8D53D12CDC1A}" v="6" dt="2025-10-28T03:02:55.859"/>
+  </p1510:revLst>
+</p1510:revInfo>
+</file>
+
+<file path=ppt/changesInfos/changesInfo1.xml><?xml version="1.0" encoding="utf-8"?>
+<pc:chgInfo xmlns:a="http://schemas.openxmlformats.org/drawingml/2006/main" xmlns:r="http://schemas.openxmlformats.org/officeDocument/2006/relationships" xmlns:ac="http://schemas.microsoft.com/office/drawing/2013/main/command" xmlns:pc="http://schemas.microsoft.com/office/powerpoint/2013/main/command">
+  <pc:docChgLst>
+    <pc:chgData name="Ben Jefferies" userId="8d19fc6c5aeb33de" providerId="LiveId" clId="{0004A507-A9AB-4C2A-A45A-C0E31ACD0465}"/>
+    <pc:docChg chg="undo custSel addSld delSld modSld sldOrd">
+      <pc:chgData name="Ben Jefferies" userId="8d19fc6c5aeb33de" providerId="LiveId" clId="{0004A507-A9AB-4C2A-A45A-C0E31ACD0465}" dt="2025-10-28T04:18:43.796" v="2934" actId="20577"/>
+      <pc:docMkLst>
+        <pc:docMk/>
+      </pc:docMkLst>
+      <pc:sldChg chg="modSp mod">
+        <pc:chgData name="Ben Jefferies" userId="8d19fc6c5aeb33de" providerId="LiveId" clId="{0004A507-A9AB-4C2A-A45A-C0E31ACD0465}" dt="2025-10-28T03:01:50.906" v="1680" actId="20577"/>
+        <pc:sldMkLst>
+          <pc:docMk/>
+          <pc:sldMk cId="2008411430" sldId="256"/>
+        </pc:sldMkLst>
+        <pc:spChg chg="mod">
+          <ac:chgData name="Ben Jefferies" userId="8d19fc6c5aeb33de" providerId="LiveId" clId="{0004A507-A9AB-4C2A-A45A-C0E31ACD0465}" dt="2025-10-28T03:01:50.906" v="1680" actId="20577"/>
+          <ac:spMkLst>
+            <pc:docMk/>
+            <pc:sldMk cId="2008411430" sldId="256"/>
+            <ac:spMk id="3" creationId="{4CD611C4-A203-9F49-FF31-AAFEE2112C04}"/>
+          </ac:spMkLst>
+        </pc:spChg>
+      </pc:sldChg>
+      <pc:sldChg chg="addSp delSp modSp mod">
+        <pc:chgData name="Ben Jefferies" userId="8d19fc6c5aeb33de" providerId="LiveId" clId="{0004A507-A9AB-4C2A-A45A-C0E31ACD0465}" dt="2025-10-28T02:51:02.284" v="1125" actId="478"/>
+        <pc:sldMkLst>
+          <pc:docMk/>
+          <pc:sldMk cId="2190655310" sldId="257"/>
+        </pc:sldMkLst>
+        <pc:picChg chg="add del mod">
+          <ac:chgData name="Ben Jefferies" userId="8d19fc6c5aeb33de" providerId="LiveId" clId="{0004A507-A9AB-4C2A-A45A-C0E31ACD0465}" dt="2025-10-28T02:51:02.284" v="1125" actId="478"/>
+          <ac:picMkLst>
+            <pc:docMk/>
+            <pc:sldMk cId="2190655310" sldId="257"/>
+            <ac:picMk id="7" creationId="{B458C416-D86B-26D0-4955-32B95B533602}"/>
+          </ac:picMkLst>
+        </pc:picChg>
+      </pc:sldChg>
+      <pc:sldChg chg="del">
+        <pc:chgData name="Ben Jefferies" userId="8d19fc6c5aeb33de" providerId="LiveId" clId="{0004A507-A9AB-4C2A-A45A-C0E31ACD0465}" dt="2025-10-28T03:01:36.212" v="1667" actId="2696"/>
+        <pc:sldMkLst>
+          <pc:docMk/>
+          <pc:sldMk cId="1832061388" sldId="258"/>
+        </pc:sldMkLst>
+      </pc:sldChg>
+      <pc:sldChg chg="modSp mod">
+        <pc:chgData name="Ben Jefferies" userId="8d19fc6c5aeb33de" providerId="LiveId" clId="{0004A507-A9AB-4C2A-A45A-C0E31ACD0465}" dt="2025-10-28T02:01:12.634" v="2" actId="20577"/>
+        <pc:sldMkLst>
+          <pc:docMk/>
+          <pc:sldMk cId="3014990782" sldId="260"/>
+        </pc:sldMkLst>
+        <pc:spChg chg="mod">
+          <ac:chgData name="Ben Jefferies" userId="8d19fc6c5aeb33de" providerId="LiveId" clId="{0004A507-A9AB-4C2A-A45A-C0E31ACD0465}" dt="2025-10-28T02:01:12.634" v="2" actId="20577"/>
+          <ac:spMkLst>
+            <pc:docMk/>
+            <pc:sldMk cId="3014990782" sldId="260"/>
+            <ac:spMk id="7" creationId="{8EBFA053-4132-A9E3-8AA5-BE6BA4D6F50E}"/>
+          </ac:spMkLst>
+        </pc:spChg>
+      </pc:sldChg>
+      <pc:sldChg chg="modSp add mod ord">
+        <pc:chgData name="Ben Jefferies" userId="8d19fc6c5aeb33de" providerId="LiveId" clId="{0004A507-A9AB-4C2A-A45A-C0E31ACD0465}" dt="2025-10-28T03:58:33.001" v="2592" actId="20577"/>
+        <pc:sldMkLst>
+          <pc:docMk/>
+          <pc:sldMk cId="2472634787" sldId="262"/>
+        </pc:sldMkLst>
+        <pc:spChg chg="mod">
+          <ac:chgData name="Ben Jefferies" userId="8d19fc6c5aeb33de" providerId="LiveId" clId="{0004A507-A9AB-4C2A-A45A-C0E31ACD0465}" dt="2025-10-28T02:02:13.182" v="36" actId="20577"/>
+          <ac:spMkLst>
+            <pc:docMk/>
+            <pc:sldMk cId="2472634787" sldId="262"/>
+            <ac:spMk id="4" creationId="{6D1DC09F-86D9-F93A-EDC1-056C49569942}"/>
+          </ac:spMkLst>
+        </pc:spChg>
+        <pc:spChg chg="mod">
+          <ac:chgData name="Ben Jefferies" userId="8d19fc6c5aeb33de" providerId="LiveId" clId="{0004A507-A9AB-4C2A-A45A-C0E31ACD0465}" dt="2025-10-28T02:53:44.551" v="1368" actId="1076"/>
+          <ac:spMkLst>
+            <pc:docMk/>
+            <pc:sldMk cId="2472634787" sldId="262"/>
+            <ac:spMk id="7" creationId="{67FE88C6-21C9-5A24-FABB-6CECF5BD2085}"/>
+          </ac:spMkLst>
+        </pc:spChg>
+        <pc:spChg chg="mod">
+          <ac:chgData name="Ben Jefferies" userId="8d19fc6c5aeb33de" providerId="LiveId" clId="{0004A507-A9AB-4C2A-A45A-C0E31ACD0465}" dt="2025-10-28T03:58:33.001" v="2592" actId="20577"/>
+          <ac:spMkLst>
+            <pc:docMk/>
+            <pc:sldMk cId="2472634787" sldId="262"/>
+            <ac:spMk id="8" creationId="{616F0D2B-B627-A3A7-4911-54530FC94CE7}"/>
+          </ac:spMkLst>
+        </pc:spChg>
+      </pc:sldChg>
+      <pc:sldChg chg="addSp modSp add mod ord">
+        <pc:chgData name="Ben Jefferies" userId="8d19fc6c5aeb33de" providerId="LiveId" clId="{0004A507-A9AB-4C2A-A45A-C0E31ACD0465}" dt="2025-10-28T02:34:54.569" v="1110" actId="1076"/>
+        <pc:sldMkLst>
+          <pc:docMk/>
+          <pc:sldMk cId="1068349991" sldId="263"/>
+        </pc:sldMkLst>
+        <pc:picChg chg="add mod">
+          <ac:chgData name="Ben Jefferies" userId="8d19fc6c5aeb33de" providerId="LiveId" clId="{0004A507-A9AB-4C2A-A45A-C0E31ACD0465}" dt="2025-10-28T02:34:54.569" v="1110" actId="1076"/>
+          <ac:picMkLst>
+            <pc:docMk/>
+            <pc:sldMk cId="1068349991" sldId="263"/>
+            <ac:picMk id="3" creationId="{B986C7C5-598C-41C4-71D1-DE4CB5C494AD}"/>
+          </ac:picMkLst>
+        </pc:picChg>
+      </pc:sldChg>
+      <pc:sldChg chg="addSp delSp modSp add mod">
+        <pc:chgData name="Ben Jefferies" userId="8d19fc6c5aeb33de" providerId="LiveId" clId="{0004A507-A9AB-4C2A-A45A-C0E31ACD0465}" dt="2025-10-28T02:53:49.445" v="1369" actId="1076"/>
+        <pc:sldMkLst>
+          <pc:docMk/>
+          <pc:sldMk cId="3827109017" sldId="264"/>
+        </pc:sldMkLst>
+        <pc:spChg chg="mod">
+          <ac:chgData name="Ben Jefferies" userId="8d19fc6c5aeb33de" providerId="LiveId" clId="{0004A507-A9AB-4C2A-A45A-C0E31ACD0465}" dt="2025-10-28T02:28:06.603" v="707" actId="20577"/>
+          <ac:spMkLst>
+            <pc:docMk/>
+            <pc:sldMk cId="3827109017" sldId="264"/>
+            <ac:spMk id="4" creationId="{526DFDC2-A939-767B-D568-C128AE8AF399}"/>
+          </ac:spMkLst>
+        </pc:spChg>
+        <pc:spChg chg="mod">
+          <ac:chgData name="Ben Jefferies" userId="8d19fc6c5aeb33de" providerId="LiveId" clId="{0004A507-A9AB-4C2A-A45A-C0E31ACD0465}" dt="2025-10-28T02:53:49.445" v="1369" actId="1076"/>
+          <ac:spMkLst>
+            <pc:docMk/>
+            <pc:sldMk cId="3827109017" sldId="264"/>
+            <ac:spMk id="7" creationId="{02F1CDCD-6B23-3A5A-2F48-CB057F9B68B7}"/>
+          </ac:spMkLst>
+        </pc:spChg>
+        <pc:spChg chg="del">
+          <ac:chgData name="Ben Jefferies" userId="8d19fc6c5aeb33de" providerId="LiveId" clId="{0004A507-A9AB-4C2A-A45A-C0E31ACD0465}" dt="2025-10-28T02:16:08.618" v="307" actId="3680"/>
+          <ac:spMkLst>
+            <pc:docMk/>
+            <pc:sldMk cId="3827109017" sldId="264"/>
+            <ac:spMk id="8" creationId="{09A60838-1759-CA53-3BC5-91B055F1A404}"/>
+          </ac:spMkLst>
+        </pc:spChg>
+        <pc:graphicFrameChg chg="add mod ord modGraphic">
+          <ac:chgData name="Ben Jefferies" userId="8d19fc6c5aeb33de" providerId="LiveId" clId="{0004A507-A9AB-4C2A-A45A-C0E31ACD0465}" dt="2025-10-28T02:28:36.870" v="711" actId="1076"/>
+          <ac:graphicFrameMkLst>
+            <pc:docMk/>
+            <pc:sldMk cId="3827109017" sldId="264"/>
+            <ac:graphicFrameMk id="2" creationId="{CCD6CA48-4BDF-103C-5628-05CBBF73E2ED}"/>
+          </ac:graphicFrameMkLst>
+        </pc:graphicFrameChg>
+      </pc:sldChg>
+      <pc:sldChg chg="addSp delSp modSp add mod">
+        <pc:chgData name="Ben Jefferies" userId="8d19fc6c5aeb33de" providerId="LiveId" clId="{0004A507-A9AB-4C2A-A45A-C0E31ACD0465}" dt="2025-10-28T02:57:56.079" v="1599" actId="1076"/>
+        <pc:sldMkLst>
+          <pc:docMk/>
+          <pc:sldMk cId="1889064455" sldId="265"/>
+        </pc:sldMkLst>
+        <pc:spChg chg="mod">
+          <ac:chgData name="Ben Jefferies" userId="8d19fc6c5aeb33de" providerId="LiveId" clId="{0004A507-A9AB-4C2A-A45A-C0E31ACD0465}" dt="2025-10-28T02:51:34.402" v="1207" actId="20577"/>
+          <ac:spMkLst>
+            <pc:docMk/>
+            <pc:sldMk cId="1889064455" sldId="265"/>
+            <ac:spMk id="4" creationId="{F7D06F6C-C0F0-6C50-D8F5-DDD4309AD8A8}"/>
+          </ac:spMkLst>
+        </pc:spChg>
+        <pc:spChg chg="mod">
+          <ac:chgData name="Ben Jefferies" userId="8d19fc6c5aeb33de" providerId="LiveId" clId="{0004A507-A9AB-4C2A-A45A-C0E31ACD0465}" dt="2025-10-28T02:57:56.079" v="1599" actId="1076"/>
+          <ac:spMkLst>
+            <pc:docMk/>
+            <pc:sldMk cId="1889064455" sldId="265"/>
+            <ac:spMk id="7" creationId="{7C693F00-9CBA-2632-89A2-D68C126DC384}"/>
+          </ac:spMkLst>
+        </pc:spChg>
+        <pc:spChg chg="add mod">
+          <ac:chgData name="Ben Jefferies" userId="8d19fc6c5aeb33de" providerId="LiveId" clId="{0004A507-A9AB-4C2A-A45A-C0E31ACD0465}" dt="2025-10-28T02:57:09.830" v="1580" actId="27636"/>
+          <ac:spMkLst>
+            <pc:docMk/>
+            <pc:sldMk cId="1889064455" sldId="265"/>
+            <ac:spMk id="8" creationId="{5AD7B81B-9DAA-6010-AB40-1DE2EEE30F4E}"/>
+          </ac:spMkLst>
+        </pc:spChg>
+        <pc:graphicFrameChg chg="del modGraphic">
+          <ac:chgData name="Ben Jefferies" userId="8d19fc6c5aeb33de" providerId="LiveId" clId="{0004A507-A9AB-4C2A-A45A-C0E31ACD0465}" dt="2025-10-28T02:50:08.177" v="1117" actId="478"/>
+          <ac:graphicFrameMkLst>
+            <pc:docMk/>
+            <pc:sldMk cId="1889064455" sldId="265"/>
+            <ac:graphicFrameMk id="2" creationId="{40DCD23B-C8DE-4195-CD82-E3432AD83671}"/>
+          </ac:graphicFrameMkLst>
+        </pc:graphicFrameChg>
+        <pc:picChg chg="add mod">
+          <ac:chgData name="Ben Jefferies" userId="8d19fc6c5aeb33de" providerId="LiveId" clId="{0004A507-A9AB-4C2A-A45A-C0E31ACD0465}" dt="2025-10-28T02:53:09.764" v="1367" actId="1076"/>
+          <ac:picMkLst>
+            <pc:docMk/>
+            <pc:sldMk cId="1889064455" sldId="265"/>
+            <ac:picMk id="9" creationId="{711D774D-BBCE-09D0-AB39-601F95C00177}"/>
+          </ac:picMkLst>
+        </pc:picChg>
+      </pc:sldChg>
+      <pc:sldChg chg="addSp delSp modSp add mod">
+        <pc:chgData name="Ben Jefferies" userId="8d19fc6c5aeb33de" providerId="LiveId" clId="{0004A507-A9AB-4C2A-A45A-C0E31ACD0465}" dt="2025-10-28T03:40:29.131" v="2515" actId="20577"/>
+        <pc:sldMkLst>
+          <pc:docMk/>
+          <pc:sldMk cId="55117229" sldId="266"/>
+        </pc:sldMkLst>
+        <pc:spChg chg="mod">
+          <ac:chgData name="Ben Jefferies" userId="8d19fc6c5aeb33de" providerId="LiveId" clId="{0004A507-A9AB-4C2A-A45A-C0E31ACD0465}" dt="2025-10-28T03:00:05.258" v="1653" actId="20577"/>
+          <ac:spMkLst>
+            <pc:docMk/>
+            <pc:sldMk cId="55117229" sldId="266"/>
+            <ac:spMk id="4" creationId="{3B7D353A-60BF-2578-46ED-240B6F5E0EA8}"/>
+          </ac:spMkLst>
+        </pc:spChg>
+        <pc:spChg chg="del mod">
+          <ac:chgData name="Ben Jefferies" userId="8d19fc6c5aeb33de" providerId="LiveId" clId="{0004A507-A9AB-4C2A-A45A-C0E31ACD0465}" dt="2025-10-28T03:00:28.935" v="1660" actId="478"/>
+          <ac:spMkLst>
+            <pc:docMk/>
+            <pc:sldMk cId="55117229" sldId="266"/>
+            <ac:spMk id="7" creationId="{3280FAB8-65D7-B157-A399-10EBF3DD4325}"/>
+          </ac:spMkLst>
+        </pc:spChg>
+        <pc:spChg chg="del mod">
+          <ac:chgData name="Ben Jefferies" userId="8d19fc6c5aeb33de" providerId="LiveId" clId="{0004A507-A9AB-4C2A-A45A-C0E31ACD0465}" dt="2025-10-28T03:02:55.859" v="1681"/>
+          <ac:spMkLst>
+            <pc:docMk/>
+            <pc:sldMk cId="55117229" sldId="266"/>
+            <ac:spMk id="8" creationId="{633C82EC-1AB8-8F1F-2961-DEA77A273088}"/>
+          </ac:spMkLst>
+        </pc:spChg>
+        <pc:spChg chg="add del mod">
+          <ac:chgData name="Ben Jefferies" userId="8d19fc6c5aeb33de" providerId="LiveId" clId="{0004A507-A9AB-4C2A-A45A-C0E31ACD0465}" dt="2025-10-28T03:00:46.366" v="1664" actId="478"/>
+          <ac:spMkLst>
+            <pc:docMk/>
+            <pc:sldMk cId="55117229" sldId="266"/>
+            <ac:spMk id="10" creationId="{12D1D96F-63D0-6A5D-4349-B0E62B2C6E18}"/>
+          </ac:spMkLst>
+        </pc:spChg>
+        <pc:spChg chg="add mod">
+          <ac:chgData name="Ben Jefferies" userId="8d19fc6c5aeb33de" providerId="LiveId" clId="{0004A507-A9AB-4C2A-A45A-C0E31ACD0465}" dt="2025-10-28T03:06:55.781" v="2063" actId="20577"/>
+          <ac:spMkLst>
+            <pc:docMk/>
+            <pc:sldMk cId="55117229" sldId="266"/>
+            <ac:spMk id="12" creationId="{5FA47949-860C-57CB-0F90-9818422FEBAD}"/>
+          </ac:spMkLst>
+        </pc:spChg>
+        <pc:spChg chg="add mod">
+          <ac:chgData name="Ben Jefferies" userId="8d19fc6c5aeb33de" providerId="LiveId" clId="{0004A507-A9AB-4C2A-A45A-C0E31ACD0465}" dt="2025-10-28T03:40:29.131" v="2515" actId="20577"/>
+          <ac:spMkLst>
+            <pc:docMk/>
+            <pc:sldMk cId="55117229" sldId="266"/>
+            <ac:spMk id="13" creationId="{15DC784C-7E94-4DD1-3B72-FB9A2D3395F9}"/>
+          </ac:spMkLst>
+        </pc:spChg>
+        <pc:picChg chg="add del mod">
+          <ac:chgData name="Ben Jefferies" userId="8d19fc6c5aeb33de" providerId="LiveId" clId="{0004A507-A9AB-4C2A-A45A-C0E31ACD0465}" dt="2025-10-28T03:00:26.575" v="1659" actId="478"/>
+          <ac:picMkLst>
+            <pc:docMk/>
+            <pc:sldMk cId="55117229" sldId="266"/>
+            <ac:picMk id="2" creationId="{1FDBB67E-2BF1-53B7-AE26-AF97050D5E75}"/>
+          </ac:picMkLst>
+        </pc:picChg>
+        <pc:picChg chg="del">
+          <ac:chgData name="Ben Jefferies" userId="8d19fc6c5aeb33de" providerId="LiveId" clId="{0004A507-A9AB-4C2A-A45A-C0E31ACD0465}" dt="2025-10-28T03:00:08.287" v="1654" actId="478"/>
+          <ac:picMkLst>
+            <pc:docMk/>
+            <pc:sldMk cId="55117229" sldId="266"/>
+            <ac:picMk id="9" creationId="{6004FB41-35BC-7995-ED66-ED96D4F3606C}"/>
+          </ac:picMkLst>
+        </pc:picChg>
+        <pc:picChg chg="add del mod">
+          <ac:chgData name="Ben Jefferies" userId="8d19fc6c5aeb33de" providerId="LiveId" clId="{0004A507-A9AB-4C2A-A45A-C0E31ACD0465}" dt="2025-10-28T03:00:34.805" v="1662" actId="478"/>
+          <ac:picMkLst>
+            <pc:docMk/>
+            <pc:sldMk cId="55117229" sldId="266"/>
+            <ac:picMk id="11" creationId="{78D8689E-6EC9-44D7-E9A7-6DA9ADBF3FC3}"/>
+          </ac:picMkLst>
+        </pc:picChg>
+      </pc:sldChg>
+      <pc:sldChg chg="add ord">
+        <pc:chgData name="Ben Jefferies" userId="8d19fc6c5aeb33de" providerId="LiveId" clId="{0004A507-A9AB-4C2A-A45A-C0E31ACD0465}" dt="2025-10-28T03:20:21.929" v="2315"/>
+        <pc:sldMkLst>
+          <pc:docMk/>
+          <pc:sldMk cId="3634521135" sldId="267"/>
+        </pc:sldMkLst>
+      </pc:sldChg>
+      <pc:sldChg chg="addSp delSp modSp add mod ord">
+        <pc:chgData name="Ben Jefferies" userId="8d19fc6c5aeb33de" providerId="LiveId" clId="{0004A507-A9AB-4C2A-A45A-C0E31ACD0465}" dt="2025-10-28T03:20:59.076" v="2347" actId="1076"/>
+        <pc:sldMkLst>
+          <pc:docMk/>
+          <pc:sldMk cId="435471477" sldId="268"/>
+        </pc:sldMkLst>
+        <pc:spChg chg="add del mod">
+          <ac:chgData name="Ben Jefferies" userId="8d19fc6c5aeb33de" providerId="LiveId" clId="{0004A507-A9AB-4C2A-A45A-C0E31ACD0465}" dt="2025-10-28T03:20:52.942" v="2346" actId="478"/>
+          <ac:spMkLst>
+            <pc:docMk/>
+            <pc:sldMk cId="435471477" sldId="268"/>
+            <ac:spMk id="3" creationId="{D097C573-398A-25B0-F7FB-9E98A298B388}"/>
+          </ac:spMkLst>
+        </pc:spChg>
+        <pc:spChg chg="mod">
+          <ac:chgData name="Ben Jefferies" userId="8d19fc6c5aeb33de" providerId="LiveId" clId="{0004A507-A9AB-4C2A-A45A-C0E31ACD0465}" dt="2025-10-28T03:20:37.723" v="2339" actId="20577"/>
+          <ac:spMkLst>
+            <pc:docMk/>
+            <pc:sldMk cId="435471477" sldId="268"/>
+            <ac:spMk id="4" creationId="{01C5F8A2-18E6-1072-B42F-F258169826E6}"/>
+          </ac:spMkLst>
+        </pc:spChg>
+        <pc:spChg chg="del">
+          <ac:chgData name="Ben Jefferies" userId="8d19fc6c5aeb33de" providerId="LiveId" clId="{0004A507-A9AB-4C2A-A45A-C0E31ACD0465}" dt="2025-10-28T03:20:42.230" v="2340" actId="478"/>
+          <ac:spMkLst>
+            <pc:docMk/>
+            <pc:sldMk cId="435471477" sldId="268"/>
+            <ac:spMk id="12" creationId="{C6AFE955-A3A1-FB66-068A-FB3985FE6B29}"/>
+          </ac:spMkLst>
+        </pc:spChg>
+        <pc:spChg chg="del">
+          <ac:chgData name="Ben Jefferies" userId="8d19fc6c5aeb33de" providerId="LiveId" clId="{0004A507-A9AB-4C2A-A45A-C0E31ACD0465}" dt="2025-10-28T03:20:43.142" v="2341" actId="478"/>
+          <ac:spMkLst>
+            <pc:docMk/>
+            <pc:sldMk cId="435471477" sldId="268"/>
+            <ac:spMk id="13" creationId="{234382EE-87E4-5125-53A7-AAD057BF11F8}"/>
+          </ac:spMkLst>
+        </pc:spChg>
+        <pc:picChg chg="add mod">
+          <ac:chgData name="Ben Jefferies" userId="8d19fc6c5aeb33de" providerId="LiveId" clId="{0004A507-A9AB-4C2A-A45A-C0E31ACD0465}" dt="2025-10-28T03:20:59.076" v="2347" actId="1076"/>
+          <ac:picMkLst>
+            <pc:docMk/>
+            <pc:sldMk cId="435471477" sldId="268"/>
+            <ac:picMk id="8" creationId="{99D4765C-1227-7441-9FEC-49182102EBD3}"/>
+          </ac:picMkLst>
+        </pc:picChg>
+      </pc:sldChg>
+      <pc:sldChg chg="modSp add mod ord">
+        <pc:chgData name="Ben Jefferies" userId="8d19fc6c5aeb33de" providerId="LiveId" clId="{0004A507-A9AB-4C2A-A45A-C0E31ACD0465}" dt="2025-10-28T03:39:58.264" v="2432" actId="20577"/>
+        <pc:sldMkLst>
+          <pc:docMk/>
+          <pc:sldMk cId="2216262750" sldId="269"/>
+        </pc:sldMkLst>
+        <pc:spChg chg="mod">
+          <ac:chgData name="Ben Jefferies" userId="8d19fc6c5aeb33de" providerId="LiveId" clId="{0004A507-A9AB-4C2A-A45A-C0E31ACD0465}" dt="2025-10-28T03:39:18.878" v="2360" actId="20577"/>
+          <ac:spMkLst>
+            <pc:docMk/>
+            <pc:sldMk cId="2216262750" sldId="269"/>
+            <ac:spMk id="4" creationId="{66B227C2-38E8-8277-ABB6-2D6CF5C02142}"/>
+          </ac:spMkLst>
+        </pc:spChg>
+        <pc:spChg chg="mod">
+          <ac:chgData name="Ben Jefferies" userId="8d19fc6c5aeb33de" providerId="LiveId" clId="{0004A507-A9AB-4C2A-A45A-C0E31ACD0465}" dt="2025-10-28T03:39:51.737" v="2431" actId="20577"/>
+          <ac:spMkLst>
+            <pc:docMk/>
+            <pc:sldMk cId="2216262750" sldId="269"/>
+            <ac:spMk id="12" creationId="{4D1B9D98-94A7-A361-4E3A-B441BF46933A}"/>
+          </ac:spMkLst>
+        </pc:spChg>
+        <pc:spChg chg="mod">
+          <ac:chgData name="Ben Jefferies" userId="8d19fc6c5aeb33de" providerId="LiveId" clId="{0004A507-A9AB-4C2A-A45A-C0E31ACD0465}" dt="2025-10-28T03:39:58.264" v="2432" actId="20577"/>
+          <ac:spMkLst>
+            <pc:docMk/>
+            <pc:sldMk cId="2216262750" sldId="269"/>
+            <ac:spMk id="13" creationId="{DB52953C-4B45-9EAF-26A5-70E38D973122}"/>
+          </ac:spMkLst>
+        </pc:spChg>
+      </pc:sldChg>
+      <pc:sldChg chg="addSp delSp modSp add mod">
+        <pc:chgData name="Ben Jefferies" userId="8d19fc6c5aeb33de" providerId="LiveId" clId="{0004A507-A9AB-4C2A-A45A-C0E31ACD0465}" dt="2025-10-28T04:18:43.796" v="2934" actId="20577"/>
+        <pc:sldMkLst>
+          <pc:docMk/>
+          <pc:sldMk cId="1871677651" sldId="270"/>
+        </pc:sldMkLst>
+        <pc:spChg chg="add del mod">
+          <ac:chgData name="Ben Jefferies" userId="8d19fc6c5aeb33de" providerId="LiveId" clId="{0004A507-A9AB-4C2A-A45A-C0E31ACD0465}" dt="2025-10-28T04:15:18.729" v="2604" actId="478"/>
+          <ac:spMkLst>
+            <pc:docMk/>
+            <pc:sldMk cId="1871677651" sldId="270"/>
+            <ac:spMk id="3" creationId="{A1BD0FBA-B250-2459-DF3C-2CE9CE832940}"/>
+          </ac:spMkLst>
+        </pc:spChg>
+        <pc:spChg chg="mod">
+          <ac:chgData name="Ben Jefferies" userId="8d19fc6c5aeb33de" providerId="LiveId" clId="{0004A507-A9AB-4C2A-A45A-C0E31ACD0465}" dt="2025-10-28T04:15:36.230" v="2619" actId="20577"/>
+          <ac:spMkLst>
+            <pc:docMk/>
+            <pc:sldMk cId="1871677651" sldId="270"/>
+            <ac:spMk id="4" creationId="{26BC9103-D035-6E63-BACA-916CF09C09A3}"/>
+          </ac:spMkLst>
+        </pc:spChg>
+        <pc:spChg chg="mod">
+          <ac:chgData name="Ben Jefferies" userId="8d19fc6c5aeb33de" providerId="LiveId" clId="{0004A507-A9AB-4C2A-A45A-C0E31ACD0465}" dt="2025-10-28T04:18:43.796" v="2934" actId="20577"/>
+          <ac:spMkLst>
+            <pc:docMk/>
+            <pc:sldMk cId="1871677651" sldId="270"/>
+            <ac:spMk id="12" creationId="{236E9D6A-F04C-A986-9E49-3FD5F1C54245}"/>
+          </ac:spMkLst>
+        </pc:spChg>
+        <pc:spChg chg="del">
+          <ac:chgData name="Ben Jefferies" userId="8d19fc6c5aeb33de" providerId="LiveId" clId="{0004A507-A9AB-4C2A-A45A-C0E31ACD0465}" dt="2025-10-28T04:11:38.941" v="2594" actId="478"/>
+          <ac:spMkLst>
+            <pc:docMk/>
+            <pc:sldMk cId="1871677651" sldId="270"/>
+            <ac:spMk id="13" creationId="{6E44A524-FFB1-7010-8196-000E7DD1E3E5}"/>
+          </ac:spMkLst>
+        </pc:spChg>
+        <pc:picChg chg="add mod">
+          <ac:chgData name="Ben Jefferies" userId="8d19fc6c5aeb33de" providerId="LiveId" clId="{0004A507-A9AB-4C2A-A45A-C0E31ACD0465}" dt="2025-10-28T04:15:10.437" v="2603" actId="1076"/>
+          <ac:picMkLst>
+            <pc:docMk/>
+            <pc:sldMk cId="1871677651" sldId="270"/>
+            <ac:picMk id="8" creationId="{9873D483-FE36-E7C7-AB8A-015CD0B3C554}"/>
+          </ac:picMkLst>
+        </pc:picChg>
+      </pc:sldChg>
+    </pc:docChg>
+  </pc:docChgLst>
+</pc:chgInfo>
 </file>
 
 <file path=ppt/slideLayouts/slideLayout1.xml><?xml version="1.0" encoding="utf-8"?>
@@ -3379,7 +3809,7 @@
           <a:p>
             <a:r>
               <a:rPr lang="en-US" dirty="0"/>
-              <a:t>Committing to NAU’s Strategic Mission</a:t>
+              <a:t>Fulfilling NAU’s Strategic Mission</a:t>
             </a:r>
           </a:p>
           <a:p>
@@ -3503,7 +3933,7 @@
 </p:sld>
 </file>
 
-<file path=ppt/slides/slide2.xml><?xml version="1.0" encoding="utf-8"?>
+<file path=ppt/slides/slide10.xml><?xml version="1.0" encoding="utf-8"?>
 <p:sld xmlns:a="http://schemas.openxmlformats.org/drawingml/2006/main" xmlns:r="http://schemas.openxmlformats.org/officeDocument/2006/relationships" xmlns:p="http://schemas.openxmlformats.org/presentationml/2006/main">
   <p:cSld>
     <p:spTree>
@@ -3511,7 +3941,7 @@
         <p:cNvPr id="1" name="">
           <a:extLst>
             <a:ext uri="{FF2B5EF4-FFF2-40B4-BE49-F238E27FC236}">
-              <a16:creationId xmlns:a16="http://schemas.microsoft.com/office/drawing/2014/main" id="{862BC1AF-B29E-CB43-5484-17A33C988C28}"/>
+              <a16:creationId xmlns:a16="http://schemas.microsoft.com/office/drawing/2014/main" id="{2A806912-E32C-D058-7D0C-58B959C83671}"/>
             </a:ext>
           </a:extLst>
         </p:cNvPr>
@@ -3528,10 +3958,10 @@
       </p:grpSpPr>
       <p:sp>
         <p:nvSpPr>
-          <p:cNvPr id="4" name="Title 3">
-            <a:extLst>
-              <a:ext uri="{FF2B5EF4-FFF2-40B4-BE49-F238E27FC236}">
-                <a16:creationId xmlns:a16="http://schemas.microsoft.com/office/drawing/2014/main" id="{0F386EC2-026F-B97C-090A-BC284AC40C52}"/>
+          <p:cNvPr id="2" name="Title 1">
+            <a:extLst>
+              <a:ext uri="{FF2B5EF4-FFF2-40B4-BE49-F238E27FC236}">
+                <a16:creationId xmlns:a16="http://schemas.microsoft.com/office/drawing/2014/main" id="{F53838C5-8C12-FD70-FD9C-B7FDA78E1164}"/>
               </a:ext>
             </a:extLst>
           </p:cNvPr>
@@ -3539,32 +3969,24 @@
             <a:spLocks noGrp="1"/>
           </p:cNvSpPr>
           <p:nvPr>
-            <p:ph type="title"/>
+            <p:ph type="ctrTitle"/>
           </p:nvPr>
         </p:nvSpPr>
-        <p:spPr>
-          <a:xfrm>
-            <a:off x="838200" y="500062"/>
-            <a:ext cx="10515600" cy="1325563"/>
-          </a:xfrm>
-        </p:spPr>
+        <p:spPr/>
         <p:txBody>
           <a:bodyPr/>
           <a:lstStyle/>
           <a:p>
-            <a:r>
-              <a:rPr lang="en-US" dirty="0"/>
-              <a:t>Introduction</a:t>
-            </a:r>
-          </a:p>
-        </p:txBody>
-      </p:sp>
-      <p:sp>
-        <p:nvSpPr>
-          <p:cNvPr id="7" name="Content Placeholder 6">
-            <a:extLst>
-              <a:ext uri="{FF2B5EF4-FFF2-40B4-BE49-F238E27FC236}">
-                <a16:creationId xmlns:a16="http://schemas.microsoft.com/office/drawing/2014/main" id="{0B20BA2E-982E-B69D-C1F3-38F47563B635}"/>
+            <a:endParaRPr lang="en-US" dirty="0"/>
+          </a:p>
+        </p:txBody>
+      </p:sp>
+      <p:sp>
+        <p:nvSpPr>
+          <p:cNvPr id="3" name="Subtitle 2">
+            <a:extLst>
+              <a:ext uri="{FF2B5EF4-FFF2-40B4-BE49-F238E27FC236}">
+                <a16:creationId xmlns:a16="http://schemas.microsoft.com/office/drawing/2014/main" id="{E31881A4-1819-3D79-9238-5E493D4EDBD0}"/>
               </a:ext>
             </a:extLst>
           </p:cNvPr>
@@ -3572,7 +3994,7 @@
             <a:spLocks noGrp="1"/>
           </p:cNvSpPr>
           <p:nvPr>
-            <p:ph sz="half" idx="1"/>
+            <p:ph type="subTitle" idx="1"/>
           </p:nvPr>
         </p:nvSpPr>
         <p:spPr/>
@@ -3580,31 +4002,6 @@
           <a:bodyPr/>
           <a:lstStyle/>
           <a:p>
-            <a:endParaRPr lang="en-US" dirty="0"/>
-          </a:p>
-        </p:txBody>
-      </p:sp>
-      <p:sp>
-        <p:nvSpPr>
-          <p:cNvPr id="8" name="Content Placeholder 7">
-            <a:extLst>
-              <a:ext uri="{FF2B5EF4-FFF2-40B4-BE49-F238E27FC236}">
-                <a16:creationId xmlns:a16="http://schemas.microsoft.com/office/drawing/2014/main" id="{BE549ED4-CCB0-BB60-6CFF-2D390EC537A6}"/>
-              </a:ext>
-            </a:extLst>
-          </p:cNvPr>
-          <p:cNvSpPr>
-            <a:spLocks noGrp="1"/>
-          </p:cNvSpPr>
-          <p:nvPr>
-            <p:ph sz="half" idx="2"/>
-          </p:nvPr>
-        </p:nvSpPr>
-        <p:spPr/>
-        <p:txBody>
-          <a:bodyPr/>
-          <a:lstStyle/>
-          <a:p>
             <a:endParaRPr lang="en-US"/>
           </a:p>
         </p:txBody>
@@ -3614,7 +4011,7 @@
           <p:cNvPr id="6" name="Artifact">
             <a:extLst>
               <a:ext uri="{FF2B5EF4-FFF2-40B4-BE49-F238E27FC236}">
-                <a16:creationId xmlns:a16="http://schemas.microsoft.com/office/drawing/2014/main" id="{C625D164-0D36-87C8-C189-CEB49B3118F9}"/>
+                <a16:creationId xmlns:a16="http://schemas.microsoft.com/office/drawing/2014/main" id="{C92A24BA-F8D1-95F0-53EC-5D111E08C5A5}"/>
               </a:ext>
               <a:ext uri="{C183D7F6-B498-43B3-948B-1728B52AA6E4}">
                 <adec:decorative xmlns:adec="http://schemas.microsoft.com/office/drawing/2017/decorative" val="1"/>
@@ -3684,7 +4081,7 @@
           <p:cNvPr id="5" name="Figure" descr="NAU: Northern Arizona University.">
             <a:extLst>
               <a:ext uri="{FF2B5EF4-FFF2-40B4-BE49-F238E27FC236}">
-                <a16:creationId xmlns:a16="http://schemas.microsoft.com/office/drawing/2014/main" id="{88195981-8C88-5F88-0EC5-D48F84F8BB01}"/>
+                <a16:creationId xmlns:a16="http://schemas.microsoft.com/office/drawing/2014/main" id="{8FC6B846-6196-24DF-9BD9-CF2221680D8B}"/>
               </a:ext>
             </a:extLst>
           </p:cNvPr>
@@ -3712,7 +4109,7 @@
     </p:spTree>
     <p:extLst>
       <p:ext uri="{BB962C8B-B14F-4D97-AF65-F5344CB8AC3E}">
-        <p14:creationId xmlns:p14="http://schemas.microsoft.com/office/powerpoint/2010/main" val="1832061388"/>
+        <p14:creationId xmlns:p14="http://schemas.microsoft.com/office/powerpoint/2010/main" val="2190655310"/>
       </p:ext>
     </p:extLst>
   </p:cSld>
@@ -3722,7 +4119,7 @@
 </p:sld>
 </file>
 
-<file path=ppt/slides/slide3.xml><?xml version="1.0" encoding="utf-8"?>
+<file path=ppt/slides/slide11.xml><?xml version="1.0" encoding="utf-8"?>
 <p:sld xmlns:a="http://schemas.openxmlformats.org/drawingml/2006/main" xmlns:r="http://schemas.openxmlformats.org/officeDocument/2006/relationships" xmlns:p="http://schemas.openxmlformats.org/presentationml/2006/main">
   <p:cSld>
     <p:spTree>
@@ -3730,7 +4127,7 @@
         <p:cNvPr id="1" name="">
           <a:extLst>
             <a:ext uri="{FF2B5EF4-FFF2-40B4-BE49-F238E27FC236}">
-              <a16:creationId xmlns:a16="http://schemas.microsoft.com/office/drawing/2014/main" id="{83FE8571-7104-591A-33A8-72897B7E75BB}"/>
+              <a16:creationId xmlns:a16="http://schemas.microsoft.com/office/drawing/2014/main" id="{90D891B7-2542-9866-0354-8D9A078A2137}"/>
             </a:ext>
           </a:extLst>
         </p:cNvPr>
@@ -3750,7 +4147,7 @@
           <p:cNvPr id="4" name="Title 3">
             <a:extLst>
               <a:ext uri="{FF2B5EF4-FFF2-40B4-BE49-F238E27FC236}">
-                <a16:creationId xmlns:a16="http://schemas.microsoft.com/office/drawing/2014/main" id="{6A00154C-4546-228C-5EC5-93942BADADE9}"/>
+                <a16:creationId xmlns:a16="http://schemas.microsoft.com/office/drawing/2014/main" id="{66B227C2-38E8-8277-ABB6-2D6CF5C02142}"/>
               </a:ext>
             </a:extLst>
           </p:cNvPr>
@@ -3773,61 +4170,7 @@
           <a:p>
             <a:r>
               <a:rPr lang="en-US" dirty="0"/>
-              <a:t>Analysis Purpose</a:t>
-            </a:r>
-          </a:p>
-        </p:txBody>
-      </p:sp>
-      <p:sp>
-        <p:nvSpPr>
-          <p:cNvPr id="7" name="Content Placeholder 6">
-            <a:extLst>
-              <a:ext uri="{FF2B5EF4-FFF2-40B4-BE49-F238E27FC236}">
-                <a16:creationId xmlns:a16="http://schemas.microsoft.com/office/drawing/2014/main" id="{CFB72467-9585-A0AB-2282-DE27D092C278}"/>
-              </a:ext>
-            </a:extLst>
-          </p:cNvPr>
-          <p:cNvSpPr>
-            <a:spLocks noGrp="1"/>
-          </p:cNvSpPr>
-          <p:nvPr>
-            <p:ph sz="half" idx="1"/>
-          </p:nvPr>
-        </p:nvSpPr>
-        <p:spPr>
-          <a:xfrm>
-            <a:off x="838200" y="1825625"/>
-            <a:ext cx="10515600" cy="4351338"/>
-          </a:xfrm>
-        </p:spPr>
-        <p:txBody>
-          <a:bodyPr/>
-          <a:lstStyle/>
-          <a:p>
-            <a:r>
-              <a:rPr lang="en-US" dirty="0"/>
-              <a:t>Objective: uncover patterns and insights in student enrollment and retention during a fall admissions cycle.</a:t>
-            </a:r>
-          </a:p>
-          <a:p>
-            <a:r>
-              <a:rPr lang="en-US" dirty="0"/>
-              <a:t>Framework: data and trends are assessed through the lens of NAU’s </a:t>
-            </a:r>
-            <a:r>
-              <a:rPr lang="en-US" i="1" dirty="0"/>
-              <a:t>Elevating Excellence </a:t>
-            </a:r>
-            <a:r>
-              <a:rPr lang="en-US" dirty="0"/>
-              <a:t>strategic roadmap.</a:t>
-            </a:r>
-          </a:p>
-          <a:p>
-            <a:pPr lvl="1"/>
-            <a:r>
-              <a:rPr lang="en-US" dirty="0"/>
-              <a:t>Primary Research Questions: </a:t>
+              <a:t>Conclusion</a:t>
             </a:r>
           </a:p>
         </p:txBody>
@@ -3837,7 +4180,7 @@
           <p:cNvPr id="6" name="Artifact">
             <a:extLst>
               <a:ext uri="{FF2B5EF4-FFF2-40B4-BE49-F238E27FC236}">
-                <a16:creationId xmlns:a16="http://schemas.microsoft.com/office/drawing/2014/main" id="{65181F08-2E6A-CD5E-B191-03E43BAA1B5D}"/>
+                <a16:creationId xmlns:a16="http://schemas.microsoft.com/office/drawing/2014/main" id="{2787D985-6518-358E-0B6F-4BCEEA098ACE}"/>
               </a:ext>
               <a:ext uri="{C183D7F6-B498-43B3-948B-1728B52AA6E4}">
                 <adec:decorative xmlns:adec="http://schemas.microsoft.com/office/drawing/2017/decorative" val="1"/>
@@ -3907,7 +4250,7 @@
           <p:cNvPr id="5" name="Figure" descr="NAU: Northern Arizona University.">
             <a:extLst>
               <a:ext uri="{FF2B5EF4-FFF2-40B4-BE49-F238E27FC236}">
-                <a16:creationId xmlns:a16="http://schemas.microsoft.com/office/drawing/2014/main" id="{0699236A-4606-7FE8-1E5F-29700072672A}"/>
+                <a16:creationId xmlns:a16="http://schemas.microsoft.com/office/drawing/2014/main" id="{31B09752-0451-20D8-9E07-04C3DFADA5D7}"/>
               </a:ext>
             </a:extLst>
           </p:cNvPr>
@@ -3932,10 +4275,427 @@
           </a:prstGeom>
         </p:spPr>
       </p:pic>
+      <p:sp>
+        <p:nvSpPr>
+          <p:cNvPr id="12" name="Content Placeholder 6">
+            <a:extLst>
+              <a:ext uri="{FF2B5EF4-FFF2-40B4-BE49-F238E27FC236}">
+                <a16:creationId xmlns:a16="http://schemas.microsoft.com/office/drawing/2014/main" id="{4D1B9D98-94A7-A361-4E3A-B441BF46933A}"/>
+              </a:ext>
+            </a:extLst>
+          </p:cNvPr>
+          <p:cNvSpPr txBox="1">
+            <a:spLocks/>
+          </p:cNvSpPr>
+          <p:nvPr/>
+        </p:nvSpPr>
+        <p:spPr>
+          <a:xfrm>
+            <a:off x="715370" y="1652154"/>
+            <a:ext cx="5181600" cy="4900201"/>
+          </a:xfrm>
+          <a:prstGeom prst="rect">
+            <a:avLst/>
+          </a:prstGeom>
+        </p:spPr>
+        <p:txBody>
+          <a:bodyPr vert="horz" lIns="91440" tIns="45720" rIns="91440" bIns="45720" rtlCol="0">
+            <a:normAutofit/>
+          </a:bodyPr>
+          <a:lstStyle>
+            <a:lvl1pPr marL="228600" indent="-228600" algn="l" defTabSz="914400" rtl="0" eaLnBrk="1" latinLnBrk="0" hangingPunct="1">
+              <a:lnSpc>
+                <a:spcPct val="90000"/>
+              </a:lnSpc>
+              <a:spcBef>
+                <a:spcPts val="1000"/>
+              </a:spcBef>
+              <a:buFont typeface="Arial" panose="020B0604020202020204" pitchFamily="34" charset="0"/>
+              <a:buChar char="•"/>
+              <a:defRPr sz="2800" kern="1200">
+                <a:solidFill>
+                  <a:schemeClr val="tx1"/>
+                </a:solidFill>
+                <a:latin typeface="+mn-lt"/>
+                <a:ea typeface="+mn-ea"/>
+                <a:cs typeface="+mn-cs"/>
+              </a:defRPr>
+            </a:lvl1pPr>
+            <a:lvl2pPr marL="685800" indent="-228600" algn="l" defTabSz="914400" rtl="0" eaLnBrk="1" latinLnBrk="0" hangingPunct="1">
+              <a:lnSpc>
+                <a:spcPct val="90000"/>
+              </a:lnSpc>
+              <a:spcBef>
+                <a:spcPts val="500"/>
+              </a:spcBef>
+              <a:buFont typeface="Arial" panose="020B0604020202020204" pitchFamily="34" charset="0"/>
+              <a:buChar char="•"/>
+              <a:defRPr sz="2400" kern="1200">
+                <a:solidFill>
+                  <a:schemeClr val="tx1"/>
+                </a:solidFill>
+                <a:latin typeface="+mn-lt"/>
+                <a:ea typeface="+mn-ea"/>
+                <a:cs typeface="+mn-cs"/>
+              </a:defRPr>
+            </a:lvl2pPr>
+            <a:lvl3pPr marL="1143000" indent="-228600" algn="l" defTabSz="914400" rtl="0" eaLnBrk="1" latinLnBrk="0" hangingPunct="1">
+              <a:lnSpc>
+                <a:spcPct val="90000"/>
+              </a:lnSpc>
+              <a:spcBef>
+                <a:spcPts val="500"/>
+              </a:spcBef>
+              <a:buFont typeface="Arial" panose="020B0604020202020204" pitchFamily="34" charset="0"/>
+              <a:buChar char="•"/>
+              <a:defRPr sz="2000" kern="1200">
+                <a:solidFill>
+                  <a:schemeClr val="tx1"/>
+                </a:solidFill>
+                <a:latin typeface="+mn-lt"/>
+                <a:ea typeface="+mn-ea"/>
+                <a:cs typeface="+mn-cs"/>
+              </a:defRPr>
+            </a:lvl3pPr>
+            <a:lvl4pPr marL="1600200" indent="-228600" algn="l" defTabSz="914400" rtl="0" eaLnBrk="1" latinLnBrk="0" hangingPunct="1">
+              <a:lnSpc>
+                <a:spcPct val="90000"/>
+              </a:lnSpc>
+              <a:spcBef>
+                <a:spcPts val="500"/>
+              </a:spcBef>
+              <a:buFont typeface="Arial" panose="020B0604020202020204" pitchFamily="34" charset="0"/>
+              <a:buChar char="•"/>
+              <a:defRPr sz="1800" kern="1200">
+                <a:solidFill>
+                  <a:schemeClr val="tx1"/>
+                </a:solidFill>
+                <a:latin typeface="+mn-lt"/>
+                <a:ea typeface="+mn-ea"/>
+                <a:cs typeface="+mn-cs"/>
+              </a:defRPr>
+            </a:lvl4pPr>
+            <a:lvl5pPr marL="2057400" indent="-228600" algn="l" defTabSz="914400" rtl="0" eaLnBrk="1" latinLnBrk="0" hangingPunct="1">
+              <a:lnSpc>
+                <a:spcPct val="90000"/>
+              </a:lnSpc>
+              <a:spcBef>
+                <a:spcPts val="500"/>
+              </a:spcBef>
+              <a:buFont typeface="Arial" panose="020B0604020202020204" pitchFamily="34" charset="0"/>
+              <a:buChar char="•"/>
+              <a:defRPr sz="1800" kern="1200">
+                <a:solidFill>
+                  <a:schemeClr val="tx1"/>
+                </a:solidFill>
+                <a:latin typeface="+mn-lt"/>
+                <a:ea typeface="+mn-ea"/>
+                <a:cs typeface="+mn-cs"/>
+              </a:defRPr>
+            </a:lvl5pPr>
+            <a:lvl6pPr marL="2514600" indent="-228600" algn="l" defTabSz="914400" rtl="0" eaLnBrk="1" latinLnBrk="0" hangingPunct="1">
+              <a:lnSpc>
+                <a:spcPct val="90000"/>
+              </a:lnSpc>
+              <a:spcBef>
+                <a:spcPts val="500"/>
+              </a:spcBef>
+              <a:buFont typeface="Arial" panose="020B0604020202020204" pitchFamily="34" charset="0"/>
+              <a:buChar char="•"/>
+              <a:defRPr sz="1800" kern="1200">
+                <a:solidFill>
+                  <a:schemeClr val="tx1"/>
+                </a:solidFill>
+                <a:latin typeface="+mn-lt"/>
+                <a:ea typeface="+mn-ea"/>
+                <a:cs typeface="+mn-cs"/>
+              </a:defRPr>
+            </a:lvl6pPr>
+            <a:lvl7pPr marL="2971800" indent="-228600" algn="l" defTabSz="914400" rtl="0" eaLnBrk="1" latinLnBrk="0" hangingPunct="1">
+              <a:lnSpc>
+                <a:spcPct val="90000"/>
+              </a:lnSpc>
+              <a:spcBef>
+                <a:spcPts val="500"/>
+              </a:spcBef>
+              <a:buFont typeface="Arial" panose="020B0604020202020204" pitchFamily="34" charset="0"/>
+              <a:buChar char="•"/>
+              <a:defRPr sz="1800" kern="1200">
+                <a:solidFill>
+                  <a:schemeClr val="tx1"/>
+                </a:solidFill>
+                <a:latin typeface="+mn-lt"/>
+                <a:ea typeface="+mn-ea"/>
+                <a:cs typeface="+mn-cs"/>
+              </a:defRPr>
+            </a:lvl7pPr>
+            <a:lvl8pPr marL="3429000" indent="-228600" algn="l" defTabSz="914400" rtl="0" eaLnBrk="1" latinLnBrk="0" hangingPunct="1">
+              <a:lnSpc>
+                <a:spcPct val="90000"/>
+              </a:lnSpc>
+              <a:spcBef>
+                <a:spcPts val="500"/>
+              </a:spcBef>
+              <a:buFont typeface="Arial" panose="020B0604020202020204" pitchFamily="34" charset="0"/>
+              <a:buChar char="•"/>
+              <a:defRPr sz="1800" kern="1200">
+                <a:solidFill>
+                  <a:schemeClr val="tx1"/>
+                </a:solidFill>
+                <a:latin typeface="+mn-lt"/>
+                <a:ea typeface="+mn-ea"/>
+                <a:cs typeface="+mn-cs"/>
+              </a:defRPr>
+            </a:lvl8pPr>
+            <a:lvl9pPr marL="3886200" indent="-228600" algn="l" defTabSz="914400" rtl="0" eaLnBrk="1" latinLnBrk="0" hangingPunct="1">
+              <a:lnSpc>
+                <a:spcPct val="90000"/>
+              </a:lnSpc>
+              <a:spcBef>
+                <a:spcPts val="500"/>
+              </a:spcBef>
+              <a:buFont typeface="Arial" panose="020B0604020202020204" pitchFamily="34" charset="0"/>
+              <a:buChar char="•"/>
+              <a:defRPr sz="1800" kern="1200">
+                <a:solidFill>
+                  <a:schemeClr val="tx1"/>
+                </a:solidFill>
+                <a:latin typeface="+mn-lt"/>
+                <a:ea typeface="+mn-ea"/>
+                <a:cs typeface="+mn-cs"/>
+              </a:defRPr>
+            </a:lvl9pPr>
+          </a:lstStyle>
+          <a:p>
+            <a:r>
+              <a:rPr lang="en-US" dirty="0"/>
+              <a:t>Recommendations</a:t>
+            </a:r>
+          </a:p>
+          <a:p>
+            <a:pPr marL="514350" indent="-514350">
+              <a:buFont typeface="+mj-lt"/>
+              <a:buAutoNum type="arabicPeriod"/>
+            </a:pPr>
+            <a:r>
+              <a:rPr lang="en-US" dirty="0"/>
+              <a:t>Split methods for Hispanic and Indigenous students</a:t>
+            </a:r>
+          </a:p>
+          <a:p>
+            <a:endParaRPr lang="en-US" dirty="0"/>
+          </a:p>
+          <a:p>
+            <a:pPr lvl="1"/>
+            <a:endParaRPr lang="en-US" dirty="0"/>
+          </a:p>
+          <a:p>
+            <a:endParaRPr lang="en-US" dirty="0"/>
+          </a:p>
+        </p:txBody>
+      </p:sp>
+      <p:sp>
+        <p:nvSpPr>
+          <p:cNvPr id="13" name="Content Placeholder 6">
+            <a:extLst>
+              <a:ext uri="{FF2B5EF4-FFF2-40B4-BE49-F238E27FC236}">
+                <a16:creationId xmlns:a16="http://schemas.microsoft.com/office/drawing/2014/main" id="{DB52953C-4B45-9EAF-26A5-70E38D973122}"/>
+              </a:ext>
+            </a:extLst>
+          </p:cNvPr>
+          <p:cNvSpPr txBox="1">
+            <a:spLocks noGrp="1"/>
+          </p:cNvSpPr>
+          <p:nvPr>
+            <p:ph sz="half" idx="2"/>
+          </p:nvPr>
+        </p:nvSpPr>
+        <p:spPr>
+          <a:xfrm>
+            <a:off x="6172200" y="1652153"/>
+            <a:ext cx="5304430" cy="4900201"/>
+          </a:xfrm>
+          <a:prstGeom prst="rect">
+            <a:avLst/>
+          </a:prstGeom>
+        </p:spPr>
+        <p:txBody>
+          <a:bodyPr vert="horz" lIns="91440" tIns="45720" rIns="91440" bIns="45720" rtlCol="0">
+            <a:normAutofit/>
+          </a:bodyPr>
+          <a:lstStyle>
+            <a:lvl1pPr marL="228600" indent="-228600" algn="l" defTabSz="914400" rtl="0" eaLnBrk="1" latinLnBrk="0" hangingPunct="1">
+              <a:lnSpc>
+                <a:spcPct val="90000"/>
+              </a:lnSpc>
+              <a:spcBef>
+                <a:spcPts val="1000"/>
+              </a:spcBef>
+              <a:buFont typeface="Arial" panose="020B0604020202020204" pitchFamily="34" charset="0"/>
+              <a:buChar char="•"/>
+              <a:defRPr sz="2800" kern="1200">
+                <a:solidFill>
+                  <a:schemeClr val="tx1"/>
+                </a:solidFill>
+                <a:latin typeface="+mn-lt"/>
+                <a:ea typeface="+mn-ea"/>
+                <a:cs typeface="+mn-cs"/>
+              </a:defRPr>
+            </a:lvl1pPr>
+            <a:lvl2pPr marL="685800" indent="-228600" algn="l" defTabSz="914400" rtl="0" eaLnBrk="1" latinLnBrk="0" hangingPunct="1">
+              <a:lnSpc>
+                <a:spcPct val="90000"/>
+              </a:lnSpc>
+              <a:spcBef>
+                <a:spcPts val="500"/>
+              </a:spcBef>
+              <a:buFont typeface="Arial" panose="020B0604020202020204" pitchFamily="34" charset="0"/>
+              <a:buChar char="•"/>
+              <a:defRPr sz="2400" kern="1200">
+                <a:solidFill>
+                  <a:schemeClr val="tx1"/>
+                </a:solidFill>
+                <a:latin typeface="+mn-lt"/>
+                <a:ea typeface="+mn-ea"/>
+                <a:cs typeface="+mn-cs"/>
+              </a:defRPr>
+            </a:lvl2pPr>
+            <a:lvl3pPr marL="1143000" indent="-228600" algn="l" defTabSz="914400" rtl="0" eaLnBrk="1" latinLnBrk="0" hangingPunct="1">
+              <a:lnSpc>
+                <a:spcPct val="90000"/>
+              </a:lnSpc>
+              <a:spcBef>
+                <a:spcPts val="500"/>
+              </a:spcBef>
+              <a:buFont typeface="Arial" panose="020B0604020202020204" pitchFamily="34" charset="0"/>
+              <a:buChar char="•"/>
+              <a:defRPr sz="2000" kern="1200">
+                <a:solidFill>
+                  <a:schemeClr val="tx1"/>
+                </a:solidFill>
+                <a:latin typeface="+mn-lt"/>
+                <a:ea typeface="+mn-ea"/>
+                <a:cs typeface="+mn-cs"/>
+              </a:defRPr>
+            </a:lvl3pPr>
+            <a:lvl4pPr marL="1600200" indent="-228600" algn="l" defTabSz="914400" rtl="0" eaLnBrk="1" latinLnBrk="0" hangingPunct="1">
+              <a:lnSpc>
+                <a:spcPct val="90000"/>
+              </a:lnSpc>
+              <a:spcBef>
+                <a:spcPts val="500"/>
+              </a:spcBef>
+              <a:buFont typeface="Arial" panose="020B0604020202020204" pitchFamily="34" charset="0"/>
+              <a:buChar char="•"/>
+              <a:defRPr sz="1800" kern="1200">
+                <a:solidFill>
+                  <a:schemeClr val="tx1"/>
+                </a:solidFill>
+                <a:latin typeface="+mn-lt"/>
+                <a:ea typeface="+mn-ea"/>
+                <a:cs typeface="+mn-cs"/>
+              </a:defRPr>
+            </a:lvl4pPr>
+            <a:lvl5pPr marL="2057400" indent="-228600" algn="l" defTabSz="914400" rtl="0" eaLnBrk="1" latinLnBrk="0" hangingPunct="1">
+              <a:lnSpc>
+                <a:spcPct val="90000"/>
+              </a:lnSpc>
+              <a:spcBef>
+                <a:spcPts val="500"/>
+              </a:spcBef>
+              <a:buFont typeface="Arial" panose="020B0604020202020204" pitchFamily="34" charset="0"/>
+              <a:buChar char="•"/>
+              <a:defRPr sz="1800" kern="1200">
+                <a:solidFill>
+                  <a:schemeClr val="tx1"/>
+                </a:solidFill>
+                <a:latin typeface="+mn-lt"/>
+                <a:ea typeface="+mn-ea"/>
+                <a:cs typeface="+mn-cs"/>
+              </a:defRPr>
+            </a:lvl5pPr>
+            <a:lvl6pPr marL="2514600" indent="-228600" algn="l" defTabSz="914400" rtl="0" eaLnBrk="1" latinLnBrk="0" hangingPunct="1">
+              <a:lnSpc>
+                <a:spcPct val="90000"/>
+              </a:lnSpc>
+              <a:spcBef>
+                <a:spcPts val="500"/>
+              </a:spcBef>
+              <a:buFont typeface="Arial" panose="020B0604020202020204" pitchFamily="34" charset="0"/>
+              <a:buChar char="•"/>
+              <a:defRPr sz="1800" kern="1200">
+                <a:solidFill>
+                  <a:schemeClr val="tx1"/>
+                </a:solidFill>
+                <a:latin typeface="+mn-lt"/>
+                <a:ea typeface="+mn-ea"/>
+                <a:cs typeface="+mn-cs"/>
+              </a:defRPr>
+            </a:lvl6pPr>
+            <a:lvl7pPr marL="2971800" indent="-228600" algn="l" defTabSz="914400" rtl="0" eaLnBrk="1" latinLnBrk="0" hangingPunct="1">
+              <a:lnSpc>
+                <a:spcPct val="90000"/>
+              </a:lnSpc>
+              <a:spcBef>
+                <a:spcPts val="500"/>
+              </a:spcBef>
+              <a:buFont typeface="Arial" panose="020B0604020202020204" pitchFamily="34" charset="0"/>
+              <a:buChar char="•"/>
+              <a:defRPr sz="1800" kern="1200">
+                <a:solidFill>
+                  <a:schemeClr val="tx1"/>
+                </a:solidFill>
+                <a:latin typeface="+mn-lt"/>
+                <a:ea typeface="+mn-ea"/>
+                <a:cs typeface="+mn-cs"/>
+              </a:defRPr>
+            </a:lvl7pPr>
+            <a:lvl8pPr marL="3429000" indent="-228600" algn="l" defTabSz="914400" rtl="0" eaLnBrk="1" latinLnBrk="0" hangingPunct="1">
+              <a:lnSpc>
+                <a:spcPct val="90000"/>
+              </a:lnSpc>
+              <a:spcBef>
+                <a:spcPts val="500"/>
+              </a:spcBef>
+              <a:buFont typeface="Arial" panose="020B0604020202020204" pitchFamily="34" charset="0"/>
+              <a:buChar char="•"/>
+              <a:defRPr sz="1800" kern="1200">
+                <a:solidFill>
+                  <a:schemeClr val="tx1"/>
+                </a:solidFill>
+                <a:latin typeface="+mn-lt"/>
+                <a:ea typeface="+mn-ea"/>
+                <a:cs typeface="+mn-cs"/>
+              </a:defRPr>
+            </a:lvl8pPr>
+            <a:lvl9pPr marL="3886200" indent="-228600" algn="l" defTabSz="914400" rtl="0" eaLnBrk="1" latinLnBrk="0" hangingPunct="1">
+              <a:lnSpc>
+                <a:spcPct val="90000"/>
+              </a:lnSpc>
+              <a:spcBef>
+                <a:spcPts val="500"/>
+              </a:spcBef>
+              <a:buFont typeface="Arial" panose="020B0604020202020204" pitchFamily="34" charset="0"/>
+              <a:buChar char="•"/>
+              <a:defRPr sz="1800" kern="1200">
+                <a:solidFill>
+                  <a:schemeClr val="tx1"/>
+                </a:solidFill>
+                <a:latin typeface="+mn-lt"/>
+                <a:ea typeface="+mn-ea"/>
+                <a:cs typeface="+mn-cs"/>
+              </a:defRPr>
+            </a:lvl9pPr>
+          </a:lstStyle>
+          <a:p>
+            <a:endParaRPr lang="en-US" dirty="0"/>
+          </a:p>
+        </p:txBody>
+      </p:sp>
     </p:spTree>
     <p:extLst>
       <p:ext uri="{BB962C8B-B14F-4D97-AF65-F5344CB8AC3E}">
-        <p14:creationId xmlns:p14="http://schemas.microsoft.com/office/powerpoint/2010/main" val="2684494291"/>
+        <p14:creationId xmlns:p14="http://schemas.microsoft.com/office/powerpoint/2010/main" val="2216262750"/>
       </p:ext>
     </p:extLst>
   </p:cSld>
@@ -3945,7 +4705,7 @@
 </p:sld>
 </file>
 
-<file path=ppt/slides/slide4.xml><?xml version="1.0" encoding="utf-8"?>
+<file path=ppt/slides/slide12.xml><?xml version="1.0" encoding="utf-8"?>
 <p:sld xmlns:a="http://schemas.openxmlformats.org/drawingml/2006/main" xmlns:r="http://schemas.openxmlformats.org/officeDocument/2006/relationships" xmlns:p="http://schemas.openxmlformats.org/presentationml/2006/main">
   <p:cSld>
     <p:spTree>
@@ -3953,7 +4713,7 @@
         <p:cNvPr id="1" name="">
           <a:extLst>
             <a:ext uri="{FF2B5EF4-FFF2-40B4-BE49-F238E27FC236}">
-              <a16:creationId xmlns:a16="http://schemas.microsoft.com/office/drawing/2014/main" id="{B863CC79-BEE7-DA11-FBC2-DE4EEAEA6014}"/>
+              <a16:creationId xmlns:a16="http://schemas.microsoft.com/office/drawing/2014/main" id="{2C3CD374-1C7F-DA9D-8AF4-A23A587FA66B}"/>
             </a:ext>
           </a:extLst>
         </p:cNvPr>
@@ -3973,7 +4733,7 @@
           <p:cNvPr id="4" name="Title 3">
             <a:extLst>
               <a:ext uri="{FF2B5EF4-FFF2-40B4-BE49-F238E27FC236}">
-                <a16:creationId xmlns:a16="http://schemas.microsoft.com/office/drawing/2014/main" id="{A64E0906-1CCA-F9F0-3F71-031A71AE152C}"/>
+                <a16:creationId xmlns:a16="http://schemas.microsoft.com/office/drawing/2014/main" id="{6098607E-230A-2D51-675B-D1C72806A52C}"/>
               </a:ext>
             </a:extLst>
           </p:cNvPr>
@@ -3984,20 +4744,12 @@
             <p:ph type="title"/>
           </p:nvPr>
         </p:nvSpPr>
-        <p:spPr>
-          <a:xfrm>
-            <a:off x="838200" y="500062"/>
-            <a:ext cx="10515600" cy="1325563"/>
-          </a:xfrm>
-        </p:spPr>
+        <p:spPr/>
         <p:txBody>
           <a:bodyPr/>
           <a:lstStyle/>
           <a:p>
-            <a:r>
-              <a:rPr lang="en-US" dirty="0"/>
-              <a:t>Methodology</a:t>
-            </a:r>
+            <a:endParaRPr lang="en-US"/>
           </a:p>
         </p:txBody>
       </p:sp>
@@ -4006,7 +4758,7 @@
           <p:cNvPr id="7" name="Content Placeholder 6">
             <a:extLst>
               <a:ext uri="{FF2B5EF4-FFF2-40B4-BE49-F238E27FC236}">
-                <a16:creationId xmlns:a16="http://schemas.microsoft.com/office/drawing/2014/main" id="{8EBFA053-4132-A9E3-8AA5-BE6BA4D6F50E}"/>
+                <a16:creationId xmlns:a16="http://schemas.microsoft.com/office/drawing/2014/main" id="{8627FC76-EFD6-A61C-97B0-EA02EDFC3AC8}"/>
               </a:ext>
             </a:extLst>
           </p:cNvPr>
@@ -4014,93 +4766,214 @@
             <a:spLocks noGrp="1"/>
           </p:cNvSpPr>
           <p:nvPr>
-            <p:ph sz="half" idx="1"/>
+            <p:ph idx="1"/>
           </p:nvPr>
         </p:nvSpPr>
-        <p:spPr>
-          <a:xfrm>
-            <a:off x="838199" y="1825625"/>
-            <a:ext cx="10515599" cy="4351338"/>
-          </a:xfrm>
-        </p:spPr>
-        <p:txBody>
-          <a:bodyPr/>
+        <p:spPr/>
+        <p:txBody>
+          <a:bodyPr>
+            <a:normAutofit fontScale="25000" lnSpcReduction="20000"/>
+          </a:bodyPr>
           <a:lstStyle/>
           <a:p>
             <a:r>
+              <a:rPr lang="en-US" b="1" dirty="0"/>
+              <a:t>3. Analytical Approach</a:t>
+            </a:r>
+          </a:p>
+          <a:p>
+            <a:r>
               <a:rPr lang="en-US" dirty="0"/>
-              <a:t>Data Review – Reviewed data and dictionary </a:t>
-            </a:r>
-          </a:p>
-          <a:p>
+              <a:t>Describe the techniques you used to explore the data:</a:t>
+            </a:r>
+          </a:p>
+          <a:p>
+            <a:r>
+              <a:rPr lang="en-US" b="1" dirty="0"/>
+              <a:t>Descriptive Statistics</a:t>
+            </a:r>
             <a:r>
               <a:rPr lang="en-US" dirty="0"/>
-              <a:t>Data Cleaning and Exploration – R, Excel</a:t>
+              <a:t>: Summarized key metrics (e.g., retention rate, average GPA, distribution of financial aid).</a:t>
+            </a:r>
+          </a:p>
+          <a:p>
+            <a:r>
+              <a:rPr lang="en-US" b="1" dirty="0"/>
+              <a:t>Segmentation</a:t>
+            </a:r>
+            <a:r>
+              <a:rPr lang="en-US" dirty="0"/>
+              <a:t>: Broke down retention by categories such as: </a:t>
             </a:r>
           </a:p>
           <a:p>
             <a:pPr lvl="1"/>
             <a:r>
               <a:rPr lang="en-US" dirty="0"/>
-              <a:t>Example: .xlsx file date errors in ‘Accept Date’ field</a:t>
+              <a:t>Residency status (in-state vs. out-of-state)</a:t>
             </a:r>
           </a:p>
           <a:p>
             <a:pPr lvl="1"/>
             <a:r>
               <a:rPr lang="en-US" dirty="0"/>
-              <a:t>Example: null values in ‘Offered Aid Amount’ converted to 0</a:t>
+              <a:t>First-generation status</a:t>
             </a:r>
           </a:p>
           <a:p>
             <a:pPr lvl="1"/>
             <a:r>
               <a:rPr lang="en-US" dirty="0"/>
-              <a:t>Example: derived variables for GPA bands, admit to accept time elapsed</a:t>
-            </a:r>
-          </a:p>
-          <a:p>
+              <a:t>Academic performance</a:t>
+            </a:r>
+          </a:p>
+          <a:p>
+            <a:pPr lvl="1"/>
             <a:r>
               <a:rPr lang="en-US" dirty="0"/>
-              <a:t> Descriptive Statistics – R, </a:t>
-            </a:r>
-            <a:r>
-              <a:rPr lang="en-US" dirty="0" err="1"/>
-              <a:t>PowerBI</a:t>
-            </a:r>
+              <a:t>Financial aid received</a:t>
+            </a:r>
+          </a:p>
+          <a:p>
+            <a:r>
+              <a:rPr lang="en-US" b="1" dirty="0"/>
+              <a:t>Visualization</a:t>
+            </a:r>
+            <a:r>
+              <a:rPr lang="en-US" dirty="0"/>
+              <a:t>: Used charts (bar graphs, heatmaps, scatter plots) to highlight trends and relationships.</a:t>
+            </a:r>
+          </a:p>
+          <a:p>
+            <a:r>
+              <a:rPr lang="en-US" b="1" dirty="0"/>
+              <a:t>Predictive Modeling (if applicable)</a:t>
+            </a:r>
+            <a:r>
+              <a:rPr lang="en-US" dirty="0"/>
+              <a:t>: </a:t>
+            </a:r>
+          </a:p>
+          <a:p>
+            <a:pPr lvl="1"/>
+            <a:r>
+              <a:rPr lang="en-US" dirty="0"/>
+              <a:t>Logistic regression or decision trees to identify factors most associated with retention.</a:t>
+            </a:r>
+          </a:p>
+          <a:p>
+            <a:pPr lvl="1"/>
+            <a:r>
+              <a:rPr lang="en-US" dirty="0"/>
+              <a:t>Feature importance to guide recommendations.</a:t>
+            </a:r>
+          </a:p>
+          <a:p>
+            <a:br>
+              <a:rPr lang="en-US" dirty="0"/>
+            </a:br>
             <a:endParaRPr lang="en-US" dirty="0"/>
           </a:p>
           <a:p>
-            <a:pPr lvl="1"/>
+            <a:r>
+              <a:rPr lang="en-US" b="1" dirty="0"/>
+              <a:t>4. Insights &amp; Interpretation</a:t>
+            </a:r>
+          </a:p>
+          <a:p>
             <a:r>
               <a:rPr lang="en-US" dirty="0"/>
-              <a:t>Segmentation by key demographics highlighted in </a:t>
-            </a:r>
-            <a:r>
-              <a:rPr lang="en-US" i="1" dirty="0"/>
-              <a:t>Elevating Excellence</a:t>
+              <a:t>Share what you discovered:</a:t>
             </a:r>
           </a:p>
           <a:p>
             <a:r>
               <a:rPr lang="en-US" dirty="0"/>
-              <a:t>Visualizations – </a:t>
-            </a:r>
-            <a:r>
-              <a:rPr lang="en-US" dirty="0" err="1"/>
-              <a:t>PowerBI</a:t>
-            </a:r>
+              <a:t>Which groups had higher/lower retention?</a:t>
+            </a:r>
+          </a:p>
+          <a:p>
+            <a:r>
+              <a:rPr lang="en-US" dirty="0"/>
+              <a:t>Were there any surprising trends (e.g., aid type vs. retention)?</a:t>
+            </a:r>
+          </a:p>
+          <a:p>
+            <a:r>
+              <a:rPr lang="en-US" dirty="0"/>
+              <a:t>Did any variables strongly correlate with retention outcomes?</a:t>
+            </a:r>
+          </a:p>
+          <a:p>
+            <a:br>
+              <a:rPr lang="en-US" dirty="0"/>
+            </a:br>
             <a:endParaRPr lang="en-US" dirty="0"/>
           </a:p>
           <a:p>
             <a:r>
+              <a:rPr lang="en-US" b="1" dirty="0"/>
+              <a:t>5. Recommendations</a:t>
+            </a:r>
+          </a:p>
+          <a:p>
+            <a:r>
               <a:rPr lang="en-US" dirty="0"/>
-              <a:t>Modeling - R</a:t>
-            </a:r>
-          </a:p>
-          <a:p>
+              <a:t>Offer actionable suggestions based on your findings:</a:t>
+            </a:r>
+          </a:p>
+          <a:p>
+            <a:r>
+              <a:rPr lang="en-US" dirty="0"/>
+              <a:t>Targeted support for at-risk groups.</a:t>
+            </a:r>
+          </a:p>
+          <a:p>
+            <a:r>
+              <a:rPr lang="en-US" dirty="0"/>
+              <a:t>Data-driven outreach strategies.</a:t>
+            </a:r>
+          </a:p>
+          <a:p>
+            <a:r>
+              <a:rPr lang="en-US" dirty="0"/>
+              <a:t>Suggestions for further data collection or analysis (e.g., qualitative surveys, longitudinal tracking).</a:t>
+            </a:r>
+          </a:p>
+          <a:p>
+            <a:br>
+              <a:rPr lang="en-US" dirty="0"/>
+            </a:br>
             <a:endParaRPr lang="en-US" dirty="0"/>
           </a:p>
+          <a:p>
+            <a:r>
+              <a:rPr lang="en-US" b="1" dirty="0"/>
+              <a:t>6. Tools Used</a:t>
+            </a:r>
+          </a:p>
+          <a:p>
+            <a:r>
+              <a:rPr lang="en-US" dirty="0"/>
+              <a:t>Mention the software/tools you used:</a:t>
+            </a:r>
+          </a:p>
+          <a:p>
+            <a:r>
+              <a:rPr lang="en-US" dirty="0"/>
+              <a:t>Excel, Power BI, Tableau, R, Python (e.g., pandas, seaborn, scikit-learn)</a:t>
+            </a:r>
+          </a:p>
+          <a:p>
+            <a:r>
+              <a:rPr lang="en-US"/>
+              <a:t>Why you chose them (e.g., ease of visualization, statistical modeling capabilities)</a:t>
+            </a:r>
+          </a:p>
+          <a:p>
+            <a:endParaRPr lang="en-US"/>
+          </a:p>
         </p:txBody>
       </p:sp>
       <p:sp>
@@ -4108,7 +4981,7 @@
           <p:cNvPr id="6" name="Artifact">
             <a:extLst>
               <a:ext uri="{FF2B5EF4-FFF2-40B4-BE49-F238E27FC236}">
-                <a16:creationId xmlns:a16="http://schemas.microsoft.com/office/drawing/2014/main" id="{FDCA008E-EC18-707E-AC92-3339E6F092C8}"/>
+                <a16:creationId xmlns:a16="http://schemas.microsoft.com/office/drawing/2014/main" id="{6BDF6A45-60CD-D993-7211-C704495BE1A9}"/>
               </a:ext>
               <a:ext uri="{C183D7F6-B498-43B3-948B-1728B52AA6E4}">
                 <adec:decorative xmlns:adec="http://schemas.microsoft.com/office/drawing/2017/decorative" val="1"/>
@@ -4178,7 +5051,7 @@
           <p:cNvPr id="5" name="Figure" descr="NAU: Northern Arizona University.">
             <a:extLst>
               <a:ext uri="{FF2B5EF4-FFF2-40B4-BE49-F238E27FC236}">
-                <a16:creationId xmlns:a16="http://schemas.microsoft.com/office/drawing/2014/main" id="{3C5C134C-B9C5-2F86-8D33-8551BA08C1CF}"/>
+                <a16:creationId xmlns:a16="http://schemas.microsoft.com/office/drawing/2014/main" id="{23A0B47C-CAFB-6659-C65A-AC20F95DD8DA}"/>
               </a:ext>
             </a:extLst>
           </p:cNvPr>
@@ -4206,7 +5079,7 @@
     </p:spTree>
     <p:extLst>
       <p:ext uri="{BB962C8B-B14F-4D97-AF65-F5344CB8AC3E}">
-        <p14:creationId xmlns:p14="http://schemas.microsoft.com/office/powerpoint/2010/main" val="3014990782"/>
+        <p14:creationId xmlns:p14="http://schemas.microsoft.com/office/powerpoint/2010/main" val="3948542754"/>
       </p:ext>
     </p:extLst>
   </p:cSld>
@@ -4216,7 +5089,7 @@
 </p:sld>
 </file>
 
-<file path=ppt/slides/slide5.xml><?xml version="1.0" encoding="utf-8"?>
+<file path=ppt/slides/slide13.xml><?xml version="1.0" encoding="utf-8"?>
 <p:sld xmlns:a="http://schemas.openxmlformats.org/drawingml/2006/main" xmlns:r="http://schemas.openxmlformats.org/officeDocument/2006/relationships" xmlns:p="http://schemas.openxmlformats.org/presentationml/2006/main">
   <p:cSld>
     <p:spTree>
@@ -4224,7 +5097,7 @@
         <p:cNvPr id="1" name="">
           <a:extLst>
             <a:ext uri="{FF2B5EF4-FFF2-40B4-BE49-F238E27FC236}">
-              <a16:creationId xmlns:a16="http://schemas.microsoft.com/office/drawing/2014/main" id="{2A806912-E32C-D058-7D0C-58B959C83671}"/>
+              <a16:creationId xmlns:a16="http://schemas.microsoft.com/office/drawing/2014/main" id="{485678F1-9A85-9948-A6A7-66AC0DE9927F}"/>
             </a:ext>
           </a:extLst>
         </p:cNvPr>
@@ -4244,7 +5117,7 @@
           <p:cNvPr id="2" name="Title 1">
             <a:extLst>
               <a:ext uri="{FF2B5EF4-FFF2-40B4-BE49-F238E27FC236}">
-                <a16:creationId xmlns:a16="http://schemas.microsoft.com/office/drawing/2014/main" id="{F53838C5-8C12-FD70-FD9C-B7FDA78E1164}"/>
+                <a16:creationId xmlns:a16="http://schemas.microsoft.com/office/drawing/2014/main" id="{CAE2B5D9-5E50-D029-9141-56E3E9CF01E8}"/>
               </a:ext>
             </a:extLst>
           </p:cNvPr>
@@ -4260,7 +5133,7 @@
           <a:bodyPr/>
           <a:lstStyle/>
           <a:p>
-            <a:endParaRPr lang="en-US"/>
+            <a:endParaRPr lang="en-US" dirty="0"/>
           </a:p>
         </p:txBody>
       </p:sp>
@@ -4269,7 +5142,7 @@
           <p:cNvPr id="3" name="Subtitle 2">
             <a:extLst>
               <a:ext uri="{FF2B5EF4-FFF2-40B4-BE49-F238E27FC236}">
-                <a16:creationId xmlns:a16="http://schemas.microsoft.com/office/drawing/2014/main" id="{E31881A4-1819-3D79-9238-5E493D4EDBD0}"/>
+                <a16:creationId xmlns:a16="http://schemas.microsoft.com/office/drawing/2014/main" id="{FB157585-AE2A-CD56-DE75-A235DE31712C}"/>
               </a:ext>
             </a:extLst>
           </p:cNvPr>
@@ -4294,7 +5167,7 @@
           <p:cNvPr id="6" name="Artifact">
             <a:extLst>
               <a:ext uri="{FF2B5EF4-FFF2-40B4-BE49-F238E27FC236}">
-                <a16:creationId xmlns:a16="http://schemas.microsoft.com/office/drawing/2014/main" id="{C92A24BA-F8D1-95F0-53EC-5D111E08C5A5}"/>
+                <a16:creationId xmlns:a16="http://schemas.microsoft.com/office/drawing/2014/main" id="{360E8981-644D-A647-D9C4-2C9DD2E91ED5}"/>
               </a:ext>
               <a:ext uri="{C183D7F6-B498-43B3-948B-1728B52AA6E4}">
                 <adec:decorative xmlns:adec="http://schemas.microsoft.com/office/drawing/2017/decorative" val="1"/>
@@ -4364,7 +5237,7 @@
           <p:cNvPr id="5" name="Figure" descr="NAU: Northern Arizona University.">
             <a:extLst>
               <a:ext uri="{FF2B5EF4-FFF2-40B4-BE49-F238E27FC236}">
-                <a16:creationId xmlns:a16="http://schemas.microsoft.com/office/drawing/2014/main" id="{8FC6B846-6196-24DF-9BD9-CF2221680D8B}"/>
+                <a16:creationId xmlns:a16="http://schemas.microsoft.com/office/drawing/2014/main" id="{52DD1FBC-2F9F-9379-987E-A177A1E7C474}"/>
               </a:ext>
             </a:extLst>
           </p:cNvPr>
@@ -4392,7 +5265,7 @@
     </p:spTree>
     <p:extLst>
       <p:ext uri="{BB962C8B-B14F-4D97-AF65-F5344CB8AC3E}">
-        <p14:creationId xmlns:p14="http://schemas.microsoft.com/office/powerpoint/2010/main" val="2190655310"/>
+        <p14:creationId xmlns:p14="http://schemas.microsoft.com/office/powerpoint/2010/main" val="3634521135"/>
       </p:ext>
     </p:extLst>
   </p:cSld>
@@ -4402,7 +5275,7 @@
 </p:sld>
 </file>
 
-<file path=ppt/slides/slide6.xml><?xml version="1.0" encoding="utf-8"?>
+<file path=ppt/slides/slide14.xml><?xml version="1.0" encoding="utf-8"?>
 <p:sld xmlns:a="http://schemas.openxmlformats.org/drawingml/2006/main" xmlns:r="http://schemas.openxmlformats.org/officeDocument/2006/relationships" xmlns:p="http://schemas.openxmlformats.org/presentationml/2006/main">
   <p:cSld>
     <p:spTree>
@@ -4410,7 +5283,7 @@
         <p:cNvPr id="1" name="">
           <a:extLst>
             <a:ext uri="{FF2B5EF4-FFF2-40B4-BE49-F238E27FC236}">
-              <a16:creationId xmlns:a16="http://schemas.microsoft.com/office/drawing/2014/main" id="{2C3CD374-1C7F-DA9D-8AF4-A23A587FA66B}"/>
+              <a16:creationId xmlns:a16="http://schemas.microsoft.com/office/drawing/2014/main" id="{46AEF350-E3DC-EADE-4CB6-49C2F124B2F1}"/>
             </a:ext>
           </a:extLst>
         </p:cNvPr>
@@ -4430,7 +5303,7 @@
           <p:cNvPr id="4" name="Title 3">
             <a:extLst>
               <a:ext uri="{FF2B5EF4-FFF2-40B4-BE49-F238E27FC236}">
-                <a16:creationId xmlns:a16="http://schemas.microsoft.com/office/drawing/2014/main" id="{6098607E-230A-2D51-675B-D1C72806A52C}"/>
+                <a16:creationId xmlns:a16="http://schemas.microsoft.com/office/drawing/2014/main" id="{01C5F8A2-18E6-1072-B42F-F258169826E6}"/>
               </a:ext>
             </a:extLst>
           </p:cNvPr>
@@ -4441,235 +5314,20 @@
             <p:ph type="title"/>
           </p:nvPr>
         </p:nvSpPr>
-        <p:spPr/>
+        <p:spPr>
+          <a:xfrm>
+            <a:off x="838200" y="500062"/>
+            <a:ext cx="10515600" cy="1325563"/>
+          </a:xfrm>
+        </p:spPr>
         <p:txBody>
           <a:bodyPr/>
           <a:lstStyle/>
           <a:p>
-            <a:endParaRPr lang="en-US"/>
-          </a:p>
-        </p:txBody>
-      </p:sp>
-      <p:sp>
-        <p:nvSpPr>
-          <p:cNvPr id="7" name="Content Placeholder 6">
-            <a:extLst>
-              <a:ext uri="{FF2B5EF4-FFF2-40B4-BE49-F238E27FC236}">
-                <a16:creationId xmlns:a16="http://schemas.microsoft.com/office/drawing/2014/main" id="{8627FC76-EFD6-A61C-97B0-EA02EDFC3AC8}"/>
-              </a:ext>
-            </a:extLst>
-          </p:cNvPr>
-          <p:cNvSpPr>
-            <a:spLocks noGrp="1"/>
-          </p:cNvSpPr>
-          <p:nvPr>
-            <p:ph idx="1"/>
-          </p:nvPr>
-        </p:nvSpPr>
-        <p:spPr/>
-        <p:txBody>
-          <a:bodyPr>
-            <a:normAutofit fontScale="25000" lnSpcReduction="20000"/>
-          </a:bodyPr>
-          <a:lstStyle/>
-          <a:p>
-            <a:r>
-              <a:rPr lang="en-US" b="1" dirty="0"/>
-              <a:t>3. Analytical Approach</a:t>
-            </a:r>
-          </a:p>
-          <a:p>
             <a:r>
               <a:rPr lang="en-US" dirty="0"/>
-              <a:t>Describe the techniques you used to explore the data:</a:t>
-            </a:r>
-          </a:p>
-          <a:p>
-            <a:r>
-              <a:rPr lang="en-US" b="1" dirty="0"/>
-              <a:t>Descriptive Statistics</a:t>
-            </a:r>
-            <a:r>
-              <a:rPr lang="en-US" dirty="0"/>
-              <a:t>: Summarized key metrics (e.g., retention rate, average GPA, distribution of financial aid).</a:t>
-            </a:r>
-          </a:p>
-          <a:p>
-            <a:r>
-              <a:rPr lang="en-US" b="1" dirty="0"/>
-              <a:t>Segmentation</a:t>
-            </a:r>
-            <a:r>
-              <a:rPr lang="en-US" dirty="0"/>
-              <a:t>: Broke down retention by categories such as: </a:t>
-            </a:r>
-          </a:p>
-          <a:p>
-            <a:pPr lvl="1"/>
-            <a:r>
-              <a:rPr lang="en-US" dirty="0"/>
-              <a:t>Residency status (in-state vs. out-of-state)</a:t>
-            </a:r>
-          </a:p>
-          <a:p>
-            <a:pPr lvl="1"/>
-            <a:r>
-              <a:rPr lang="en-US" dirty="0"/>
-              <a:t>First-generation status</a:t>
-            </a:r>
-          </a:p>
-          <a:p>
-            <a:pPr lvl="1"/>
-            <a:r>
-              <a:rPr lang="en-US" dirty="0"/>
-              <a:t>Academic performance</a:t>
-            </a:r>
-          </a:p>
-          <a:p>
-            <a:pPr lvl="1"/>
-            <a:r>
-              <a:rPr lang="en-US" dirty="0"/>
-              <a:t>Financial aid received</a:t>
-            </a:r>
-          </a:p>
-          <a:p>
-            <a:r>
-              <a:rPr lang="en-US" b="1" dirty="0"/>
-              <a:t>Visualization</a:t>
-            </a:r>
-            <a:r>
-              <a:rPr lang="en-US" dirty="0"/>
-              <a:t>: Used charts (bar graphs, heatmaps, scatter plots) to highlight trends and relationships.</a:t>
-            </a:r>
-          </a:p>
-          <a:p>
-            <a:r>
-              <a:rPr lang="en-US" b="1" dirty="0"/>
-              <a:t>Predictive Modeling (if applicable)</a:t>
-            </a:r>
-            <a:r>
-              <a:rPr lang="en-US" dirty="0"/>
-              <a:t>: </a:t>
-            </a:r>
-          </a:p>
-          <a:p>
-            <a:pPr lvl="1"/>
-            <a:r>
-              <a:rPr lang="en-US" dirty="0"/>
-              <a:t>Logistic regression or decision trees to identify factors most associated with retention.</a:t>
-            </a:r>
-          </a:p>
-          <a:p>
-            <a:pPr lvl="1"/>
-            <a:r>
-              <a:rPr lang="en-US" dirty="0"/>
-              <a:t>Feature importance to guide recommendations.</a:t>
-            </a:r>
-          </a:p>
-          <a:p>
-            <a:br>
-              <a:rPr lang="en-US" dirty="0"/>
-            </a:br>
-            <a:endParaRPr lang="en-US" dirty="0"/>
-          </a:p>
-          <a:p>
-            <a:r>
-              <a:rPr lang="en-US" b="1" dirty="0"/>
-              <a:t>4. Insights &amp; Interpretation</a:t>
-            </a:r>
-          </a:p>
-          <a:p>
-            <a:r>
-              <a:rPr lang="en-US" dirty="0"/>
-              <a:t>Share what you discovered:</a:t>
-            </a:r>
-          </a:p>
-          <a:p>
-            <a:r>
-              <a:rPr lang="en-US" dirty="0"/>
-              <a:t>Which groups had higher/lower retention?</a:t>
-            </a:r>
-          </a:p>
-          <a:p>
-            <a:r>
-              <a:rPr lang="en-US" dirty="0"/>
-              <a:t>Were there any surprising trends (e.g., aid type vs. retention)?</a:t>
-            </a:r>
-          </a:p>
-          <a:p>
-            <a:r>
-              <a:rPr lang="en-US" dirty="0"/>
-              <a:t>Did any variables strongly correlate with retention outcomes?</a:t>
-            </a:r>
-          </a:p>
-          <a:p>
-            <a:br>
-              <a:rPr lang="en-US" dirty="0"/>
-            </a:br>
-            <a:endParaRPr lang="en-US" dirty="0"/>
-          </a:p>
-          <a:p>
-            <a:r>
-              <a:rPr lang="en-US" b="1" dirty="0"/>
-              <a:t>5. Recommendations</a:t>
-            </a:r>
-          </a:p>
-          <a:p>
-            <a:r>
-              <a:rPr lang="en-US" dirty="0"/>
-              <a:t>Offer actionable suggestions based on your findings:</a:t>
-            </a:r>
-          </a:p>
-          <a:p>
-            <a:r>
-              <a:rPr lang="en-US" dirty="0"/>
-              <a:t>Targeted support for at-risk groups.</a:t>
-            </a:r>
-          </a:p>
-          <a:p>
-            <a:r>
-              <a:rPr lang="en-US" dirty="0"/>
-              <a:t>Data-driven outreach strategies.</a:t>
-            </a:r>
-          </a:p>
-          <a:p>
-            <a:r>
-              <a:rPr lang="en-US" dirty="0"/>
-              <a:t>Suggestions for further data collection or analysis (e.g., qualitative surveys, longitudinal tracking).</a:t>
-            </a:r>
-          </a:p>
-          <a:p>
-            <a:br>
-              <a:rPr lang="en-US" dirty="0"/>
-            </a:br>
-            <a:endParaRPr lang="en-US" dirty="0"/>
-          </a:p>
-          <a:p>
-            <a:r>
-              <a:rPr lang="en-US" b="1" dirty="0"/>
-              <a:t>6. Tools Used</a:t>
-            </a:r>
-          </a:p>
-          <a:p>
-            <a:r>
-              <a:rPr lang="en-US" dirty="0"/>
-              <a:t>Mention the software/tools you used:</a:t>
-            </a:r>
-          </a:p>
-          <a:p>
-            <a:r>
-              <a:rPr lang="en-US" dirty="0"/>
-              <a:t>Excel, Power BI, Tableau, R, Python (e.g., pandas, seaborn, scikit-learn)</a:t>
-            </a:r>
-          </a:p>
-          <a:p>
-            <a:r>
-              <a:rPr lang="en-US"/>
-              <a:t>Why you chose them (e.g., ease of visualization, statistical modeling capabilities)</a:t>
-            </a:r>
-          </a:p>
-          <a:p>
-            <a:endParaRPr lang="en-US"/>
+              <a:t>Logistic Regression</a:t>
+            </a:r>
           </a:p>
         </p:txBody>
       </p:sp>
@@ -4678,7 +5336,7 @@
           <p:cNvPr id="6" name="Artifact">
             <a:extLst>
               <a:ext uri="{FF2B5EF4-FFF2-40B4-BE49-F238E27FC236}">
-                <a16:creationId xmlns:a16="http://schemas.microsoft.com/office/drawing/2014/main" id="{6BDF6A45-60CD-D993-7211-C704495BE1A9}"/>
+                <a16:creationId xmlns:a16="http://schemas.microsoft.com/office/drawing/2014/main" id="{901A4341-ABA2-DD5D-BF59-7AE59BE347AB}"/>
               </a:ext>
               <a:ext uri="{C183D7F6-B498-43B3-948B-1728B52AA6E4}">
                 <adec:decorative xmlns:adec="http://schemas.microsoft.com/office/drawing/2017/decorative" val="1"/>
@@ -4748,7 +5406,260 @@
           <p:cNvPr id="5" name="Figure" descr="NAU: Northern Arizona University.">
             <a:extLst>
               <a:ext uri="{FF2B5EF4-FFF2-40B4-BE49-F238E27FC236}">
-                <a16:creationId xmlns:a16="http://schemas.microsoft.com/office/drawing/2014/main" id="{23A0B47C-CAFB-6659-C65A-AC20F95DD8DA}"/>
+                <a16:creationId xmlns:a16="http://schemas.microsoft.com/office/drawing/2014/main" id="{B77793AB-BCB1-B93A-83B1-6DBB2756B31B}"/>
+              </a:ext>
+            </a:extLst>
+          </p:cNvPr>
+          <p:cNvPicPr>
+            <a:picLocks noChangeAspect="1"/>
+          </p:cNvPicPr>
+          <p:nvPr/>
+        </p:nvPicPr>
+        <p:blipFill>
+          <a:blip r:embed="rId2"/>
+          <a:stretch>
+            <a:fillRect/>
+          </a:stretch>
+        </p:blipFill>
+        <p:spPr>
+          <a:xfrm>
+            <a:off x="2914649" y="132174"/>
+            <a:ext cx="6362701" cy="315753"/>
+          </a:xfrm>
+          <a:prstGeom prst="rect">
+            <a:avLst/>
+          </a:prstGeom>
+        </p:spPr>
+      </p:pic>
+      <p:pic>
+        <p:nvPicPr>
+          <p:cNvPr id="8" name="Picture 7">
+            <a:extLst>
+              <a:ext uri="{FF2B5EF4-FFF2-40B4-BE49-F238E27FC236}">
+                <a16:creationId xmlns:a16="http://schemas.microsoft.com/office/drawing/2014/main" id="{99D4765C-1227-7441-9FEC-49182102EBD3}"/>
+              </a:ext>
+            </a:extLst>
+          </p:cNvPr>
+          <p:cNvPicPr>
+            <a:picLocks noChangeAspect="1"/>
+          </p:cNvPicPr>
+          <p:nvPr/>
+        </p:nvPicPr>
+        <p:blipFill>
+          <a:blip r:embed="rId3"/>
+          <a:stretch>
+            <a:fillRect/>
+          </a:stretch>
+        </p:blipFill>
+        <p:spPr>
+          <a:xfrm>
+            <a:off x="2842028" y="1693449"/>
+            <a:ext cx="6507941" cy="4664489"/>
+          </a:xfrm>
+          <a:prstGeom prst="rect">
+            <a:avLst/>
+          </a:prstGeom>
+        </p:spPr>
+      </p:pic>
+    </p:spTree>
+    <p:extLst>
+      <p:ext uri="{BB962C8B-B14F-4D97-AF65-F5344CB8AC3E}">
+        <p14:creationId xmlns:p14="http://schemas.microsoft.com/office/powerpoint/2010/main" val="435471477"/>
+      </p:ext>
+    </p:extLst>
+  </p:cSld>
+  <p:clrMapOvr>
+    <a:masterClrMapping/>
+  </p:clrMapOvr>
+</p:sld>
+</file>
+
+<file path=ppt/slides/slide2.xml><?xml version="1.0" encoding="utf-8"?>
+<p:sld xmlns:a="http://schemas.openxmlformats.org/drawingml/2006/main" xmlns:r="http://schemas.openxmlformats.org/officeDocument/2006/relationships" xmlns:p="http://schemas.openxmlformats.org/presentationml/2006/main">
+  <p:cSld>
+    <p:spTree>
+      <p:nvGrpSpPr>
+        <p:cNvPr id="1" name="">
+          <a:extLst>
+            <a:ext uri="{FF2B5EF4-FFF2-40B4-BE49-F238E27FC236}">
+              <a16:creationId xmlns:a16="http://schemas.microsoft.com/office/drawing/2014/main" id="{83FE8571-7104-591A-33A8-72897B7E75BB}"/>
+            </a:ext>
+          </a:extLst>
+        </p:cNvPr>
+        <p:cNvGrpSpPr/>
+        <p:nvPr/>
+      </p:nvGrpSpPr>
+      <p:grpSpPr>
+        <a:xfrm>
+          <a:off x="0" y="0"/>
+          <a:ext cx="0" cy="0"/>
+          <a:chOff x="0" y="0"/>
+          <a:chExt cx="0" cy="0"/>
+        </a:xfrm>
+      </p:grpSpPr>
+      <p:sp>
+        <p:nvSpPr>
+          <p:cNvPr id="4" name="Title 3">
+            <a:extLst>
+              <a:ext uri="{FF2B5EF4-FFF2-40B4-BE49-F238E27FC236}">
+                <a16:creationId xmlns:a16="http://schemas.microsoft.com/office/drawing/2014/main" id="{6A00154C-4546-228C-5EC5-93942BADADE9}"/>
+              </a:ext>
+            </a:extLst>
+          </p:cNvPr>
+          <p:cNvSpPr>
+            <a:spLocks noGrp="1"/>
+          </p:cNvSpPr>
+          <p:nvPr>
+            <p:ph type="title"/>
+          </p:nvPr>
+        </p:nvSpPr>
+        <p:spPr>
+          <a:xfrm>
+            <a:off x="838200" y="500062"/>
+            <a:ext cx="10515600" cy="1325563"/>
+          </a:xfrm>
+        </p:spPr>
+        <p:txBody>
+          <a:bodyPr/>
+          <a:lstStyle/>
+          <a:p>
+            <a:r>
+              <a:rPr lang="en-US" dirty="0"/>
+              <a:t>Analysis Purpose</a:t>
+            </a:r>
+          </a:p>
+        </p:txBody>
+      </p:sp>
+      <p:sp>
+        <p:nvSpPr>
+          <p:cNvPr id="7" name="Content Placeholder 6">
+            <a:extLst>
+              <a:ext uri="{FF2B5EF4-FFF2-40B4-BE49-F238E27FC236}">
+                <a16:creationId xmlns:a16="http://schemas.microsoft.com/office/drawing/2014/main" id="{CFB72467-9585-A0AB-2282-DE27D092C278}"/>
+              </a:ext>
+            </a:extLst>
+          </p:cNvPr>
+          <p:cNvSpPr>
+            <a:spLocks noGrp="1"/>
+          </p:cNvSpPr>
+          <p:nvPr>
+            <p:ph sz="half" idx="1"/>
+          </p:nvPr>
+        </p:nvSpPr>
+        <p:spPr>
+          <a:xfrm>
+            <a:off x="838200" y="1825625"/>
+            <a:ext cx="10515600" cy="4351338"/>
+          </a:xfrm>
+        </p:spPr>
+        <p:txBody>
+          <a:bodyPr/>
+          <a:lstStyle/>
+          <a:p>
+            <a:r>
+              <a:rPr lang="en-US" dirty="0"/>
+              <a:t>Objective: uncover patterns and insights in student enrollment and retention during a fall admissions cycle.</a:t>
+            </a:r>
+          </a:p>
+          <a:p>
+            <a:r>
+              <a:rPr lang="en-US" dirty="0"/>
+              <a:t>Framework: data and trends are assessed through the lens of NAU’s </a:t>
+            </a:r>
+            <a:r>
+              <a:rPr lang="en-US" i="1" dirty="0"/>
+              <a:t>Elevating Excellence </a:t>
+            </a:r>
+            <a:r>
+              <a:rPr lang="en-US" dirty="0"/>
+              <a:t>strategic roadmap.</a:t>
+            </a:r>
+          </a:p>
+          <a:p>
+            <a:pPr lvl="1"/>
+            <a:r>
+              <a:rPr lang="en-US" dirty="0"/>
+              <a:t>Primary Research Questions: </a:t>
+            </a:r>
+          </a:p>
+        </p:txBody>
+      </p:sp>
+      <p:sp>
+        <p:nvSpPr>
+          <p:cNvPr id="6" name="Artifact">
+            <a:extLst>
+              <a:ext uri="{FF2B5EF4-FFF2-40B4-BE49-F238E27FC236}">
+                <a16:creationId xmlns:a16="http://schemas.microsoft.com/office/drawing/2014/main" id="{65181F08-2E6A-CD5E-B191-03E43BAA1B5D}"/>
+              </a:ext>
+              <a:ext uri="{C183D7F6-B498-43B3-948B-1728B52AA6E4}">
+                <adec:decorative xmlns:adec="http://schemas.microsoft.com/office/drawing/2017/decorative" val="1"/>
+              </a:ext>
+            </a:extLst>
+          </p:cNvPr>
+          <p:cNvSpPr/>
+          <p:nvPr/>
+        </p:nvSpPr>
+        <p:spPr>
+          <a:xfrm>
+            <a:off x="0" y="0"/>
+            <a:ext cx="12192000" cy="580103"/>
+          </a:xfrm>
+          <a:prstGeom prst="rect">
+            <a:avLst/>
+          </a:prstGeom>
+          <a:gradFill flip="none" rotWithShape="1">
+            <a:gsLst>
+              <a:gs pos="10000">
+                <a:srgbClr val="172140"/>
+              </a:gs>
+              <a:gs pos="100000">
+                <a:srgbClr val="0066B3"/>
+              </a:gs>
+            </a:gsLst>
+            <a:lin ang="18900000" scaled="1"/>
+            <a:tileRect/>
+          </a:gradFill>
+        </p:spPr>
+        <p:style>
+          <a:lnRef idx="2">
+            <a:schemeClr val="accent1">
+              <a:shade val="50000"/>
+            </a:schemeClr>
+          </a:lnRef>
+          <a:fillRef idx="1">
+            <a:schemeClr val="accent1"/>
+          </a:fillRef>
+          <a:effectRef idx="0">
+            <a:schemeClr val="accent1"/>
+          </a:effectRef>
+          <a:fontRef idx="minor">
+            <a:schemeClr val="lt1"/>
+          </a:fontRef>
+        </p:style>
+        <p:txBody>
+          <a:bodyPr rtlCol="0" anchor="ctr"/>
+          <a:lstStyle/>
+          <a:p>
+            <a:pPr algn="ctr"/>
+            <a:endParaRPr lang="en-US">
+              <a:ln>
+                <a:solidFill>
+                  <a:sysClr val="windowText" lastClr="000000"/>
+                </a:solidFill>
+              </a:ln>
+              <a:solidFill>
+                <a:sysClr val="windowText" lastClr="000000"/>
+              </a:solidFill>
+            </a:endParaRPr>
+          </a:p>
+        </p:txBody>
+      </p:sp>
+      <p:pic>
+        <p:nvPicPr>
+          <p:cNvPr id="5" name="Figure" descr="NAU: Northern Arizona University.">
+            <a:extLst>
+              <a:ext uri="{FF2B5EF4-FFF2-40B4-BE49-F238E27FC236}">
+                <a16:creationId xmlns:a16="http://schemas.microsoft.com/office/drawing/2014/main" id="{0699236A-4606-7FE8-1E5F-29700072672A}"/>
               </a:ext>
             </a:extLst>
           </p:cNvPr>
@@ -4776,7 +5687,3928 @@
     </p:spTree>
     <p:extLst>
       <p:ext uri="{BB962C8B-B14F-4D97-AF65-F5344CB8AC3E}">
-        <p14:creationId xmlns:p14="http://schemas.microsoft.com/office/powerpoint/2010/main" val="3948542754"/>
+        <p14:creationId xmlns:p14="http://schemas.microsoft.com/office/powerpoint/2010/main" val="2684494291"/>
+      </p:ext>
+    </p:extLst>
+  </p:cSld>
+  <p:clrMapOvr>
+    <a:masterClrMapping/>
+  </p:clrMapOvr>
+</p:sld>
+</file>
+
+<file path=ppt/slides/slide3.xml><?xml version="1.0" encoding="utf-8"?>
+<p:sld xmlns:a="http://schemas.openxmlformats.org/drawingml/2006/main" xmlns:r="http://schemas.openxmlformats.org/officeDocument/2006/relationships" xmlns:p="http://schemas.openxmlformats.org/presentationml/2006/main">
+  <p:cSld>
+    <p:spTree>
+      <p:nvGrpSpPr>
+        <p:cNvPr id="1" name="">
+          <a:extLst>
+            <a:ext uri="{FF2B5EF4-FFF2-40B4-BE49-F238E27FC236}">
+              <a16:creationId xmlns:a16="http://schemas.microsoft.com/office/drawing/2014/main" id="{B863CC79-BEE7-DA11-FBC2-DE4EEAEA6014}"/>
+            </a:ext>
+          </a:extLst>
+        </p:cNvPr>
+        <p:cNvGrpSpPr/>
+        <p:nvPr/>
+      </p:nvGrpSpPr>
+      <p:grpSpPr>
+        <a:xfrm>
+          <a:off x="0" y="0"/>
+          <a:ext cx="0" cy="0"/>
+          <a:chOff x="0" y="0"/>
+          <a:chExt cx="0" cy="0"/>
+        </a:xfrm>
+      </p:grpSpPr>
+      <p:sp>
+        <p:nvSpPr>
+          <p:cNvPr id="4" name="Title 3">
+            <a:extLst>
+              <a:ext uri="{FF2B5EF4-FFF2-40B4-BE49-F238E27FC236}">
+                <a16:creationId xmlns:a16="http://schemas.microsoft.com/office/drawing/2014/main" id="{A64E0906-1CCA-F9F0-3F71-031A71AE152C}"/>
+              </a:ext>
+            </a:extLst>
+          </p:cNvPr>
+          <p:cNvSpPr>
+            <a:spLocks noGrp="1"/>
+          </p:cNvSpPr>
+          <p:nvPr>
+            <p:ph type="title"/>
+          </p:nvPr>
+        </p:nvSpPr>
+        <p:spPr>
+          <a:xfrm>
+            <a:off x="838200" y="500062"/>
+            <a:ext cx="10515600" cy="1325563"/>
+          </a:xfrm>
+        </p:spPr>
+        <p:txBody>
+          <a:bodyPr/>
+          <a:lstStyle/>
+          <a:p>
+            <a:r>
+              <a:rPr lang="en-US" dirty="0"/>
+              <a:t>Methodology</a:t>
+            </a:r>
+          </a:p>
+        </p:txBody>
+      </p:sp>
+      <p:sp>
+        <p:nvSpPr>
+          <p:cNvPr id="7" name="Content Placeholder 6">
+            <a:extLst>
+              <a:ext uri="{FF2B5EF4-FFF2-40B4-BE49-F238E27FC236}">
+                <a16:creationId xmlns:a16="http://schemas.microsoft.com/office/drawing/2014/main" id="{8EBFA053-4132-A9E3-8AA5-BE6BA4D6F50E}"/>
+              </a:ext>
+            </a:extLst>
+          </p:cNvPr>
+          <p:cNvSpPr>
+            <a:spLocks noGrp="1"/>
+          </p:cNvSpPr>
+          <p:nvPr>
+            <p:ph sz="half" idx="1"/>
+          </p:nvPr>
+        </p:nvSpPr>
+        <p:spPr>
+          <a:xfrm>
+            <a:off x="838199" y="1825625"/>
+            <a:ext cx="10515599" cy="4351338"/>
+          </a:xfrm>
+        </p:spPr>
+        <p:txBody>
+          <a:bodyPr/>
+          <a:lstStyle/>
+          <a:p>
+            <a:r>
+              <a:rPr lang="en-US" dirty="0"/>
+              <a:t>Data Review – Reviewed data and dictionary </a:t>
+            </a:r>
+          </a:p>
+          <a:p>
+            <a:r>
+              <a:rPr lang="en-US" dirty="0"/>
+              <a:t>Data Cleaning and Exploration – R, Excel</a:t>
+            </a:r>
+          </a:p>
+          <a:p>
+            <a:pPr lvl="1"/>
+            <a:r>
+              <a:rPr lang="en-US" dirty="0"/>
+              <a:t>Example: .xlsx file date errors in ‘Accept Date’ field</a:t>
+            </a:r>
+          </a:p>
+          <a:p>
+            <a:pPr lvl="1"/>
+            <a:r>
+              <a:rPr lang="en-US" dirty="0"/>
+              <a:t>Example: null values in ‘Offered Aid Amount’ converted to 0</a:t>
+            </a:r>
+          </a:p>
+          <a:p>
+            <a:pPr lvl="1"/>
+            <a:r>
+              <a:rPr lang="en-US" dirty="0"/>
+              <a:t>Example: derived variables for GPA bands, admit to accept time elapsed</a:t>
+            </a:r>
+          </a:p>
+          <a:p>
+            <a:r>
+              <a:rPr lang="en-US" dirty="0"/>
+              <a:t> Descriptive Statistics – R, </a:t>
+            </a:r>
+            <a:r>
+              <a:rPr lang="en-US" dirty="0" err="1"/>
+              <a:t>PowerBI</a:t>
+            </a:r>
+            <a:endParaRPr lang="en-US" dirty="0"/>
+          </a:p>
+          <a:p>
+            <a:pPr lvl="1"/>
+            <a:r>
+              <a:rPr lang="en-US" dirty="0"/>
+              <a:t>Segmentation by key demographics highlighted in </a:t>
+            </a:r>
+            <a:r>
+              <a:rPr lang="en-US" i="1" dirty="0"/>
+              <a:t>Elevating Excellence</a:t>
+            </a:r>
+          </a:p>
+          <a:p>
+            <a:r>
+              <a:rPr lang="en-US" dirty="0"/>
+              <a:t>Visualizations – R, </a:t>
+            </a:r>
+            <a:r>
+              <a:rPr lang="en-US" dirty="0" err="1"/>
+              <a:t>PowerBI</a:t>
+            </a:r>
+            <a:endParaRPr lang="en-US" dirty="0"/>
+          </a:p>
+          <a:p>
+            <a:r>
+              <a:rPr lang="en-US" dirty="0"/>
+              <a:t>Modeling - R</a:t>
+            </a:r>
+          </a:p>
+          <a:p>
+            <a:endParaRPr lang="en-US" dirty="0"/>
+          </a:p>
+        </p:txBody>
+      </p:sp>
+      <p:sp>
+        <p:nvSpPr>
+          <p:cNvPr id="6" name="Artifact">
+            <a:extLst>
+              <a:ext uri="{FF2B5EF4-FFF2-40B4-BE49-F238E27FC236}">
+                <a16:creationId xmlns:a16="http://schemas.microsoft.com/office/drawing/2014/main" id="{FDCA008E-EC18-707E-AC92-3339E6F092C8}"/>
+              </a:ext>
+              <a:ext uri="{C183D7F6-B498-43B3-948B-1728B52AA6E4}">
+                <adec:decorative xmlns:adec="http://schemas.microsoft.com/office/drawing/2017/decorative" val="1"/>
+              </a:ext>
+            </a:extLst>
+          </p:cNvPr>
+          <p:cNvSpPr/>
+          <p:nvPr/>
+        </p:nvSpPr>
+        <p:spPr>
+          <a:xfrm>
+            <a:off x="0" y="0"/>
+            <a:ext cx="12192000" cy="580103"/>
+          </a:xfrm>
+          <a:prstGeom prst="rect">
+            <a:avLst/>
+          </a:prstGeom>
+          <a:gradFill flip="none" rotWithShape="1">
+            <a:gsLst>
+              <a:gs pos="10000">
+                <a:srgbClr val="172140"/>
+              </a:gs>
+              <a:gs pos="100000">
+                <a:srgbClr val="0066B3"/>
+              </a:gs>
+            </a:gsLst>
+            <a:lin ang="18900000" scaled="1"/>
+            <a:tileRect/>
+          </a:gradFill>
+        </p:spPr>
+        <p:style>
+          <a:lnRef idx="2">
+            <a:schemeClr val="accent1">
+              <a:shade val="50000"/>
+            </a:schemeClr>
+          </a:lnRef>
+          <a:fillRef idx="1">
+            <a:schemeClr val="accent1"/>
+          </a:fillRef>
+          <a:effectRef idx="0">
+            <a:schemeClr val="accent1"/>
+          </a:effectRef>
+          <a:fontRef idx="minor">
+            <a:schemeClr val="lt1"/>
+          </a:fontRef>
+        </p:style>
+        <p:txBody>
+          <a:bodyPr rtlCol="0" anchor="ctr"/>
+          <a:lstStyle/>
+          <a:p>
+            <a:pPr algn="ctr"/>
+            <a:endParaRPr lang="en-US">
+              <a:ln>
+                <a:solidFill>
+                  <a:sysClr val="windowText" lastClr="000000"/>
+                </a:solidFill>
+              </a:ln>
+              <a:solidFill>
+                <a:sysClr val="windowText" lastClr="000000"/>
+              </a:solidFill>
+            </a:endParaRPr>
+          </a:p>
+        </p:txBody>
+      </p:sp>
+      <p:pic>
+        <p:nvPicPr>
+          <p:cNvPr id="5" name="Figure" descr="NAU: Northern Arizona University.">
+            <a:extLst>
+              <a:ext uri="{FF2B5EF4-FFF2-40B4-BE49-F238E27FC236}">
+                <a16:creationId xmlns:a16="http://schemas.microsoft.com/office/drawing/2014/main" id="{3C5C134C-B9C5-2F86-8D33-8551BA08C1CF}"/>
+              </a:ext>
+            </a:extLst>
+          </p:cNvPr>
+          <p:cNvPicPr>
+            <a:picLocks noChangeAspect="1"/>
+          </p:cNvPicPr>
+          <p:nvPr/>
+        </p:nvPicPr>
+        <p:blipFill>
+          <a:blip r:embed="rId2"/>
+          <a:stretch>
+            <a:fillRect/>
+          </a:stretch>
+        </p:blipFill>
+        <p:spPr>
+          <a:xfrm>
+            <a:off x="2914649" y="132174"/>
+            <a:ext cx="6362701" cy="315753"/>
+          </a:xfrm>
+          <a:prstGeom prst="rect">
+            <a:avLst/>
+          </a:prstGeom>
+        </p:spPr>
+      </p:pic>
+    </p:spTree>
+    <p:extLst>
+      <p:ext uri="{BB962C8B-B14F-4D97-AF65-F5344CB8AC3E}">
+        <p14:creationId xmlns:p14="http://schemas.microsoft.com/office/powerpoint/2010/main" val="3014990782"/>
+      </p:ext>
+    </p:extLst>
+  </p:cSld>
+  <p:clrMapOvr>
+    <a:masterClrMapping/>
+  </p:clrMapOvr>
+</p:sld>
+</file>
+
+<file path=ppt/slides/slide4.xml><?xml version="1.0" encoding="utf-8"?>
+<p:sld xmlns:a="http://schemas.openxmlformats.org/drawingml/2006/main" xmlns:r="http://schemas.openxmlformats.org/officeDocument/2006/relationships" xmlns:p="http://schemas.openxmlformats.org/presentationml/2006/main">
+  <p:cSld>
+    <p:spTree>
+      <p:nvGrpSpPr>
+        <p:cNvPr id="1" name="">
+          <a:extLst>
+            <a:ext uri="{FF2B5EF4-FFF2-40B4-BE49-F238E27FC236}">
+              <a16:creationId xmlns:a16="http://schemas.microsoft.com/office/drawing/2014/main" id="{8D74A0A6-46E5-ADCB-C2D5-72B0911B598C}"/>
+            </a:ext>
+          </a:extLst>
+        </p:cNvPr>
+        <p:cNvGrpSpPr/>
+        <p:nvPr/>
+      </p:nvGrpSpPr>
+      <p:grpSpPr>
+        <a:xfrm>
+          <a:off x="0" y="0"/>
+          <a:ext cx="0" cy="0"/>
+          <a:chOff x="0" y="0"/>
+          <a:chExt cx="0" cy="0"/>
+        </a:xfrm>
+      </p:grpSpPr>
+      <p:sp>
+        <p:nvSpPr>
+          <p:cNvPr id="4" name="Title 3">
+            <a:extLst>
+              <a:ext uri="{FF2B5EF4-FFF2-40B4-BE49-F238E27FC236}">
+                <a16:creationId xmlns:a16="http://schemas.microsoft.com/office/drawing/2014/main" id="{6D1DC09F-86D9-F93A-EDC1-056C49569942}"/>
+              </a:ext>
+            </a:extLst>
+          </p:cNvPr>
+          <p:cNvSpPr>
+            <a:spLocks noGrp="1"/>
+          </p:cNvSpPr>
+          <p:nvPr>
+            <p:ph type="title"/>
+          </p:nvPr>
+        </p:nvSpPr>
+        <p:spPr>
+          <a:xfrm>
+            <a:off x="838200" y="500062"/>
+            <a:ext cx="10515600" cy="1325563"/>
+          </a:xfrm>
+        </p:spPr>
+        <p:txBody>
+          <a:bodyPr/>
+          <a:lstStyle/>
+          <a:p>
+            <a:r>
+              <a:rPr lang="en-US" dirty="0"/>
+              <a:t>Outline</a:t>
+            </a:r>
+          </a:p>
+        </p:txBody>
+      </p:sp>
+      <p:sp>
+        <p:nvSpPr>
+          <p:cNvPr id="7" name="Content Placeholder 6">
+            <a:extLst>
+              <a:ext uri="{FF2B5EF4-FFF2-40B4-BE49-F238E27FC236}">
+                <a16:creationId xmlns:a16="http://schemas.microsoft.com/office/drawing/2014/main" id="{67FE88C6-21C9-5A24-FABB-6CECF5BD2085}"/>
+              </a:ext>
+            </a:extLst>
+          </p:cNvPr>
+          <p:cNvSpPr>
+            <a:spLocks noGrp="1"/>
+          </p:cNvSpPr>
+          <p:nvPr>
+            <p:ph sz="half" idx="1"/>
+          </p:nvPr>
+        </p:nvSpPr>
+        <p:spPr>
+          <a:xfrm>
+            <a:off x="742666" y="1825625"/>
+            <a:ext cx="5181600" cy="4351338"/>
+          </a:xfrm>
+        </p:spPr>
+        <p:txBody>
+          <a:bodyPr/>
+          <a:lstStyle/>
+          <a:p>
+            <a:r>
+              <a:rPr lang="en-US" dirty="0"/>
+              <a:t>Admissions Funnel – overall data (chart)</a:t>
+            </a:r>
+          </a:p>
+          <a:p>
+            <a:r>
+              <a:rPr lang="en-US" dirty="0"/>
+              <a:t>Breakdown by ethnicity (highlights with table data)</a:t>
+            </a:r>
+          </a:p>
+          <a:p>
+            <a:r>
+              <a:rPr lang="en-US" dirty="0"/>
+              <a:t>Highlight Indigenous/Hispanic student trends, recommendations</a:t>
+            </a:r>
+          </a:p>
+          <a:p>
+            <a:r>
+              <a:rPr lang="en-US" dirty="0"/>
+              <a:t>What factors play a role in accepting admission? (logistic regression)</a:t>
+            </a:r>
+          </a:p>
+          <a:p>
+            <a:endParaRPr lang="en-US" dirty="0"/>
+          </a:p>
+        </p:txBody>
+      </p:sp>
+      <p:sp>
+        <p:nvSpPr>
+          <p:cNvPr id="8" name="Content Placeholder 7">
+            <a:extLst>
+              <a:ext uri="{FF2B5EF4-FFF2-40B4-BE49-F238E27FC236}">
+                <a16:creationId xmlns:a16="http://schemas.microsoft.com/office/drawing/2014/main" id="{616F0D2B-B627-A3A7-4911-54530FC94CE7}"/>
+              </a:ext>
+            </a:extLst>
+          </p:cNvPr>
+          <p:cNvSpPr>
+            <a:spLocks noGrp="1"/>
+          </p:cNvSpPr>
+          <p:nvPr>
+            <p:ph sz="half" idx="2"/>
+          </p:nvPr>
+        </p:nvSpPr>
+        <p:spPr/>
+        <p:txBody>
+          <a:bodyPr/>
+          <a:lstStyle/>
+          <a:p>
+            <a:r>
+              <a:rPr lang="en-US" dirty="0"/>
+              <a:t>Disconnect with statewide/online campuses, lots of accept, very few enrolls</a:t>
+            </a:r>
+          </a:p>
+        </p:txBody>
+      </p:sp>
+      <p:sp>
+        <p:nvSpPr>
+          <p:cNvPr id="6" name="Artifact">
+            <a:extLst>
+              <a:ext uri="{FF2B5EF4-FFF2-40B4-BE49-F238E27FC236}">
+                <a16:creationId xmlns:a16="http://schemas.microsoft.com/office/drawing/2014/main" id="{45867D78-2E28-B8BE-4041-116278765E77}"/>
+              </a:ext>
+              <a:ext uri="{C183D7F6-B498-43B3-948B-1728B52AA6E4}">
+                <adec:decorative xmlns:adec="http://schemas.microsoft.com/office/drawing/2017/decorative" val="1"/>
+              </a:ext>
+            </a:extLst>
+          </p:cNvPr>
+          <p:cNvSpPr/>
+          <p:nvPr/>
+        </p:nvSpPr>
+        <p:spPr>
+          <a:xfrm>
+            <a:off x="0" y="0"/>
+            <a:ext cx="12192000" cy="580103"/>
+          </a:xfrm>
+          <a:prstGeom prst="rect">
+            <a:avLst/>
+          </a:prstGeom>
+          <a:gradFill flip="none" rotWithShape="1">
+            <a:gsLst>
+              <a:gs pos="10000">
+                <a:srgbClr val="172140"/>
+              </a:gs>
+              <a:gs pos="100000">
+                <a:srgbClr val="0066B3"/>
+              </a:gs>
+            </a:gsLst>
+            <a:lin ang="18900000" scaled="1"/>
+            <a:tileRect/>
+          </a:gradFill>
+        </p:spPr>
+        <p:style>
+          <a:lnRef idx="2">
+            <a:schemeClr val="accent1">
+              <a:shade val="50000"/>
+            </a:schemeClr>
+          </a:lnRef>
+          <a:fillRef idx="1">
+            <a:schemeClr val="accent1"/>
+          </a:fillRef>
+          <a:effectRef idx="0">
+            <a:schemeClr val="accent1"/>
+          </a:effectRef>
+          <a:fontRef idx="minor">
+            <a:schemeClr val="lt1"/>
+          </a:fontRef>
+        </p:style>
+        <p:txBody>
+          <a:bodyPr rtlCol="0" anchor="ctr"/>
+          <a:lstStyle/>
+          <a:p>
+            <a:pPr algn="ctr"/>
+            <a:endParaRPr lang="en-US">
+              <a:ln>
+                <a:solidFill>
+                  <a:sysClr val="windowText" lastClr="000000"/>
+                </a:solidFill>
+              </a:ln>
+              <a:solidFill>
+                <a:sysClr val="windowText" lastClr="000000"/>
+              </a:solidFill>
+            </a:endParaRPr>
+          </a:p>
+        </p:txBody>
+      </p:sp>
+      <p:pic>
+        <p:nvPicPr>
+          <p:cNvPr id="5" name="Figure" descr="NAU: Northern Arizona University.">
+            <a:extLst>
+              <a:ext uri="{FF2B5EF4-FFF2-40B4-BE49-F238E27FC236}">
+                <a16:creationId xmlns:a16="http://schemas.microsoft.com/office/drawing/2014/main" id="{14FCC580-9797-7B85-7482-624C24E6E1A5}"/>
+              </a:ext>
+            </a:extLst>
+          </p:cNvPr>
+          <p:cNvPicPr>
+            <a:picLocks noChangeAspect="1"/>
+          </p:cNvPicPr>
+          <p:nvPr/>
+        </p:nvPicPr>
+        <p:blipFill>
+          <a:blip r:embed="rId2"/>
+          <a:stretch>
+            <a:fillRect/>
+          </a:stretch>
+        </p:blipFill>
+        <p:spPr>
+          <a:xfrm>
+            <a:off x="2914649" y="132174"/>
+            <a:ext cx="6362701" cy="315753"/>
+          </a:xfrm>
+          <a:prstGeom prst="rect">
+            <a:avLst/>
+          </a:prstGeom>
+        </p:spPr>
+      </p:pic>
+    </p:spTree>
+    <p:extLst>
+      <p:ext uri="{BB962C8B-B14F-4D97-AF65-F5344CB8AC3E}">
+        <p14:creationId xmlns:p14="http://schemas.microsoft.com/office/powerpoint/2010/main" val="2472634787"/>
+      </p:ext>
+    </p:extLst>
+  </p:cSld>
+  <p:clrMapOvr>
+    <a:masterClrMapping/>
+  </p:clrMapOvr>
+</p:sld>
+</file>
+
+<file path=ppt/slides/slide5.xml><?xml version="1.0" encoding="utf-8"?>
+<p:sld xmlns:a="http://schemas.openxmlformats.org/drawingml/2006/main" xmlns:r="http://schemas.openxmlformats.org/officeDocument/2006/relationships" xmlns:p="http://schemas.openxmlformats.org/presentationml/2006/main">
+  <p:cSld>
+    <p:spTree>
+      <p:nvGrpSpPr>
+        <p:cNvPr id="1" name="">
+          <a:extLst>
+            <a:ext uri="{FF2B5EF4-FFF2-40B4-BE49-F238E27FC236}">
+              <a16:creationId xmlns:a16="http://schemas.microsoft.com/office/drawing/2014/main" id="{7D54B77D-7245-ED93-73EA-85566DC22565}"/>
+            </a:ext>
+          </a:extLst>
+        </p:cNvPr>
+        <p:cNvGrpSpPr/>
+        <p:nvPr/>
+      </p:nvGrpSpPr>
+      <p:grpSpPr>
+        <a:xfrm>
+          <a:off x="0" y="0"/>
+          <a:ext cx="0" cy="0"/>
+          <a:chOff x="0" y="0"/>
+          <a:chExt cx="0" cy="0"/>
+        </a:xfrm>
+      </p:grpSpPr>
+      <p:sp>
+        <p:nvSpPr>
+          <p:cNvPr id="4" name="Title 3">
+            <a:extLst>
+              <a:ext uri="{FF2B5EF4-FFF2-40B4-BE49-F238E27FC236}">
+                <a16:creationId xmlns:a16="http://schemas.microsoft.com/office/drawing/2014/main" id="{4B783E9A-D092-BBEB-DC47-7F453ADF9883}"/>
+              </a:ext>
+            </a:extLst>
+          </p:cNvPr>
+          <p:cNvSpPr>
+            <a:spLocks noGrp="1"/>
+          </p:cNvSpPr>
+          <p:nvPr>
+            <p:ph type="title"/>
+          </p:nvPr>
+        </p:nvSpPr>
+        <p:spPr>
+          <a:xfrm>
+            <a:off x="838200" y="500062"/>
+            <a:ext cx="10515600" cy="1325563"/>
+          </a:xfrm>
+        </p:spPr>
+        <p:txBody>
+          <a:bodyPr/>
+          <a:lstStyle/>
+          <a:p>
+            <a:r>
+              <a:rPr lang="en-US" dirty="0"/>
+              <a:t>The Admissions Funnel</a:t>
+            </a:r>
+          </a:p>
+        </p:txBody>
+      </p:sp>
+      <p:sp>
+        <p:nvSpPr>
+          <p:cNvPr id="7" name="Content Placeholder 6">
+            <a:extLst>
+              <a:ext uri="{FF2B5EF4-FFF2-40B4-BE49-F238E27FC236}">
+                <a16:creationId xmlns:a16="http://schemas.microsoft.com/office/drawing/2014/main" id="{ADBD2220-21AB-27D1-64F4-756EE7C0544F}"/>
+              </a:ext>
+            </a:extLst>
+          </p:cNvPr>
+          <p:cNvSpPr>
+            <a:spLocks noGrp="1"/>
+          </p:cNvSpPr>
+          <p:nvPr>
+            <p:ph sz="half" idx="1"/>
+          </p:nvPr>
+        </p:nvSpPr>
+        <p:spPr/>
+        <p:txBody>
+          <a:bodyPr/>
+          <a:lstStyle/>
+          <a:p>
+            <a:endParaRPr lang="en-US" dirty="0"/>
+          </a:p>
+        </p:txBody>
+      </p:sp>
+      <p:sp>
+        <p:nvSpPr>
+          <p:cNvPr id="8" name="Content Placeholder 7">
+            <a:extLst>
+              <a:ext uri="{FF2B5EF4-FFF2-40B4-BE49-F238E27FC236}">
+                <a16:creationId xmlns:a16="http://schemas.microsoft.com/office/drawing/2014/main" id="{1F43080D-2134-6D6B-33B8-57E618DDFC0C}"/>
+              </a:ext>
+            </a:extLst>
+          </p:cNvPr>
+          <p:cNvSpPr>
+            <a:spLocks noGrp="1"/>
+          </p:cNvSpPr>
+          <p:nvPr>
+            <p:ph sz="half" idx="2"/>
+          </p:nvPr>
+        </p:nvSpPr>
+        <p:spPr/>
+        <p:txBody>
+          <a:bodyPr/>
+          <a:lstStyle/>
+          <a:p>
+            <a:endParaRPr lang="en-US" dirty="0"/>
+          </a:p>
+        </p:txBody>
+      </p:sp>
+      <p:sp>
+        <p:nvSpPr>
+          <p:cNvPr id="6" name="Artifact">
+            <a:extLst>
+              <a:ext uri="{FF2B5EF4-FFF2-40B4-BE49-F238E27FC236}">
+                <a16:creationId xmlns:a16="http://schemas.microsoft.com/office/drawing/2014/main" id="{2C55A5C7-7E7C-7AC5-3789-1FCBDC33EC5A}"/>
+              </a:ext>
+              <a:ext uri="{C183D7F6-B498-43B3-948B-1728B52AA6E4}">
+                <adec:decorative xmlns:adec="http://schemas.microsoft.com/office/drawing/2017/decorative" val="1"/>
+              </a:ext>
+            </a:extLst>
+          </p:cNvPr>
+          <p:cNvSpPr/>
+          <p:nvPr/>
+        </p:nvSpPr>
+        <p:spPr>
+          <a:xfrm>
+            <a:off x="0" y="0"/>
+            <a:ext cx="12192000" cy="580103"/>
+          </a:xfrm>
+          <a:prstGeom prst="rect">
+            <a:avLst/>
+          </a:prstGeom>
+          <a:gradFill flip="none" rotWithShape="1">
+            <a:gsLst>
+              <a:gs pos="10000">
+                <a:srgbClr val="172140"/>
+              </a:gs>
+              <a:gs pos="100000">
+                <a:srgbClr val="0066B3"/>
+              </a:gs>
+            </a:gsLst>
+            <a:lin ang="18900000" scaled="1"/>
+            <a:tileRect/>
+          </a:gradFill>
+        </p:spPr>
+        <p:style>
+          <a:lnRef idx="2">
+            <a:schemeClr val="accent1">
+              <a:shade val="50000"/>
+            </a:schemeClr>
+          </a:lnRef>
+          <a:fillRef idx="1">
+            <a:schemeClr val="accent1"/>
+          </a:fillRef>
+          <a:effectRef idx="0">
+            <a:schemeClr val="accent1"/>
+          </a:effectRef>
+          <a:fontRef idx="minor">
+            <a:schemeClr val="lt1"/>
+          </a:fontRef>
+        </p:style>
+        <p:txBody>
+          <a:bodyPr rtlCol="0" anchor="ctr"/>
+          <a:lstStyle/>
+          <a:p>
+            <a:pPr algn="ctr"/>
+            <a:endParaRPr lang="en-US">
+              <a:ln>
+                <a:solidFill>
+                  <a:sysClr val="windowText" lastClr="000000"/>
+                </a:solidFill>
+              </a:ln>
+              <a:solidFill>
+                <a:sysClr val="windowText" lastClr="000000"/>
+              </a:solidFill>
+            </a:endParaRPr>
+          </a:p>
+        </p:txBody>
+      </p:sp>
+      <p:pic>
+        <p:nvPicPr>
+          <p:cNvPr id="5" name="Figure" descr="NAU: Northern Arizona University.">
+            <a:extLst>
+              <a:ext uri="{FF2B5EF4-FFF2-40B4-BE49-F238E27FC236}">
+                <a16:creationId xmlns:a16="http://schemas.microsoft.com/office/drawing/2014/main" id="{0A127AC3-45C7-B9D8-5759-B680B5F48607}"/>
+              </a:ext>
+            </a:extLst>
+          </p:cNvPr>
+          <p:cNvPicPr>
+            <a:picLocks noChangeAspect="1"/>
+          </p:cNvPicPr>
+          <p:nvPr/>
+        </p:nvPicPr>
+        <p:blipFill>
+          <a:blip r:embed="rId2"/>
+          <a:stretch>
+            <a:fillRect/>
+          </a:stretch>
+        </p:blipFill>
+        <p:spPr>
+          <a:xfrm>
+            <a:off x="2914649" y="132174"/>
+            <a:ext cx="6362701" cy="315753"/>
+          </a:xfrm>
+          <a:prstGeom prst="rect">
+            <a:avLst/>
+          </a:prstGeom>
+        </p:spPr>
+      </p:pic>
+      <p:pic>
+        <p:nvPicPr>
+          <p:cNvPr id="3" name="Picture 2">
+            <a:extLst>
+              <a:ext uri="{FF2B5EF4-FFF2-40B4-BE49-F238E27FC236}">
+                <a16:creationId xmlns:a16="http://schemas.microsoft.com/office/drawing/2014/main" id="{B986C7C5-598C-41C4-71D1-DE4CB5C494AD}"/>
+              </a:ext>
+            </a:extLst>
+          </p:cNvPr>
+          <p:cNvPicPr>
+            <a:picLocks noChangeAspect="1"/>
+          </p:cNvPicPr>
+          <p:nvPr/>
+        </p:nvPicPr>
+        <p:blipFill>
+          <a:blip r:embed="rId3"/>
+          <a:stretch>
+            <a:fillRect/>
+          </a:stretch>
+        </p:blipFill>
+        <p:spPr>
+          <a:xfrm>
+            <a:off x="365613" y="1693449"/>
+            <a:ext cx="10988187" cy="3084198"/>
+          </a:xfrm>
+          <a:prstGeom prst="rect">
+            <a:avLst/>
+          </a:prstGeom>
+        </p:spPr>
+      </p:pic>
+    </p:spTree>
+    <p:extLst>
+      <p:ext uri="{BB962C8B-B14F-4D97-AF65-F5344CB8AC3E}">
+        <p14:creationId xmlns:p14="http://schemas.microsoft.com/office/powerpoint/2010/main" val="1068349991"/>
+      </p:ext>
+    </p:extLst>
+  </p:cSld>
+  <p:clrMapOvr>
+    <a:masterClrMapping/>
+  </p:clrMapOvr>
+</p:sld>
+</file>
+
+<file path=ppt/slides/slide6.xml><?xml version="1.0" encoding="utf-8"?>
+<p:sld xmlns:a="http://schemas.openxmlformats.org/drawingml/2006/main" xmlns:r="http://schemas.openxmlformats.org/officeDocument/2006/relationships" xmlns:p="http://schemas.openxmlformats.org/presentationml/2006/main">
+  <p:cSld>
+    <p:spTree>
+      <p:nvGrpSpPr>
+        <p:cNvPr id="1" name="">
+          <a:extLst>
+            <a:ext uri="{FF2B5EF4-FFF2-40B4-BE49-F238E27FC236}">
+              <a16:creationId xmlns:a16="http://schemas.microsoft.com/office/drawing/2014/main" id="{60994940-6724-2CB5-4872-D7770B59149B}"/>
+            </a:ext>
+          </a:extLst>
+        </p:cNvPr>
+        <p:cNvGrpSpPr/>
+        <p:nvPr/>
+      </p:nvGrpSpPr>
+      <p:grpSpPr>
+        <a:xfrm>
+          <a:off x="0" y="0"/>
+          <a:ext cx="0" cy="0"/>
+          <a:chOff x="0" y="0"/>
+          <a:chExt cx="0" cy="0"/>
+        </a:xfrm>
+      </p:grpSpPr>
+      <p:sp>
+        <p:nvSpPr>
+          <p:cNvPr id="4" name="Title 3">
+            <a:extLst>
+              <a:ext uri="{FF2B5EF4-FFF2-40B4-BE49-F238E27FC236}">
+                <a16:creationId xmlns:a16="http://schemas.microsoft.com/office/drawing/2014/main" id="{526DFDC2-A939-767B-D568-C128AE8AF399}"/>
+              </a:ext>
+            </a:extLst>
+          </p:cNvPr>
+          <p:cNvSpPr>
+            <a:spLocks noGrp="1"/>
+          </p:cNvSpPr>
+          <p:nvPr>
+            <p:ph type="title"/>
+          </p:nvPr>
+        </p:nvSpPr>
+        <p:spPr>
+          <a:xfrm>
+            <a:off x="838200" y="500062"/>
+            <a:ext cx="10515600" cy="1325563"/>
+          </a:xfrm>
+        </p:spPr>
+        <p:txBody>
+          <a:bodyPr/>
+          <a:lstStyle/>
+          <a:p>
+            <a:r>
+              <a:rPr lang="en-US" dirty="0"/>
+              <a:t>Ethnicity and the Funnel</a:t>
+            </a:r>
+          </a:p>
+        </p:txBody>
+      </p:sp>
+      <p:sp>
+        <p:nvSpPr>
+          <p:cNvPr id="7" name="Content Placeholder 6">
+            <a:extLst>
+              <a:ext uri="{FF2B5EF4-FFF2-40B4-BE49-F238E27FC236}">
+                <a16:creationId xmlns:a16="http://schemas.microsoft.com/office/drawing/2014/main" id="{02F1CDCD-6B23-3A5A-2F48-CB057F9B68B7}"/>
+              </a:ext>
+            </a:extLst>
+          </p:cNvPr>
+          <p:cNvSpPr>
+            <a:spLocks noGrp="1"/>
+          </p:cNvSpPr>
+          <p:nvPr>
+            <p:ph sz="half" idx="1"/>
+          </p:nvPr>
+        </p:nvSpPr>
+        <p:spPr>
+          <a:xfrm>
+            <a:off x="667266" y="1825625"/>
+            <a:ext cx="5009633" cy="4351338"/>
+          </a:xfrm>
+        </p:spPr>
+        <p:txBody>
+          <a:bodyPr/>
+          <a:lstStyle/>
+          <a:p>
+            <a:r>
+              <a:rPr lang="en-US" dirty="0"/>
+              <a:t>Each column shows the total students of that ethnicity and the percentage of all students at that stage.</a:t>
+            </a:r>
+          </a:p>
+          <a:p>
+            <a:r>
+              <a:rPr lang="en-US" dirty="0"/>
+              <a:t>White students, and those identifying as Two or More increased their percentage of the total student population from the admitted stage to the retained stage.</a:t>
+            </a:r>
+          </a:p>
+          <a:p>
+            <a:endParaRPr lang="en-US" dirty="0"/>
+          </a:p>
+        </p:txBody>
+      </p:sp>
+      <p:graphicFrame>
+        <p:nvGraphicFramePr>
+          <p:cNvPr id="2" name="Content Placeholder 1">
+            <a:extLst>
+              <a:ext uri="{FF2B5EF4-FFF2-40B4-BE49-F238E27FC236}">
+                <a16:creationId xmlns:a16="http://schemas.microsoft.com/office/drawing/2014/main" id="{CCD6CA48-4BDF-103C-5628-05CBBF73E2ED}"/>
+              </a:ext>
+            </a:extLst>
+          </p:cNvPr>
+          <p:cNvGraphicFramePr>
+            <a:graphicFrameLocks noGrp="1"/>
+          </p:cNvGraphicFramePr>
+          <p:nvPr>
+            <p:ph sz="half" idx="2"/>
+            <p:extLst>
+              <p:ext uri="{D42A27DB-BD31-4B8C-83A1-F6EECF244321}">
+                <p14:modId xmlns:p14="http://schemas.microsoft.com/office/powerpoint/2010/main" val="479031429"/>
+              </p:ext>
+            </p:extLst>
+          </p:nvPr>
+        </p:nvGraphicFramePr>
+        <p:xfrm>
+          <a:off x="6095999" y="1345002"/>
+          <a:ext cx="5925067" cy="5380824"/>
+        </p:xfrm>
+        <a:graphic>
+          <a:graphicData uri="http://schemas.openxmlformats.org/drawingml/2006/table">
+            <a:tbl>
+              <a:tblPr firstRow="1" bandRow="1">
+                <a:tableStyleId>{5C22544A-7EE6-4342-B048-85BDC9FD1C3A}</a:tableStyleId>
+              </a:tblPr>
+              <a:tblGrid>
+                <a:gridCol w="1250576">
+                  <a:extLst>
+                    <a:ext uri="{9D8B030D-6E8A-4147-A177-3AD203B41FA5}">
+                      <a16:colId xmlns:a16="http://schemas.microsoft.com/office/drawing/2014/main" val="3860376233"/>
+                    </a:ext>
+                  </a:extLst>
+                </a:gridCol>
+                <a:gridCol w="1189800">
+                  <a:extLst>
+                    <a:ext uri="{9D8B030D-6E8A-4147-A177-3AD203B41FA5}">
+                      <a16:colId xmlns:a16="http://schemas.microsoft.com/office/drawing/2014/main" val="1512756241"/>
+                    </a:ext>
+                  </a:extLst>
+                </a:gridCol>
+                <a:gridCol w="1221550">
+                  <a:extLst>
+                    <a:ext uri="{9D8B030D-6E8A-4147-A177-3AD203B41FA5}">
+                      <a16:colId xmlns:a16="http://schemas.microsoft.com/office/drawing/2014/main" val="2330588876"/>
+                    </a:ext>
+                  </a:extLst>
+                </a:gridCol>
+                <a:gridCol w="1102678">
+                  <a:extLst>
+                    <a:ext uri="{9D8B030D-6E8A-4147-A177-3AD203B41FA5}">
+                      <a16:colId xmlns:a16="http://schemas.microsoft.com/office/drawing/2014/main" val="1735902434"/>
+                    </a:ext>
+                  </a:extLst>
+                </a:gridCol>
+                <a:gridCol w="1160463">
+                  <a:extLst>
+                    <a:ext uri="{9D8B030D-6E8A-4147-A177-3AD203B41FA5}">
+                      <a16:colId xmlns:a16="http://schemas.microsoft.com/office/drawing/2014/main" val="3856288653"/>
+                    </a:ext>
+                  </a:extLst>
+                </a:gridCol>
+              </a:tblGrid>
+              <a:tr h="617963">
+                <a:tc>
+                  <a:txBody>
+                    <a:bodyPr/>
+                    <a:lstStyle/>
+                    <a:p>
+                      <a:r>
+                        <a:rPr lang="en-US" dirty="0" err="1"/>
+                        <a:t>Ipeds</a:t>
+                      </a:r>
+                      <a:r>
+                        <a:rPr lang="en-US" dirty="0"/>
+                        <a:t> Ethnicity</a:t>
+                      </a:r>
+                    </a:p>
+                  </a:txBody>
+                  <a:tcPr/>
+                </a:tc>
+                <a:tc>
+                  <a:txBody>
+                    <a:bodyPr/>
+                    <a:lstStyle/>
+                    <a:p>
+                      <a:r>
+                        <a:rPr lang="en-US" dirty="0"/>
+                        <a:t>Admitted</a:t>
+                      </a:r>
+                    </a:p>
+                    <a:p>
+                      <a:r>
+                        <a:rPr lang="en-US" dirty="0"/>
+                        <a:t>(%)</a:t>
+                      </a:r>
+                    </a:p>
+                  </a:txBody>
+                  <a:tcPr/>
+                </a:tc>
+                <a:tc>
+                  <a:txBody>
+                    <a:bodyPr/>
+                    <a:lstStyle/>
+                    <a:p>
+                      <a:r>
+                        <a:rPr lang="en-US" dirty="0"/>
+                        <a:t>Accepted (%)</a:t>
+                      </a:r>
+                    </a:p>
+                  </a:txBody>
+                  <a:tcPr/>
+                </a:tc>
+                <a:tc>
+                  <a:txBody>
+                    <a:bodyPr/>
+                    <a:lstStyle/>
+                    <a:p>
+                      <a:r>
+                        <a:rPr lang="en-US" dirty="0"/>
+                        <a:t>Enrolled (%)</a:t>
+                      </a:r>
+                    </a:p>
+                  </a:txBody>
+                  <a:tcPr/>
+                </a:tc>
+                <a:tc>
+                  <a:txBody>
+                    <a:bodyPr/>
+                    <a:lstStyle/>
+                    <a:p>
+                      <a:r>
+                        <a:rPr lang="en-US" dirty="0"/>
+                        <a:t>Retained (%)</a:t>
+                      </a:r>
+                    </a:p>
+                  </a:txBody>
+                  <a:tcPr/>
+                </a:tc>
+                <a:extLst>
+                  <a:ext uri="{0D108BD9-81ED-4DB2-BD59-A6C34878D82A}">
+                    <a16:rowId xmlns:a16="http://schemas.microsoft.com/office/drawing/2014/main" val="787373994"/>
+                  </a:ext>
+                </a:extLst>
+              </a:tr>
+              <a:tr h="627159">
+                <a:tc>
+                  <a:txBody>
+                    <a:bodyPr/>
+                    <a:lstStyle/>
+                    <a:p>
+                      <a:pPr algn="l" fontAlgn="b">
+                        <a:buNone/>
+                      </a:pPr>
+                      <a:r>
+                        <a:rPr lang="en-US" sz="1400" b="1" i="0" u="none" strike="noStrike" dirty="0">
+                          <a:solidFill>
+                            <a:srgbClr val="000000"/>
+                          </a:solidFill>
+                          <a:effectLst/>
+                          <a:latin typeface="Aptos Narrow" panose="020B0004020202020204" pitchFamily="34" charset="0"/>
+                        </a:rPr>
+                        <a:t>American Indian/Alaska Native</a:t>
+                      </a:r>
+                    </a:p>
+                  </a:txBody>
+                  <a:tcPr marL="9525" marR="9525" marT="9525" marB="0" anchor="b"/>
+                </a:tc>
+                <a:tc>
+                  <a:txBody>
+                    <a:bodyPr/>
+                    <a:lstStyle/>
+                    <a:p>
+                      <a:pPr algn="ctr" fontAlgn="b">
+                        <a:buNone/>
+                      </a:pPr>
+                      <a:r>
+                        <a:rPr lang="en-US" sz="1400" b="1" i="0" u="none" strike="noStrike" dirty="0">
+                          <a:solidFill>
+                            <a:srgbClr val="000000"/>
+                          </a:solidFill>
+                          <a:effectLst/>
+                          <a:latin typeface="Aptos Narrow" panose="020B0004020202020204" pitchFamily="34" charset="0"/>
+                        </a:rPr>
+                        <a:t>554</a:t>
+                      </a:r>
+                    </a:p>
+                    <a:p>
+                      <a:pPr algn="ctr" fontAlgn="b">
+                        <a:buNone/>
+                      </a:pPr>
+                      <a:r>
+                        <a:rPr lang="en-US" sz="1400" b="1" i="0" u="none" strike="noStrike" dirty="0">
+                          <a:solidFill>
+                            <a:srgbClr val="000000"/>
+                          </a:solidFill>
+                          <a:effectLst/>
+                          <a:latin typeface="Aptos Narrow" panose="020B0004020202020204" pitchFamily="34" charset="0"/>
+                        </a:rPr>
+                        <a:t>(1.6%)</a:t>
+                      </a:r>
+                    </a:p>
+                  </a:txBody>
+                  <a:tcPr marL="9525" marR="9525" marT="9525" marB="0" anchor="b"/>
+                </a:tc>
+                <a:tc>
+                  <a:txBody>
+                    <a:bodyPr/>
+                    <a:lstStyle/>
+                    <a:p>
+                      <a:pPr algn="ctr" fontAlgn="b">
+                        <a:buNone/>
+                      </a:pPr>
+                      <a:r>
+                        <a:rPr lang="en-US" sz="1400" b="1" i="0" u="none" strike="noStrike" dirty="0">
+                          <a:solidFill>
+                            <a:srgbClr val="000000"/>
+                          </a:solidFill>
+                          <a:effectLst/>
+                          <a:latin typeface="Aptos Narrow" panose="020B0004020202020204" pitchFamily="34" charset="0"/>
+                        </a:rPr>
+                        <a:t>198</a:t>
+                      </a:r>
+                    </a:p>
+                    <a:p>
+                      <a:pPr algn="ctr" fontAlgn="b">
+                        <a:buNone/>
+                      </a:pPr>
+                      <a:r>
+                        <a:rPr lang="en-US" sz="1400" b="1" i="0" u="none" strike="noStrike" dirty="0">
+                          <a:solidFill>
+                            <a:srgbClr val="000000"/>
+                          </a:solidFill>
+                          <a:effectLst/>
+                          <a:latin typeface="Aptos Narrow" panose="020B0004020202020204" pitchFamily="34" charset="0"/>
+                        </a:rPr>
+                        <a:t>(2.4%)</a:t>
+                      </a:r>
+                    </a:p>
+                  </a:txBody>
+                  <a:tcPr marL="9525" marR="9525" marT="9525" marB="0" anchor="b"/>
+                </a:tc>
+                <a:tc>
+                  <a:txBody>
+                    <a:bodyPr/>
+                    <a:lstStyle/>
+                    <a:p>
+                      <a:pPr algn="ctr" fontAlgn="b">
+                        <a:buNone/>
+                      </a:pPr>
+                      <a:r>
+                        <a:rPr lang="en-US" sz="1400" b="1" i="0" u="none" strike="noStrike" dirty="0">
+                          <a:solidFill>
+                            <a:srgbClr val="000000"/>
+                          </a:solidFill>
+                          <a:effectLst/>
+                          <a:latin typeface="Aptos Narrow" panose="020B0004020202020204" pitchFamily="34" charset="0"/>
+                        </a:rPr>
+                        <a:t>155</a:t>
+                      </a:r>
+                    </a:p>
+                    <a:p>
+                      <a:pPr algn="ctr" fontAlgn="b">
+                        <a:buNone/>
+                      </a:pPr>
+                      <a:r>
+                        <a:rPr lang="en-US" sz="1400" b="1" i="0" u="none" strike="noStrike" dirty="0">
+                          <a:solidFill>
+                            <a:srgbClr val="000000"/>
+                          </a:solidFill>
+                          <a:effectLst/>
+                          <a:latin typeface="Aptos Narrow" panose="020B0004020202020204" pitchFamily="34" charset="0"/>
+                        </a:rPr>
+                        <a:t>(2.3%)</a:t>
+                      </a:r>
+                    </a:p>
+                  </a:txBody>
+                  <a:tcPr marL="9525" marR="9525" marT="9525" marB="0" anchor="b"/>
+                </a:tc>
+                <a:tc>
+                  <a:txBody>
+                    <a:bodyPr/>
+                    <a:lstStyle/>
+                    <a:p>
+                      <a:pPr algn="ctr" fontAlgn="b">
+                        <a:buNone/>
+                      </a:pPr>
+                      <a:r>
+                        <a:rPr lang="en-US" sz="1400" b="1" i="0" u="none" strike="noStrike" dirty="0">
+                          <a:solidFill>
+                            <a:srgbClr val="000000"/>
+                          </a:solidFill>
+                          <a:effectLst/>
+                          <a:latin typeface="Aptos Narrow" panose="020B0004020202020204" pitchFamily="34" charset="0"/>
+                        </a:rPr>
+                        <a:t>97</a:t>
+                      </a:r>
+                    </a:p>
+                    <a:p>
+                      <a:pPr algn="ctr" fontAlgn="b">
+                        <a:buNone/>
+                      </a:pPr>
+                      <a:r>
+                        <a:rPr lang="en-US" sz="1400" b="1" i="0" u="none" strike="noStrike" dirty="0">
+                          <a:solidFill>
+                            <a:srgbClr val="000000"/>
+                          </a:solidFill>
+                          <a:effectLst/>
+                          <a:latin typeface="Aptos Narrow" panose="020B0004020202020204" pitchFamily="34" charset="0"/>
+                        </a:rPr>
+                        <a:t>(2%)</a:t>
+                      </a:r>
+                    </a:p>
+                  </a:txBody>
+                  <a:tcPr marL="9525" marR="9525" marT="9525" marB="0" anchor="b"/>
+                </a:tc>
+                <a:extLst>
+                  <a:ext uri="{0D108BD9-81ED-4DB2-BD59-A6C34878D82A}">
+                    <a16:rowId xmlns:a16="http://schemas.microsoft.com/office/drawing/2014/main" val="3563280380"/>
+                  </a:ext>
+                </a:extLst>
+              </a:tr>
+              <a:tr h="573589">
+                <a:tc>
+                  <a:txBody>
+                    <a:bodyPr/>
+                    <a:lstStyle/>
+                    <a:p>
+                      <a:pPr algn="l" fontAlgn="b">
+                        <a:buNone/>
+                      </a:pPr>
+                      <a:r>
+                        <a:rPr lang="en-US" sz="1400" b="1" i="0" u="none" strike="noStrike" dirty="0">
+                          <a:solidFill>
+                            <a:srgbClr val="000000"/>
+                          </a:solidFill>
+                          <a:effectLst/>
+                          <a:latin typeface="Aptos Narrow" panose="020B0004020202020204" pitchFamily="34" charset="0"/>
+                        </a:rPr>
+                        <a:t>Asian</a:t>
+                      </a:r>
+                    </a:p>
+                  </a:txBody>
+                  <a:tcPr marL="9525" marR="9525" marT="9525" marB="0" anchor="b"/>
+                </a:tc>
+                <a:tc>
+                  <a:txBody>
+                    <a:bodyPr/>
+                    <a:lstStyle/>
+                    <a:p>
+                      <a:pPr algn="ctr" fontAlgn="b">
+                        <a:buNone/>
+                      </a:pPr>
+                      <a:r>
+                        <a:rPr lang="en-US" sz="1400" b="1" i="0" u="none" strike="noStrike" dirty="0">
+                          <a:solidFill>
+                            <a:srgbClr val="000000"/>
+                          </a:solidFill>
+                          <a:effectLst/>
+                          <a:latin typeface="Aptos Narrow" panose="020B0004020202020204" pitchFamily="34" charset="0"/>
+                        </a:rPr>
+                        <a:t>1521</a:t>
+                      </a:r>
+                    </a:p>
+                    <a:p>
+                      <a:pPr algn="ctr" fontAlgn="b">
+                        <a:buNone/>
+                      </a:pPr>
+                      <a:r>
+                        <a:rPr lang="en-US" sz="1400" b="1" i="0" u="none" strike="noStrike" dirty="0">
+                          <a:solidFill>
+                            <a:srgbClr val="000000"/>
+                          </a:solidFill>
+                          <a:effectLst/>
+                          <a:latin typeface="Aptos Narrow" panose="020B0004020202020204" pitchFamily="34" charset="0"/>
+                        </a:rPr>
+                        <a:t>(4.4%)</a:t>
+                      </a:r>
+                    </a:p>
+                  </a:txBody>
+                  <a:tcPr marL="9525" marR="9525" marT="9525" marB="0" anchor="b"/>
+                </a:tc>
+                <a:tc>
+                  <a:txBody>
+                    <a:bodyPr/>
+                    <a:lstStyle/>
+                    <a:p>
+                      <a:pPr algn="ctr" fontAlgn="b">
+                        <a:buNone/>
+                      </a:pPr>
+                      <a:r>
+                        <a:rPr lang="en-US" sz="1400" b="1" i="0" u="none" strike="noStrike" dirty="0">
+                          <a:solidFill>
+                            <a:srgbClr val="000000"/>
+                          </a:solidFill>
+                          <a:effectLst/>
+                          <a:latin typeface="Aptos Narrow" panose="020B0004020202020204" pitchFamily="34" charset="0"/>
+                        </a:rPr>
+                        <a:t>178</a:t>
+                      </a:r>
+                    </a:p>
+                    <a:p>
+                      <a:pPr algn="ctr" fontAlgn="b">
+                        <a:buNone/>
+                      </a:pPr>
+                      <a:r>
+                        <a:rPr lang="en-US" sz="1400" b="1" i="0" u="none" strike="noStrike" dirty="0">
+                          <a:solidFill>
+                            <a:srgbClr val="000000"/>
+                          </a:solidFill>
+                          <a:effectLst/>
+                          <a:latin typeface="Aptos Narrow" panose="020B0004020202020204" pitchFamily="34" charset="0"/>
+                        </a:rPr>
+                        <a:t>(2.1%)</a:t>
+                      </a:r>
+                    </a:p>
+                  </a:txBody>
+                  <a:tcPr marL="9525" marR="9525" marT="9525" marB="0" anchor="b"/>
+                </a:tc>
+                <a:tc>
+                  <a:txBody>
+                    <a:bodyPr/>
+                    <a:lstStyle/>
+                    <a:p>
+                      <a:pPr algn="ctr" fontAlgn="b">
+                        <a:buNone/>
+                      </a:pPr>
+                      <a:r>
+                        <a:rPr lang="en-US" sz="1400" b="1" i="0" u="none" strike="noStrike" dirty="0">
+                          <a:solidFill>
+                            <a:srgbClr val="000000"/>
+                          </a:solidFill>
+                          <a:effectLst/>
+                          <a:latin typeface="Aptos Narrow" panose="020B0004020202020204" pitchFamily="34" charset="0"/>
+                        </a:rPr>
+                        <a:t>146</a:t>
+                      </a:r>
+                    </a:p>
+                    <a:p>
+                      <a:pPr algn="ctr" fontAlgn="b">
+                        <a:buNone/>
+                      </a:pPr>
+                      <a:r>
+                        <a:rPr lang="en-US" sz="1400" b="1" i="0" u="none" strike="noStrike" dirty="0">
+                          <a:solidFill>
+                            <a:srgbClr val="000000"/>
+                          </a:solidFill>
+                          <a:effectLst/>
+                          <a:latin typeface="Aptos Narrow" panose="020B0004020202020204" pitchFamily="34" charset="0"/>
+                        </a:rPr>
+                        <a:t>(2.1%)</a:t>
+                      </a:r>
+                    </a:p>
+                  </a:txBody>
+                  <a:tcPr marL="9525" marR="9525" marT="9525" marB="0" anchor="b"/>
+                </a:tc>
+                <a:tc>
+                  <a:txBody>
+                    <a:bodyPr/>
+                    <a:lstStyle/>
+                    <a:p>
+                      <a:pPr algn="ctr" fontAlgn="b">
+                        <a:buNone/>
+                      </a:pPr>
+                      <a:r>
+                        <a:rPr lang="en-US" sz="1400" b="1" i="0" u="none" strike="noStrike" dirty="0">
+                          <a:solidFill>
+                            <a:srgbClr val="000000"/>
+                          </a:solidFill>
+                          <a:effectLst/>
+                          <a:latin typeface="Aptos Narrow" panose="020B0004020202020204" pitchFamily="34" charset="0"/>
+                        </a:rPr>
+                        <a:t>119</a:t>
+                      </a:r>
+                    </a:p>
+                    <a:p>
+                      <a:pPr algn="ctr" fontAlgn="b">
+                        <a:buNone/>
+                      </a:pPr>
+                      <a:r>
+                        <a:rPr lang="en-US" sz="1400" b="1" i="0" u="none" strike="noStrike" dirty="0">
+                          <a:solidFill>
+                            <a:srgbClr val="000000"/>
+                          </a:solidFill>
+                          <a:effectLst/>
+                          <a:latin typeface="Aptos Narrow" panose="020B0004020202020204" pitchFamily="34" charset="0"/>
+                        </a:rPr>
+                        <a:t>(2.8%)</a:t>
+                      </a:r>
+                    </a:p>
+                  </a:txBody>
+                  <a:tcPr marL="9525" marR="9525" marT="9525" marB="0" anchor="b"/>
+                </a:tc>
+                <a:extLst>
+                  <a:ext uri="{0D108BD9-81ED-4DB2-BD59-A6C34878D82A}">
+                    <a16:rowId xmlns:a16="http://schemas.microsoft.com/office/drawing/2014/main" val="3413560635"/>
+                  </a:ext>
+                </a:extLst>
+              </a:tr>
+              <a:tr h="573589">
+                <a:tc>
+                  <a:txBody>
+                    <a:bodyPr/>
+                    <a:lstStyle/>
+                    <a:p>
+                      <a:pPr algn="l" fontAlgn="b">
+                        <a:buNone/>
+                      </a:pPr>
+                      <a:r>
+                        <a:rPr lang="en-US" sz="1400" b="1" i="0" u="none" strike="noStrike">
+                          <a:solidFill>
+                            <a:srgbClr val="000000"/>
+                          </a:solidFill>
+                          <a:effectLst/>
+                          <a:latin typeface="Aptos Narrow" panose="020B0004020202020204" pitchFamily="34" charset="0"/>
+                        </a:rPr>
+                        <a:t>Black/African American</a:t>
+                      </a:r>
+                    </a:p>
+                  </a:txBody>
+                  <a:tcPr marL="9525" marR="9525" marT="9525" marB="0" anchor="b"/>
+                </a:tc>
+                <a:tc>
+                  <a:txBody>
+                    <a:bodyPr/>
+                    <a:lstStyle/>
+                    <a:p>
+                      <a:pPr algn="ctr" fontAlgn="b">
+                        <a:buNone/>
+                      </a:pPr>
+                      <a:r>
+                        <a:rPr lang="en-US" sz="1400" b="1" i="0" u="none" strike="noStrike" dirty="0">
+                          <a:solidFill>
+                            <a:srgbClr val="000000"/>
+                          </a:solidFill>
+                          <a:effectLst/>
+                          <a:latin typeface="Aptos Narrow" panose="020B0004020202020204" pitchFamily="34" charset="0"/>
+                        </a:rPr>
+                        <a:t>1858</a:t>
+                      </a:r>
+                    </a:p>
+                    <a:p>
+                      <a:pPr algn="ctr" fontAlgn="b">
+                        <a:buNone/>
+                      </a:pPr>
+                      <a:r>
+                        <a:rPr lang="en-US" sz="1400" b="1" i="0" u="none" strike="noStrike" dirty="0">
+                          <a:solidFill>
+                            <a:srgbClr val="000000"/>
+                          </a:solidFill>
+                          <a:effectLst/>
+                          <a:latin typeface="Aptos Narrow" panose="020B0004020202020204" pitchFamily="34" charset="0"/>
+                        </a:rPr>
+                        <a:t>(5.4%)</a:t>
+                      </a:r>
+                    </a:p>
+                  </a:txBody>
+                  <a:tcPr marL="9525" marR="9525" marT="9525" marB="0" anchor="b"/>
+                </a:tc>
+                <a:tc>
+                  <a:txBody>
+                    <a:bodyPr/>
+                    <a:lstStyle/>
+                    <a:p>
+                      <a:pPr algn="ctr" fontAlgn="b">
+                        <a:buNone/>
+                      </a:pPr>
+                      <a:r>
+                        <a:rPr lang="en-US" sz="1400" b="1" i="0" u="none" strike="noStrike" dirty="0">
+                          <a:solidFill>
+                            <a:srgbClr val="000000"/>
+                          </a:solidFill>
+                          <a:effectLst/>
+                          <a:latin typeface="Aptos Narrow" panose="020B0004020202020204" pitchFamily="34" charset="0"/>
+                        </a:rPr>
+                        <a:t>343</a:t>
+                      </a:r>
+                    </a:p>
+                    <a:p>
+                      <a:pPr algn="ctr" fontAlgn="b">
+                        <a:buNone/>
+                      </a:pPr>
+                      <a:r>
+                        <a:rPr lang="en-US" sz="1400" b="1" i="0" u="none" strike="noStrike" dirty="0">
+                          <a:solidFill>
+                            <a:srgbClr val="000000"/>
+                          </a:solidFill>
+                          <a:effectLst/>
+                          <a:latin typeface="Aptos Narrow" panose="020B0004020202020204" pitchFamily="34" charset="0"/>
+                        </a:rPr>
+                        <a:t>(4.1%)</a:t>
+                      </a:r>
+                    </a:p>
+                  </a:txBody>
+                  <a:tcPr marL="9525" marR="9525" marT="9525" marB="0" anchor="b"/>
+                </a:tc>
+                <a:tc>
+                  <a:txBody>
+                    <a:bodyPr/>
+                    <a:lstStyle/>
+                    <a:p>
+                      <a:pPr algn="ctr" fontAlgn="b">
+                        <a:buNone/>
+                      </a:pPr>
+                      <a:r>
+                        <a:rPr lang="en-US" sz="1400" b="1" i="0" u="none" strike="noStrike" dirty="0">
+                          <a:solidFill>
+                            <a:srgbClr val="000000"/>
+                          </a:solidFill>
+                          <a:effectLst/>
+                          <a:latin typeface="Aptos Narrow" panose="020B0004020202020204" pitchFamily="34" charset="0"/>
+                        </a:rPr>
+                        <a:t>244</a:t>
+                      </a:r>
+                    </a:p>
+                    <a:p>
+                      <a:pPr algn="ctr" fontAlgn="b">
+                        <a:buNone/>
+                      </a:pPr>
+                      <a:r>
+                        <a:rPr lang="en-US" sz="1400" b="1" i="0" u="none" strike="noStrike" dirty="0">
+                          <a:solidFill>
+                            <a:srgbClr val="000000"/>
+                          </a:solidFill>
+                          <a:effectLst/>
+                          <a:latin typeface="Aptos Narrow" panose="020B0004020202020204" pitchFamily="34" charset="0"/>
+                        </a:rPr>
+                        <a:t>(3.6%)</a:t>
+                      </a:r>
+                    </a:p>
+                  </a:txBody>
+                  <a:tcPr marL="9525" marR="9525" marT="9525" marB="0" anchor="b"/>
+                </a:tc>
+                <a:tc>
+                  <a:txBody>
+                    <a:bodyPr/>
+                    <a:lstStyle/>
+                    <a:p>
+                      <a:pPr algn="ctr" fontAlgn="b">
+                        <a:buNone/>
+                      </a:pPr>
+                      <a:r>
+                        <a:rPr lang="en-US" sz="1400" b="1" i="0" u="none" strike="noStrike" dirty="0">
+                          <a:solidFill>
+                            <a:srgbClr val="000000"/>
+                          </a:solidFill>
+                          <a:effectLst/>
+                          <a:latin typeface="Aptos Narrow" panose="020B0004020202020204" pitchFamily="34" charset="0"/>
+                        </a:rPr>
+                        <a:t>138</a:t>
+                      </a:r>
+                    </a:p>
+                    <a:p>
+                      <a:pPr algn="ctr" fontAlgn="b">
+                        <a:buNone/>
+                      </a:pPr>
+                      <a:r>
+                        <a:rPr lang="en-US" sz="1400" b="1" i="0" u="none" strike="noStrike" dirty="0">
+                          <a:solidFill>
+                            <a:srgbClr val="000000"/>
+                          </a:solidFill>
+                          <a:effectLst/>
+                          <a:latin typeface="Aptos Narrow" panose="020B0004020202020204" pitchFamily="34" charset="0"/>
+                        </a:rPr>
+                        <a:t>(2.8%)</a:t>
+                      </a:r>
+                    </a:p>
+                  </a:txBody>
+                  <a:tcPr marL="9525" marR="9525" marT="9525" marB="0" anchor="b"/>
+                </a:tc>
+                <a:extLst>
+                  <a:ext uri="{0D108BD9-81ED-4DB2-BD59-A6C34878D82A}">
+                    <a16:rowId xmlns:a16="http://schemas.microsoft.com/office/drawing/2014/main" val="248714173"/>
+                  </a:ext>
+                </a:extLst>
+              </a:tr>
+              <a:tr h="573589">
+                <a:tc>
+                  <a:txBody>
+                    <a:bodyPr/>
+                    <a:lstStyle/>
+                    <a:p>
+                      <a:pPr algn="l" fontAlgn="b">
+                        <a:buNone/>
+                      </a:pPr>
+                      <a:r>
+                        <a:rPr lang="en-US" sz="1400" b="1" i="0" u="none" strike="noStrike">
+                          <a:solidFill>
+                            <a:srgbClr val="000000"/>
+                          </a:solidFill>
+                          <a:effectLst/>
+                          <a:latin typeface="Aptos Narrow" panose="020B0004020202020204" pitchFamily="34" charset="0"/>
+                        </a:rPr>
+                        <a:t>Hispanic/Latino</a:t>
+                      </a:r>
+                    </a:p>
+                  </a:txBody>
+                  <a:tcPr marL="9525" marR="9525" marT="9525" marB="0" anchor="b"/>
+                </a:tc>
+                <a:tc>
+                  <a:txBody>
+                    <a:bodyPr/>
+                    <a:lstStyle/>
+                    <a:p>
+                      <a:pPr algn="ctr" fontAlgn="b">
+                        <a:buNone/>
+                      </a:pPr>
+                      <a:r>
+                        <a:rPr lang="en-US" sz="1400" b="1" i="0" u="none" strike="noStrike" dirty="0">
+                          <a:solidFill>
+                            <a:srgbClr val="000000"/>
+                          </a:solidFill>
+                          <a:effectLst/>
+                          <a:latin typeface="Aptos Narrow" panose="020B0004020202020204" pitchFamily="34" charset="0"/>
+                        </a:rPr>
+                        <a:t>12372</a:t>
+                      </a:r>
+                    </a:p>
+                    <a:p>
+                      <a:pPr algn="ctr" fontAlgn="b">
+                        <a:buNone/>
+                      </a:pPr>
+                      <a:r>
+                        <a:rPr lang="en-US" sz="1400" b="1" i="0" u="none" strike="noStrike" dirty="0">
+                          <a:solidFill>
+                            <a:srgbClr val="000000"/>
+                          </a:solidFill>
+                          <a:effectLst/>
+                          <a:latin typeface="Aptos Narrow" panose="020B0004020202020204" pitchFamily="34" charset="0"/>
+                        </a:rPr>
+                        <a:t>(35.7%)</a:t>
+                      </a:r>
+                    </a:p>
+                  </a:txBody>
+                  <a:tcPr marL="9525" marR="9525" marT="9525" marB="0" anchor="b"/>
+                </a:tc>
+                <a:tc>
+                  <a:txBody>
+                    <a:bodyPr/>
+                    <a:lstStyle/>
+                    <a:p>
+                      <a:pPr algn="ctr" fontAlgn="b">
+                        <a:buNone/>
+                      </a:pPr>
+                      <a:r>
+                        <a:rPr lang="en-US" sz="1400" b="1" i="0" u="none" strike="noStrike" dirty="0">
+                          <a:solidFill>
+                            <a:srgbClr val="000000"/>
+                          </a:solidFill>
+                          <a:effectLst/>
+                          <a:latin typeface="Aptos Narrow" panose="020B0004020202020204" pitchFamily="34" charset="0"/>
+                        </a:rPr>
+                        <a:t>2304</a:t>
+                      </a:r>
+                    </a:p>
+                    <a:p>
+                      <a:pPr algn="ctr" fontAlgn="b">
+                        <a:buNone/>
+                      </a:pPr>
+                      <a:r>
+                        <a:rPr lang="en-US" sz="1400" b="1" i="0" u="none" strike="noStrike" dirty="0">
+                          <a:solidFill>
+                            <a:srgbClr val="000000"/>
+                          </a:solidFill>
+                          <a:effectLst/>
+                          <a:latin typeface="Aptos Narrow" panose="020B0004020202020204" pitchFamily="34" charset="0"/>
+                        </a:rPr>
+                        <a:t>(27.5%)</a:t>
+                      </a:r>
+                    </a:p>
+                  </a:txBody>
+                  <a:tcPr marL="9525" marR="9525" marT="9525" marB="0" anchor="b"/>
+                </a:tc>
+                <a:tc>
+                  <a:txBody>
+                    <a:bodyPr/>
+                    <a:lstStyle/>
+                    <a:p>
+                      <a:pPr algn="ctr" fontAlgn="b">
+                        <a:buNone/>
+                      </a:pPr>
+                      <a:r>
+                        <a:rPr lang="en-US" sz="1400" b="1" i="0" u="none" strike="noStrike" dirty="0">
+                          <a:solidFill>
+                            <a:srgbClr val="000000"/>
+                          </a:solidFill>
+                          <a:effectLst/>
+                          <a:latin typeface="Aptos Narrow" panose="020B0004020202020204" pitchFamily="34" charset="0"/>
+                        </a:rPr>
+                        <a:t>1718</a:t>
+                      </a:r>
+                    </a:p>
+                    <a:p>
+                      <a:pPr algn="ctr" fontAlgn="b">
+                        <a:buNone/>
+                      </a:pPr>
+                      <a:r>
+                        <a:rPr lang="en-US" sz="1400" b="1" i="0" u="none" strike="noStrike" dirty="0">
+                          <a:solidFill>
+                            <a:srgbClr val="000000"/>
+                          </a:solidFill>
+                          <a:effectLst/>
+                          <a:latin typeface="Aptos Narrow" panose="020B0004020202020204" pitchFamily="34" charset="0"/>
+                        </a:rPr>
+                        <a:t>(25.4%)</a:t>
+                      </a:r>
+                    </a:p>
+                  </a:txBody>
+                  <a:tcPr marL="9525" marR="9525" marT="9525" marB="0" anchor="b"/>
+                </a:tc>
+                <a:tc>
+                  <a:txBody>
+                    <a:bodyPr/>
+                    <a:lstStyle/>
+                    <a:p>
+                      <a:pPr algn="ctr" fontAlgn="b">
+                        <a:buNone/>
+                      </a:pPr>
+                      <a:r>
+                        <a:rPr lang="en-US" sz="1400" b="1" i="0" u="none" strike="noStrike" dirty="0">
+                          <a:solidFill>
+                            <a:srgbClr val="000000"/>
+                          </a:solidFill>
+                          <a:effectLst/>
+                          <a:latin typeface="Aptos Narrow" panose="020B0004020202020204" pitchFamily="34" charset="0"/>
+                        </a:rPr>
+                        <a:t>1164</a:t>
+                      </a:r>
+                    </a:p>
+                    <a:p>
+                      <a:pPr algn="ctr" fontAlgn="b">
+                        <a:buNone/>
+                      </a:pPr>
+                      <a:r>
+                        <a:rPr lang="en-US" sz="1400" b="1" i="0" u="none" strike="noStrike" dirty="0">
+                          <a:solidFill>
+                            <a:srgbClr val="000000"/>
+                          </a:solidFill>
+                          <a:effectLst/>
+                          <a:latin typeface="Aptos Narrow" panose="020B0004020202020204" pitchFamily="34" charset="0"/>
+                        </a:rPr>
+                        <a:t>(23.7%)</a:t>
+                      </a:r>
+                    </a:p>
+                  </a:txBody>
+                  <a:tcPr marL="9525" marR="9525" marT="9525" marB="0" anchor="b"/>
+                </a:tc>
+                <a:extLst>
+                  <a:ext uri="{0D108BD9-81ED-4DB2-BD59-A6C34878D82A}">
+                    <a16:rowId xmlns:a16="http://schemas.microsoft.com/office/drawing/2014/main" val="2376680494"/>
+                  </a:ext>
+                </a:extLst>
+              </a:tr>
+              <a:tr h="627159">
+                <a:tc>
+                  <a:txBody>
+                    <a:bodyPr/>
+                    <a:lstStyle/>
+                    <a:p>
+                      <a:pPr algn="l" fontAlgn="b">
+                        <a:buNone/>
+                      </a:pPr>
+                      <a:r>
+                        <a:rPr lang="en-US" sz="1400" b="1" i="0" u="none" strike="noStrike" dirty="0">
+                          <a:solidFill>
+                            <a:srgbClr val="000000"/>
+                          </a:solidFill>
+                          <a:effectLst/>
+                          <a:latin typeface="Aptos Narrow" panose="020B0004020202020204" pitchFamily="34" charset="0"/>
+                        </a:rPr>
+                        <a:t>Native Hawaiian/Oth Pac Island</a:t>
+                      </a:r>
+                    </a:p>
+                  </a:txBody>
+                  <a:tcPr marL="9525" marR="9525" marT="9525" marB="0" anchor="b"/>
+                </a:tc>
+                <a:tc>
+                  <a:txBody>
+                    <a:bodyPr/>
+                    <a:lstStyle/>
+                    <a:p>
+                      <a:pPr algn="ctr" fontAlgn="b">
+                        <a:buNone/>
+                      </a:pPr>
+                      <a:r>
+                        <a:rPr lang="en-US" sz="1400" b="1" i="0" u="none" strike="noStrike" dirty="0">
+                          <a:solidFill>
+                            <a:srgbClr val="000000"/>
+                          </a:solidFill>
+                          <a:effectLst/>
+                          <a:latin typeface="Aptos Narrow" panose="020B0004020202020204" pitchFamily="34" charset="0"/>
+                        </a:rPr>
+                        <a:t>192</a:t>
+                      </a:r>
+                    </a:p>
+                    <a:p>
+                      <a:pPr algn="ctr" fontAlgn="b">
+                        <a:buNone/>
+                      </a:pPr>
+                      <a:r>
+                        <a:rPr lang="en-US" sz="1400" b="1" i="0" u="none" strike="noStrike" dirty="0">
+                          <a:solidFill>
+                            <a:srgbClr val="000000"/>
+                          </a:solidFill>
+                          <a:effectLst/>
+                          <a:latin typeface="Aptos Narrow" panose="020B0004020202020204" pitchFamily="34" charset="0"/>
+                        </a:rPr>
+                        <a:t>(0.6%)</a:t>
+                      </a:r>
+                    </a:p>
+                  </a:txBody>
+                  <a:tcPr marL="9525" marR="9525" marT="9525" marB="0" anchor="b"/>
+                </a:tc>
+                <a:tc>
+                  <a:txBody>
+                    <a:bodyPr/>
+                    <a:lstStyle/>
+                    <a:p>
+                      <a:pPr algn="ctr" fontAlgn="b">
+                        <a:buNone/>
+                      </a:pPr>
+                      <a:r>
+                        <a:rPr lang="en-US" sz="1400" b="1" i="0" u="none" strike="noStrike" dirty="0">
+                          <a:solidFill>
+                            <a:srgbClr val="000000"/>
+                          </a:solidFill>
+                          <a:effectLst/>
+                          <a:latin typeface="Aptos Narrow" panose="020B0004020202020204" pitchFamily="34" charset="0"/>
+                        </a:rPr>
+                        <a:t>34</a:t>
+                      </a:r>
+                    </a:p>
+                    <a:p>
+                      <a:pPr algn="ctr" fontAlgn="b">
+                        <a:buNone/>
+                      </a:pPr>
+                      <a:r>
+                        <a:rPr lang="en-US" sz="1400" b="1" i="0" u="none" strike="noStrike" dirty="0">
+                          <a:solidFill>
+                            <a:srgbClr val="000000"/>
+                          </a:solidFill>
+                          <a:effectLst/>
+                          <a:latin typeface="Aptos Narrow" panose="020B0004020202020204" pitchFamily="34" charset="0"/>
+                        </a:rPr>
+                        <a:t>(0.4%)</a:t>
+                      </a:r>
+                    </a:p>
+                  </a:txBody>
+                  <a:tcPr marL="9525" marR="9525" marT="9525" marB="0" anchor="b"/>
+                </a:tc>
+                <a:tc>
+                  <a:txBody>
+                    <a:bodyPr/>
+                    <a:lstStyle/>
+                    <a:p>
+                      <a:pPr algn="ctr" fontAlgn="b">
+                        <a:buNone/>
+                      </a:pPr>
+                      <a:r>
+                        <a:rPr lang="en-US" sz="1400" b="1" i="0" u="none" strike="noStrike" dirty="0">
+                          <a:solidFill>
+                            <a:srgbClr val="000000"/>
+                          </a:solidFill>
+                          <a:effectLst/>
+                          <a:latin typeface="Aptos Narrow" panose="020B0004020202020204" pitchFamily="34" charset="0"/>
+                        </a:rPr>
+                        <a:t>24</a:t>
+                      </a:r>
+                    </a:p>
+                    <a:p>
+                      <a:pPr algn="ctr" fontAlgn="b">
+                        <a:buNone/>
+                      </a:pPr>
+                      <a:r>
+                        <a:rPr lang="en-US" sz="1400" b="1" i="0" u="none" strike="noStrike" dirty="0">
+                          <a:solidFill>
+                            <a:srgbClr val="000000"/>
+                          </a:solidFill>
+                          <a:effectLst/>
+                          <a:latin typeface="Aptos Narrow" panose="020B0004020202020204" pitchFamily="34" charset="0"/>
+                        </a:rPr>
+                        <a:t>(0.3%)</a:t>
+                      </a:r>
+                    </a:p>
+                  </a:txBody>
+                  <a:tcPr marL="9525" marR="9525" marT="9525" marB="0" anchor="b"/>
+                </a:tc>
+                <a:tc>
+                  <a:txBody>
+                    <a:bodyPr/>
+                    <a:lstStyle/>
+                    <a:p>
+                      <a:pPr algn="ctr" fontAlgn="b">
+                        <a:buNone/>
+                      </a:pPr>
+                      <a:r>
+                        <a:rPr lang="en-US" sz="1400" b="1" i="0" u="none" strike="noStrike" dirty="0">
+                          <a:solidFill>
+                            <a:srgbClr val="000000"/>
+                          </a:solidFill>
+                          <a:effectLst/>
+                          <a:latin typeface="Aptos Narrow" panose="020B0004020202020204" pitchFamily="34" charset="0"/>
+                        </a:rPr>
+                        <a:t>14</a:t>
+                      </a:r>
+                    </a:p>
+                    <a:p>
+                      <a:pPr algn="ctr" fontAlgn="b">
+                        <a:buNone/>
+                      </a:pPr>
+                      <a:r>
+                        <a:rPr lang="en-US" sz="1400" b="1" i="0" u="none" strike="noStrike" dirty="0">
+                          <a:solidFill>
+                            <a:srgbClr val="000000"/>
+                          </a:solidFill>
+                          <a:effectLst/>
+                          <a:latin typeface="Aptos Narrow" panose="020B0004020202020204" pitchFamily="34" charset="0"/>
+                        </a:rPr>
+                        <a:t>(0.3%)</a:t>
+                      </a:r>
+                    </a:p>
+                  </a:txBody>
+                  <a:tcPr marL="9525" marR="9525" marT="9525" marB="0" anchor="b"/>
+                </a:tc>
+                <a:extLst>
+                  <a:ext uri="{0D108BD9-81ED-4DB2-BD59-A6C34878D82A}">
+                    <a16:rowId xmlns:a16="http://schemas.microsoft.com/office/drawing/2014/main" val="1813873393"/>
+                  </a:ext>
+                </a:extLst>
+              </a:tr>
+              <a:tr h="573589">
+                <a:tc>
+                  <a:txBody>
+                    <a:bodyPr/>
+                    <a:lstStyle/>
+                    <a:p>
+                      <a:pPr algn="l" fontAlgn="b">
+                        <a:buNone/>
+                      </a:pPr>
+                      <a:r>
+                        <a:rPr lang="en-US" sz="1400" b="1" i="0" u="none" strike="noStrike" dirty="0">
+                          <a:solidFill>
+                            <a:srgbClr val="000000"/>
+                          </a:solidFill>
+                          <a:effectLst/>
+                          <a:latin typeface="Aptos Narrow" panose="020B0004020202020204" pitchFamily="34" charset="0"/>
+                        </a:rPr>
+                        <a:t>Not Specified</a:t>
+                      </a:r>
+                    </a:p>
+                  </a:txBody>
+                  <a:tcPr marL="9525" marR="9525" marT="9525" marB="0" anchor="b"/>
+                </a:tc>
+                <a:tc>
+                  <a:txBody>
+                    <a:bodyPr/>
+                    <a:lstStyle/>
+                    <a:p>
+                      <a:pPr algn="ctr" fontAlgn="b">
+                        <a:buNone/>
+                      </a:pPr>
+                      <a:r>
+                        <a:rPr lang="en-US" sz="1400" b="1" i="0" u="none" strike="noStrike" dirty="0">
+                          <a:solidFill>
+                            <a:srgbClr val="000000"/>
+                          </a:solidFill>
+                          <a:effectLst/>
+                          <a:latin typeface="Aptos Narrow" panose="020B0004020202020204" pitchFamily="34" charset="0"/>
+                        </a:rPr>
+                        <a:t>475</a:t>
+                      </a:r>
+                    </a:p>
+                    <a:p>
+                      <a:pPr algn="ctr" fontAlgn="b">
+                        <a:buNone/>
+                      </a:pPr>
+                      <a:r>
+                        <a:rPr lang="en-US" sz="1400" b="1" i="0" u="none" strike="noStrike" dirty="0">
+                          <a:solidFill>
+                            <a:srgbClr val="000000"/>
+                          </a:solidFill>
+                          <a:effectLst/>
+                          <a:latin typeface="Aptos Narrow" panose="020B0004020202020204" pitchFamily="34" charset="0"/>
+                        </a:rPr>
+                        <a:t>(1.4%)</a:t>
+                      </a:r>
+                    </a:p>
+                  </a:txBody>
+                  <a:tcPr marL="9525" marR="9525" marT="9525" marB="0" anchor="b"/>
+                </a:tc>
+                <a:tc>
+                  <a:txBody>
+                    <a:bodyPr/>
+                    <a:lstStyle/>
+                    <a:p>
+                      <a:pPr algn="ctr" fontAlgn="b">
+                        <a:buNone/>
+                      </a:pPr>
+                      <a:r>
+                        <a:rPr lang="en-US" sz="1400" b="1" i="0" u="none" strike="noStrike" dirty="0">
+                          <a:solidFill>
+                            <a:srgbClr val="000000"/>
+                          </a:solidFill>
+                          <a:effectLst/>
+                          <a:latin typeface="Aptos Narrow" panose="020B0004020202020204" pitchFamily="34" charset="0"/>
+                        </a:rPr>
+                        <a:t>84</a:t>
+                      </a:r>
+                    </a:p>
+                    <a:p>
+                      <a:pPr algn="ctr" fontAlgn="b">
+                        <a:buNone/>
+                      </a:pPr>
+                      <a:r>
+                        <a:rPr lang="en-US" sz="1400" b="1" i="0" u="none" strike="noStrike" dirty="0">
+                          <a:solidFill>
+                            <a:srgbClr val="000000"/>
+                          </a:solidFill>
+                          <a:effectLst/>
+                          <a:latin typeface="Aptos Narrow" panose="020B0004020202020204" pitchFamily="34" charset="0"/>
+                        </a:rPr>
+                        <a:t>(1%)</a:t>
+                      </a:r>
+                    </a:p>
+                  </a:txBody>
+                  <a:tcPr marL="9525" marR="9525" marT="9525" marB="0" anchor="b"/>
+                </a:tc>
+                <a:tc>
+                  <a:txBody>
+                    <a:bodyPr/>
+                    <a:lstStyle/>
+                    <a:p>
+                      <a:pPr algn="ctr" fontAlgn="b">
+                        <a:buNone/>
+                      </a:pPr>
+                      <a:r>
+                        <a:rPr lang="en-US" sz="1400" b="1" i="0" u="none" strike="noStrike" dirty="0">
+                          <a:solidFill>
+                            <a:srgbClr val="000000"/>
+                          </a:solidFill>
+                          <a:effectLst/>
+                          <a:latin typeface="Aptos Narrow" panose="020B0004020202020204" pitchFamily="34" charset="0"/>
+                        </a:rPr>
+                        <a:t>69</a:t>
+                      </a:r>
+                    </a:p>
+                    <a:p>
+                      <a:pPr algn="ctr" fontAlgn="b">
+                        <a:buNone/>
+                      </a:pPr>
+                      <a:r>
+                        <a:rPr lang="en-US" sz="1400" b="1" i="0" u="none" strike="noStrike" dirty="0">
+                          <a:solidFill>
+                            <a:srgbClr val="000000"/>
+                          </a:solidFill>
+                          <a:effectLst/>
+                          <a:latin typeface="Aptos Narrow" panose="020B0004020202020204" pitchFamily="34" charset="0"/>
+                        </a:rPr>
+                        <a:t>(1%)</a:t>
+                      </a:r>
+                    </a:p>
+                  </a:txBody>
+                  <a:tcPr marL="9525" marR="9525" marT="9525" marB="0" anchor="b"/>
+                </a:tc>
+                <a:tc>
+                  <a:txBody>
+                    <a:bodyPr/>
+                    <a:lstStyle/>
+                    <a:p>
+                      <a:pPr algn="ctr" fontAlgn="b">
+                        <a:buNone/>
+                      </a:pPr>
+                      <a:r>
+                        <a:rPr lang="en-US" sz="1400" b="1" i="0" u="none" strike="noStrike" dirty="0">
+                          <a:solidFill>
+                            <a:srgbClr val="000000"/>
+                          </a:solidFill>
+                          <a:effectLst/>
+                          <a:latin typeface="Aptos Narrow" panose="020B0004020202020204" pitchFamily="34" charset="0"/>
+                        </a:rPr>
+                        <a:t>45</a:t>
+                      </a:r>
+                    </a:p>
+                    <a:p>
+                      <a:pPr algn="ctr" fontAlgn="b">
+                        <a:buNone/>
+                      </a:pPr>
+                      <a:r>
+                        <a:rPr lang="en-US" sz="1400" b="1" i="0" u="none" strike="noStrike" dirty="0">
+                          <a:solidFill>
+                            <a:srgbClr val="000000"/>
+                          </a:solidFill>
+                          <a:effectLst/>
+                          <a:latin typeface="Aptos Narrow" panose="020B0004020202020204" pitchFamily="34" charset="0"/>
+                        </a:rPr>
+                        <a:t>(.9%)</a:t>
+                      </a:r>
+                    </a:p>
+                  </a:txBody>
+                  <a:tcPr marL="9525" marR="9525" marT="9525" marB="0" anchor="b"/>
+                </a:tc>
+                <a:extLst>
+                  <a:ext uri="{0D108BD9-81ED-4DB2-BD59-A6C34878D82A}">
+                    <a16:rowId xmlns:a16="http://schemas.microsoft.com/office/drawing/2014/main" val="1593493241"/>
+                  </a:ext>
+                </a:extLst>
+              </a:tr>
+              <a:tr h="573589">
+                <a:tc>
+                  <a:txBody>
+                    <a:bodyPr/>
+                    <a:lstStyle/>
+                    <a:p>
+                      <a:pPr algn="l" fontAlgn="b">
+                        <a:buNone/>
+                      </a:pPr>
+                      <a:r>
+                        <a:rPr lang="en-US" sz="1400" b="1" i="0" u="none" strike="noStrike" dirty="0">
+                          <a:solidFill>
+                            <a:srgbClr val="000000"/>
+                          </a:solidFill>
+                          <a:effectLst/>
+                          <a:latin typeface="Aptos Narrow" panose="020B0004020202020204" pitchFamily="34" charset="0"/>
+                        </a:rPr>
+                        <a:t>Two or More</a:t>
+                      </a:r>
+                    </a:p>
+                  </a:txBody>
+                  <a:tcPr marL="9525" marR="9525" marT="9525" marB="0" anchor="b"/>
+                </a:tc>
+                <a:tc>
+                  <a:txBody>
+                    <a:bodyPr/>
+                    <a:lstStyle/>
+                    <a:p>
+                      <a:pPr algn="ctr" fontAlgn="b">
+                        <a:buNone/>
+                      </a:pPr>
+                      <a:r>
+                        <a:rPr lang="en-US" sz="1400" b="1" i="0" u="none" strike="noStrike" dirty="0">
+                          <a:solidFill>
+                            <a:srgbClr val="000000"/>
+                          </a:solidFill>
+                          <a:effectLst/>
+                          <a:latin typeface="Aptos Narrow" panose="020B0004020202020204" pitchFamily="34" charset="0"/>
+                        </a:rPr>
+                        <a:t>2304</a:t>
+                      </a:r>
+                    </a:p>
+                    <a:p>
+                      <a:pPr algn="ctr" fontAlgn="b">
+                        <a:buNone/>
+                      </a:pPr>
+                      <a:r>
+                        <a:rPr lang="en-US" sz="1400" b="1" i="0" u="none" strike="noStrike" dirty="0">
+                          <a:solidFill>
+                            <a:srgbClr val="000000"/>
+                          </a:solidFill>
+                          <a:effectLst/>
+                          <a:latin typeface="Aptos Narrow" panose="020B0004020202020204" pitchFamily="34" charset="0"/>
+                        </a:rPr>
+                        <a:t>(6.6%)</a:t>
+                      </a:r>
+                    </a:p>
+                  </a:txBody>
+                  <a:tcPr marL="9525" marR="9525" marT="9525" marB="0" anchor="b"/>
+                </a:tc>
+                <a:tc>
+                  <a:txBody>
+                    <a:bodyPr/>
+                    <a:lstStyle/>
+                    <a:p>
+                      <a:pPr algn="ctr" fontAlgn="b">
+                        <a:buNone/>
+                      </a:pPr>
+                      <a:r>
+                        <a:rPr lang="en-US" sz="1400" b="1" i="0" u="none" strike="noStrike" dirty="0">
+                          <a:solidFill>
+                            <a:srgbClr val="000000"/>
+                          </a:solidFill>
+                          <a:effectLst/>
+                          <a:latin typeface="Aptos Narrow" panose="020B0004020202020204" pitchFamily="34" charset="0"/>
+                        </a:rPr>
+                        <a:t>567</a:t>
+                      </a:r>
+                    </a:p>
+                    <a:p>
+                      <a:pPr algn="ctr" fontAlgn="b">
+                        <a:buNone/>
+                      </a:pPr>
+                      <a:r>
+                        <a:rPr lang="en-US" sz="1400" b="1" i="0" u="none" strike="noStrike" dirty="0">
+                          <a:solidFill>
+                            <a:srgbClr val="000000"/>
+                          </a:solidFill>
+                          <a:effectLst/>
+                          <a:latin typeface="Aptos Narrow" panose="020B0004020202020204" pitchFamily="34" charset="0"/>
+                        </a:rPr>
+                        <a:t>(6.8%)</a:t>
+                      </a:r>
+                    </a:p>
+                  </a:txBody>
+                  <a:tcPr marL="9525" marR="9525" marT="9525" marB="0" anchor="b"/>
+                </a:tc>
+                <a:tc>
+                  <a:txBody>
+                    <a:bodyPr/>
+                    <a:lstStyle/>
+                    <a:p>
+                      <a:pPr algn="ctr" fontAlgn="b">
+                        <a:buNone/>
+                      </a:pPr>
+                      <a:r>
+                        <a:rPr lang="en-US" sz="1400" b="1" i="0" u="none" strike="noStrike" dirty="0">
+                          <a:solidFill>
+                            <a:srgbClr val="000000"/>
+                          </a:solidFill>
+                          <a:effectLst/>
+                          <a:latin typeface="Aptos Narrow" panose="020B0004020202020204" pitchFamily="34" charset="0"/>
+                        </a:rPr>
+                        <a:t>460</a:t>
+                      </a:r>
+                    </a:p>
+                    <a:p>
+                      <a:pPr algn="ctr" fontAlgn="b">
+                        <a:buNone/>
+                      </a:pPr>
+                      <a:r>
+                        <a:rPr lang="en-US" sz="1400" b="1" i="0" u="none" strike="noStrike" dirty="0">
+                          <a:solidFill>
+                            <a:srgbClr val="000000"/>
+                          </a:solidFill>
+                          <a:effectLst/>
+                          <a:latin typeface="Aptos Narrow" panose="020B0004020202020204" pitchFamily="34" charset="0"/>
+                        </a:rPr>
+                        <a:t>(6.8%)</a:t>
+                      </a:r>
+                    </a:p>
+                  </a:txBody>
+                  <a:tcPr marL="9525" marR="9525" marT="9525" marB="0" anchor="b"/>
+                </a:tc>
+                <a:tc>
+                  <a:txBody>
+                    <a:bodyPr/>
+                    <a:lstStyle/>
+                    <a:p>
+                      <a:pPr algn="ctr" fontAlgn="b">
+                        <a:buNone/>
+                      </a:pPr>
+                      <a:r>
+                        <a:rPr lang="en-US" sz="1400" b="1" i="0" u="none" strike="noStrike" dirty="0">
+                          <a:solidFill>
+                            <a:srgbClr val="000000"/>
+                          </a:solidFill>
+                          <a:effectLst/>
+                          <a:latin typeface="Aptos Narrow" panose="020B0004020202020204" pitchFamily="34" charset="0"/>
+                        </a:rPr>
+                        <a:t>335</a:t>
+                      </a:r>
+                    </a:p>
+                    <a:p>
+                      <a:pPr algn="ctr" fontAlgn="b">
+                        <a:buNone/>
+                      </a:pPr>
+                      <a:r>
+                        <a:rPr lang="en-US" sz="1400" b="1" i="0" u="none" strike="noStrike" dirty="0">
+                          <a:solidFill>
+                            <a:srgbClr val="000000"/>
+                          </a:solidFill>
+                          <a:effectLst/>
+                          <a:latin typeface="Aptos Narrow" panose="020B0004020202020204" pitchFamily="34" charset="0"/>
+                        </a:rPr>
+                        <a:t>(6.8%)</a:t>
+                      </a:r>
+                    </a:p>
+                  </a:txBody>
+                  <a:tcPr marL="9525" marR="9525" marT="9525" marB="0" anchor="b"/>
+                </a:tc>
+                <a:extLst>
+                  <a:ext uri="{0D108BD9-81ED-4DB2-BD59-A6C34878D82A}">
+                    <a16:rowId xmlns:a16="http://schemas.microsoft.com/office/drawing/2014/main" val="2448790798"/>
+                  </a:ext>
+                </a:extLst>
+              </a:tr>
+              <a:tr h="573589">
+                <a:tc>
+                  <a:txBody>
+                    <a:bodyPr/>
+                    <a:lstStyle/>
+                    <a:p>
+                      <a:pPr algn="l" fontAlgn="b">
+                        <a:buNone/>
+                      </a:pPr>
+                      <a:r>
+                        <a:rPr lang="en-US" sz="1400" b="1" i="0" u="none" strike="noStrike">
+                          <a:solidFill>
+                            <a:srgbClr val="000000"/>
+                          </a:solidFill>
+                          <a:effectLst/>
+                          <a:latin typeface="Aptos Narrow" panose="020B0004020202020204" pitchFamily="34" charset="0"/>
+                        </a:rPr>
+                        <a:t>White</a:t>
+                      </a:r>
+                    </a:p>
+                  </a:txBody>
+                  <a:tcPr marL="9525" marR="9525" marT="9525" marB="0" anchor="b"/>
+                </a:tc>
+                <a:tc>
+                  <a:txBody>
+                    <a:bodyPr/>
+                    <a:lstStyle/>
+                    <a:p>
+                      <a:pPr algn="ctr" fontAlgn="b">
+                        <a:buNone/>
+                      </a:pPr>
+                      <a:r>
+                        <a:rPr lang="en-US" sz="1400" b="1" i="0" u="none" strike="noStrike" dirty="0">
+                          <a:solidFill>
+                            <a:srgbClr val="000000"/>
+                          </a:solidFill>
+                          <a:effectLst/>
+                          <a:latin typeface="Aptos Narrow" panose="020B0004020202020204" pitchFamily="34" charset="0"/>
+                        </a:rPr>
+                        <a:t>15352</a:t>
+                      </a:r>
+                    </a:p>
+                    <a:p>
+                      <a:pPr algn="ctr" fontAlgn="b">
+                        <a:buNone/>
+                      </a:pPr>
+                      <a:r>
+                        <a:rPr lang="en-US" sz="1400" b="1" i="0" u="none" strike="noStrike" dirty="0">
+                          <a:solidFill>
+                            <a:srgbClr val="000000"/>
+                          </a:solidFill>
+                          <a:effectLst/>
+                          <a:latin typeface="Aptos Narrow" panose="020B0004020202020204" pitchFamily="34" charset="0"/>
+                        </a:rPr>
+                        <a:t>(44.3%)</a:t>
+                      </a:r>
+                    </a:p>
+                  </a:txBody>
+                  <a:tcPr marL="9525" marR="9525" marT="9525" marB="0" anchor="b"/>
+                </a:tc>
+                <a:tc>
+                  <a:txBody>
+                    <a:bodyPr/>
+                    <a:lstStyle/>
+                    <a:p>
+                      <a:pPr algn="ctr" fontAlgn="b">
+                        <a:buNone/>
+                      </a:pPr>
+                      <a:r>
+                        <a:rPr lang="en-US" sz="1400" b="1" i="0" u="none" strike="noStrike" dirty="0">
+                          <a:solidFill>
+                            <a:srgbClr val="000000"/>
+                          </a:solidFill>
+                          <a:effectLst/>
+                          <a:latin typeface="Aptos Narrow" panose="020B0004020202020204" pitchFamily="34" charset="0"/>
+                        </a:rPr>
+                        <a:t>4671</a:t>
+                      </a:r>
+                    </a:p>
+                    <a:p>
+                      <a:pPr algn="ctr" fontAlgn="b">
+                        <a:buNone/>
+                      </a:pPr>
+                      <a:r>
+                        <a:rPr lang="en-US" sz="1400" b="1" i="0" u="none" strike="noStrike" dirty="0">
+                          <a:solidFill>
+                            <a:srgbClr val="000000"/>
+                          </a:solidFill>
+                          <a:effectLst/>
+                          <a:latin typeface="Aptos Narrow" panose="020B0004020202020204" pitchFamily="34" charset="0"/>
+                        </a:rPr>
+                        <a:t>(55.8%)</a:t>
+                      </a:r>
+                    </a:p>
+                  </a:txBody>
+                  <a:tcPr marL="9525" marR="9525" marT="9525" marB="0" anchor="b"/>
+                </a:tc>
+                <a:tc>
+                  <a:txBody>
+                    <a:bodyPr/>
+                    <a:lstStyle/>
+                    <a:p>
+                      <a:pPr algn="ctr" fontAlgn="b">
+                        <a:buNone/>
+                      </a:pPr>
+                      <a:r>
+                        <a:rPr lang="en-US" sz="1400" b="1" i="0" u="none" strike="noStrike" dirty="0">
+                          <a:solidFill>
+                            <a:srgbClr val="000000"/>
+                          </a:solidFill>
+                          <a:effectLst/>
+                          <a:latin typeface="Aptos Narrow" panose="020B0004020202020204" pitchFamily="34" charset="0"/>
+                        </a:rPr>
+                        <a:t>3945</a:t>
+                      </a:r>
+                    </a:p>
+                    <a:p>
+                      <a:pPr algn="ctr" fontAlgn="b">
+                        <a:buNone/>
+                      </a:pPr>
+                      <a:r>
+                        <a:rPr lang="en-US" sz="1400" b="1" i="0" u="none" strike="noStrike" dirty="0">
+                          <a:solidFill>
+                            <a:srgbClr val="000000"/>
+                          </a:solidFill>
+                          <a:effectLst/>
+                          <a:latin typeface="Aptos Narrow" panose="020B0004020202020204" pitchFamily="34" charset="0"/>
+                        </a:rPr>
+                        <a:t>(58.3%_</a:t>
+                      </a:r>
+                    </a:p>
+                  </a:txBody>
+                  <a:tcPr marL="9525" marR="9525" marT="9525" marB="0" anchor="b"/>
+                </a:tc>
+                <a:tc>
+                  <a:txBody>
+                    <a:bodyPr/>
+                    <a:lstStyle/>
+                    <a:p>
+                      <a:pPr algn="ctr" fontAlgn="b">
+                        <a:buNone/>
+                      </a:pPr>
+                      <a:r>
+                        <a:rPr lang="en-US" sz="1400" b="1" i="0" u="none" strike="noStrike" dirty="0">
+                          <a:solidFill>
+                            <a:srgbClr val="000000"/>
+                          </a:solidFill>
+                          <a:effectLst/>
+                          <a:latin typeface="Aptos Narrow" panose="020B0004020202020204" pitchFamily="34" charset="0"/>
+                        </a:rPr>
+                        <a:t>2998</a:t>
+                      </a:r>
+                    </a:p>
+                    <a:p>
+                      <a:pPr algn="ctr" fontAlgn="b">
+                        <a:buNone/>
+                      </a:pPr>
+                      <a:r>
+                        <a:rPr lang="en-US" sz="1400" b="1" i="0" u="none" strike="noStrike" dirty="0">
+                          <a:solidFill>
+                            <a:srgbClr val="000000"/>
+                          </a:solidFill>
+                          <a:effectLst/>
+                          <a:latin typeface="Aptos Narrow" panose="020B0004020202020204" pitchFamily="34" charset="0"/>
+                        </a:rPr>
+                        <a:t>(61%)</a:t>
+                      </a:r>
+                    </a:p>
+                  </a:txBody>
+                  <a:tcPr marL="9525" marR="9525" marT="9525" marB="0" anchor="b"/>
+                </a:tc>
+                <a:extLst>
+                  <a:ext uri="{0D108BD9-81ED-4DB2-BD59-A6C34878D82A}">
+                    <a16:rowId xmlns:a16="http://schemas.microsoft.com/office/drawing/2014/main" val="1526726175"/>
+                  </a:ext>
+                </a:extLst>
+              </a:tr>
+            </a:tbl>
+          </a:graphicData>
+        </a:graphic>
+      </p:graphicFrame>
+      <p:sp>
+        <p:nvSpPr>
+          <p:cNvPr id="6" name="Artifact">
+            <a:extLst>
+              <a:ext uri="{FF2B5EF4-FFF2-40B4-BE49-F238E27FC236}">
+                <a16:creationId xmlns:a16="http://schemas.microsoft.com/office/drawing/2014/main" id="{0D1B7B23-BCC9-4FE3-CB9B-4C1DA6EEBF6E}"/>
+              </a:ext>
+              <a:ext uri="{C183D7F6-B498-43B3-948B-1728B52AA6E4}">
+                <adec:decorative xmlns:adec="http://schemas.microsoft.com/office/drawing/2017/decorative" val="1"/>
+              </a:ext>
+            </a:extLst>
+          </p:cNvPr>
+          <p:cNvSpPr/>
+          <p:nvPr/>
+        </p:nvSpPr>
+        <p:spPr>
+          <a:xfrm>
+            <a:off x="0" y="0"/>
+            <a:ext cx="12192000" cy="580103"/>
+          </a:xfrm>
+          <a:prstGeom prst="rect">
+            <a:avLst/>
+          </a:prstGeom>
+          <a:gradFill flip="none" rotWithShape="1">
+            <a:gsLst>
+              <a:gs pos="10000">
+                <a:srgbClr val="172140"/>
+              </a:gs>
+              <a:gs pos="100000">
+                <a:srgbClr val="0066B3"/>
+              </a:gs>
+            </a:gsLst>
+            <a:lin ang="18900000" scaled="1"/>
+            <a:tileRect/>
+          </a:gradFill>
+        </p:spPr>
+        <p:style>
+          <a:lnRef idx="2">
+            <a:schemeClr val="accent1">
+              <a:shade val="50000"/>
+            </a:schemeClr>
+          </a:lnRef>
+          <a:fillRef idx="1">
+            <a:schemeClr val="accent1"/>
+          </a:fillRef>
+          <a:effectRef idx="0">
+            <a:schemeClr val="accent1"/>
+          </a:effectRef>
+          <a:fontRef idx="minor">
+            <a:schemeClr val="lt1"/>
+          </a:fontRef>
+        </p:style>
+        <p:txBody>
+          <a:bodyPr rtlCol="0" anchor="ctr"/>
+          <a:lstStyle/>
+          <a:p>
+            <a:pPr algn="ctr"/>
+            <a:endParaRPr lang="en-US">
+              <a:ln>
+                <a:solidFill>
+                  <a:sysClr val="windowText" lastClr="000000"/>
+                </a:solidFill>
+              </a:ln>
+              <a:solidFill>
+                <a:sysClr val="windowText" lastClr="000000"/>
+              </a:solidFill>
+            </a:endParaRPr>
+          </a:p>
+        </p:txBody>
+      </p:sp>
+      <p:pic>
+        <p:nvPicPr>
+          <p:cNvPr id="5" name="Figure" descr="NAU: Northern Arizona University.">
+            <a:extLst>
+              <a:ext uri="{FF2B5EF4-FFF2-40B4-BE49-F238E27FC236}">
+                <a16:creationId xmlns:a16="http://schemas.microsoft.com/office/drawing/2014/main" id="{943B7455-6ACD-C27A-727E-0701FE91CDD4}"/>
+              </a:ext>
+            </a:extLst>
+          </p:cNvPr>
+          <p:cNvPicPr>
+            <a:picLocks noChangeAspect="1"/>
+          </p:cNvPicPr>
+          <p:nvPr/>
+        </p:nvPicPr>
+        <p:blipFill>
+          <a:blip r:embed="rId2"/>
+          <a:stretch>
+            <a:fillRect/>
+          </a:stretch>
+        </p:blipFill>
+        <p:spPr>
+          <a:xfrm>
+            <a:off x="2914649" y="132174"/>
+            <a:ext cx="6362701" cy="315753"/>
+          </a:xfrm>
+          <a:prstGeom prst="rect">
+            <a:avLst/>
+          </a:prstGeom>
+        </p:spPr>
+      </p:pic>
+    </p:spTree>
+    <p:extLst>
+      <p:ext uri="{BB962C8B-B14F-4D97-AF65-F5344CB8AC3E}">
+        <p14:creationId xmlns:p14="http://schemas.microsoft.com/office/powerpoint/2010/main" val="3827109017"/>
+      </p:ext>
+    </p:extLst>
+  </p:cSld>
+  <p:clrMapOvr>
+    <a:masterClrMapping/>
+  </p:clrMapOvr>
+</p:sld>
+</file>
+
+<file path=ppt/slides/slide7.xml><?xml version="1.0" encoding="utf-8"?>
+<p:sld xmlns:a="http://schemas.openxmlformats.org/drawingml/2006/main" xmlns:r="http://schemas.openxmlformats.org/officeDocument/2006/relationships" xmlns:p="http://schemas.openxmlformats.org/presentationml/2006/main">
+  <p:cSld>
+    <p:spTree>
+      <p:nvGrpSpPr>
+        <p:cNvPr id="1" name="">
+          <a:extLst>
+            <a:ext uri="{FF2B5EF4-FFF2-40B4-BE49-F238E27FC236}">
+              <a16:creationId xmlns:a16="http://schemas.microsoft.com/office/drawing/2014/main" id="{435405D8-9F51-6B7E-F4CA-9FB29B288CCA}"/>
+            </a:ext>
+          </a:extLst>
+        </p:cNvPr>
+        <p:cNvGrpSpPr/>
+        <p:nvPr/>
+      </p:nvGrpSpPr>
+      <p:grpSpPr>
+        <a:xfrm>
+          <a:off x="0" y="0"/>
+          <a:ext cx="0" cy="0"/>
+          <a:chOff x="0" y="0"/>
+          <a:chExt cx="0" cy="0"/>
+        </a:xfrm>
+      </p:grpSpPr>
+      <p:sp>
+        <p:nvSpPr>
+          <p:cNvPr id="4" name="Title 3">
+            <a:extLst>
+              <a:ext uri="{FF2B5EF4-FFF2-40B4-BE49-F238E27FC236}">
+                <a16:creationId xmlns:a16="http://schemas.microsoft.com/office/drawing/2014/main" id="{F7D06F6C-C0F0-6C50-D8F5-DDD4309AD8A8}"/>
+              </a:ext>
+            </a:extLst>
+          </p:cNvPr>
+          <p:cNvSpPr>
+            <a:spLocks noGrp="1"/>
+          </p:cNvSpPr>
+          <p:nvPr>
+            <p:ph type="title"/>
+          </p:nvPr>
+        </p:nvSpPr>
+        <p:spPr>
+          <a:xfrm>
+            <a:off x="838200" y="500062"/>
+            <a:ext cx="10515600" cy="1325563"/>
+          </a:xfrm>
+        </p:spPr>
+        <p:txBody>
+          <a:bodyPr/>
+          <a:lstStyle/>
+          <a:p>
+            <a:r>
+              <a:rPr lang="en-US" dirty="0"/>
+              <a:t>Trends in the Hispanic and Indigenous Funnel</a:t>
+            </a:r>
+          </a:p>
+        </p:txBody>
+      </p:sp>
+      <p:sp>
+        <p:nvSpPr>
+          <p:cNvPr id="7" name="Content Placeholder 6">
+            <a:extLst>
+              <a:ext uri="{FF2B5EF4-FFF2-40B4-BE49-F238E27FC236}">
+                <a16:creationId xmlns:a16="http://schemas.microsoft.com/office/drawing/2014/main" id="{7C693F00-9CBA-2632-89A2-D68C126DC384}"/>
+              </a:ext>
+            </a:extLst>
+          </p:cNvPr>
+          <p:cNvSpPr>
+            <a:spLocks noGrp="1"/>
+          </p:cNvSpPr>
+          <p:nvPr>
+            <p:ph sz="half" idx="1"/>
+          </p:nvPr>
+        </p:nvSpPr>
+        <p:spPr>
+          <a:xfrm>
+            <a:off x="715370" y="1652154"/>
+            <a:ext cx="4112033" cy="4900201"/>
+          </a:xfrm>
+        </p:spPr>
+        <p:txBody>
+          <a:bodyPr>
+            <a:normAutofit lnSpcReduction="10000"/>
+          </a:bodyPr>
+          <a:lstStyle/>
+          <a:p>
+            <a:r>
+              <a:rPr lang="en-US" dirty="0"/>
+              <a:t>NAU’s strategic roadmap calls for the student body to reflect AZ’s state demographics </a:t>
+            </a:r>
+          </a:p>
+          <a:p>
+            <a:pPr lvl="1"/>
+            <a:r>
+              <a:rPr lang="en-US" dirty="0"/>
+              <a:t>Hispanics: 31%</a:t>
+            </a:r>
+          </a:p>
+          <a:p>
+            <a:pPr lvl="1"/>
+            <a:r>
+              <a:rPr lang="en-US" dirty="0"/>
+              <a:t>Indigenous: 3.4%</a:t>
+            </a:r>
+          </a:p>
+          <a:p>
+            <a:r>
+              <a:rPr lang="en-US" dirty="0"/>
+              <a:t>Split Recommendations</a:t>
+            </a:r>
+          </a:p>
+          <a:p>
+            <a:pPr lvl="1"/>
+            <a:r>
+              <a:rPr lang="en-US" dirty="0"/>
+              <a:t>Promote acceptance and enrollment with Hispanic students</a:t>
+            </a:r>
+          </a:p>
+          <a:p>
+            <a:pPr lvl="1"/>
+            <a:r>
+              <a:rPr lang="en-US" dirty="0"/>
+              <a:t>Recruit more heavily for indigenous students</a:t>
+            </a:r>
+          </a:p>
+          <a:p>
+            <a:pPr lvl="1"/>
+            <a:endParaRPr lang="en-US" dirty="0"/>
+          </a:p>
+          <a:p>
+            <a:endParaRPr lang="en-US" dirty="0"/>
+          </a:p>
+        </p:txBody>
+      </p:sp>
+      <p:sp>
+        <p:nvSpPr>
+          <p:cNvPr id="6" name="Artifact">
+            <a:extLst>
+              <a:ext uri="{FF2B5EF4-FFF2-40B4-BE49-F238E27FC236}">
+                <a16:creationId xmlns:a16="http://schemas.microsoft.com/office/drawing/2014/main" id="{D681E2DB-B946-543B-D16C-2351CD0BF529}"/>
+              </a:ext>
+              <a:ext uri="{C183D7F6-B498-43B3-948B-1728B52AA6E4}">
+                <adec:decorative xmlns:adec="http://schemas.microsoft.com/office/drawing/2017/decorative" val="1"/>
+              </a:ext>
+            </a:extLst>
+          </p:cNvPr>
+          <p:cNvSpPr/>
+          <p:nvPr/>
+        </p:nvSpPr>
+        <p:spPr>
+          <a:xfrm>
+            <a:off x="0" y="0"/>
+            <a:ext cx="12192000" cy="580103"/>
+          </a:xfrm>
+          <a:prstGeom prst="rect">
+            <a:avLst/>
+          </a:prstGeom>
+          <a:gradFill flip="none" rotWithShape="1">
+            <a:gsLst>
+              <a:gs pos="10000">
+                <a:srgbClr val="172140"/>
+              </a:gs>
+              <a:gs pos="100000">
+                <a:srgbClr val="0066B3"/>
+              </a:gs>
+            </a:gsLst>
+            <a:lin ang="18900000" scaled="1"/>
+            <a:tileRect/>
+          </a:gradFill>
+        </p:spPr>
+        <p:style>
+          <a:lnRef idx="2">
+            <a:schemeClr val="accent1">
+              <a:shade val="50000"/>
+            </a:schemeClr>
+          </a:lnRef>
+          <a:fillRef idx="1">
+            <a:schemeClr val="accent1"/>
+          </a:fillRef>
+          <a:effectRef idx="0">
+            <a:schemeClr val="accent1"/>
+          </a:effectRef>
+          <a:fontRef idx="minor">
+            <a:schemeClr val="lt1"/>
+          </a:fontRef>
+        </p:style>
+        <p:txBody>
+          <a:bodyPr rtlCol="0" anchor="ctr"/>
+          <a:lstStyle/>
+          <a:p>
+            <a:pPr algn="ctr"/>
+            <a:endParaRPr lang="en-US">
+              <a:ln>
+                <a:solidFill>
+                  <a:sysClr val="windowText" lastClr="000000"/>
+                </a:solidFill>
+              </a:ln>
+              <a:solidFill>
+                <a:sysClr val="windowText" lastClr="000000"/>
+              </a:solidFill>
+            </a:endParaRPr>
+          </a:p>
+        </p:txBody>
+      </p:sp>
+      <p:pic>
+        <p:nvPicPr>
+          <p:cNvPr id="5" name="Figure" descr="NAU: Northern Arizona University.">
+            <a:extLst>
+              <a:ext uri="{FF2B5EF4-FFF2-40B4-BE49-F238E27FC236}">
+                <a16:creationId xmlns:a16="http://schemas.microsoft.com/office/drawing/2014/main" id="{42F38245-2618-C17D-F96B-8EA384134A55}"/>
+              </a:ext>
+            </a:extLst>
+          </p:cNvPr>
+          <p:cNvPicPr>
+            <a:picLocks noChangeAspect="1"/>
+          </p:cNvPicPr>
+          <p:nvPr/>
+        </p:nvPicPr>
+        <p:blipFill>
+          <a:blip r:embed="rId2"/>
+          <a:stretch>
+            <a:fillRect/>
+          </a:stretch>
+        </p:blipFill>
+        <p:spPr>
+          <a:xfrm>
+            <a:off x="2914649" y="132174"/>
+            <a:ext cx="6362701" cy="315753"/>
+          </a:xfrm>
+          <a:prstGeom prst="rect">
+            <a:avLst/>
+          </a:prstGeom>
+        </p:spPr>
+      </p:pic>
+      <p:sp>
+        <p:nvSpPr>
+          <p:cNvPr id="8" name="Content Placeholder 7">
+            <a:extLst>
+              <a:ext uri="{FF2B5EF4-FFF2-40B4-BE49-F238E27FC236}">
+                <a16:creationId xmlns:a16="http://schemas.microsoft.com/office/drawing/2014/main" id="{5AD7B81B-9DAA-6010-AB40-1DE2EEE30F4E}"/>
+              </a:ext>
+            </a:extLst>
+          </p:cNvPr>
+          <p:cNvSpPr>
+            <a:spLocks noGrp="1"/>
+          </p:cNvSpPr>
+          <p:nvPr>
+            <p:ph sz="half" idx="2"/>
+          </p:nvPr>
+        </p:nvSpPr>
+        <p:spPr/>
+        <p:txBody>
+          <a:bodyPr>
+            <a:normAutofit lnSpcReduction="10000"/>
+          </a:bodyPr>
+          <a:lstStyle/>
+          <a:p>
+            <a:endParaRPr lang="en-US"/>
+          </a:p>
+        </p:txBody>
+      </p:sp>
+      <p:pic>
+        <p:nvPicPr>
+          <p:cNvPr id="9" name="Picture 8">
+            <a:extLst>
+              <a:ext uri="{FF2B5EF4-FFF2-40B4-BE49-F238E27FC236}">
+                <a16:creationId xmlns:a16="http://schemas.microsoft.com/office/drawing/2014/main" id="{711D774D-BBCE-09D0-AB39-601F95C00177}"/>
+              </a:ext>
+            </a:extLst>
+          </p:cNvPr>
+          <p:cNvPicPr>
+            <a:picLocks noChangeAspect="1"/>
+          </p:cNvPicPr>
+          <p:nvPr/>
+        </p:nvPicPr>
+        <p:blipFill>
+          <a:blip r:embed="rId3"/>
+          <a:stretch>
+            <a:fillRect/>
+          </a:stretch>
+        </p:blipFill>
+        <p:spPr>
+          <a:xfrm>
+            <a:off x="4950233" y="1444744"/>
+            <a:ext cx="7094483" cy="4913194"/>
+          </a:xfrm>
+          <a:prstGeom prst="rect">
+            <a:avLst/>
+          </a:prstGeom>
+        </p:spPr>
+      </p:pic>
+    </p:spTree>
+    <p:extLst>
+      <p:ext uri="{BB962C8B-B14F-4D97-AF65-F5344CB8AC3E}">
+        <p14:creationId xmlns:p14="http://schemas.microsoft.com/office/powerpoint/2010/main" val="1889064455"/>
+      </p:ext>
+    </p:extLst>
+  </p:cSld>
+  <p:clrMapOvr>
+    <a:masterClrMapping/>
+  </p:clrMapOvr>
+</p:sld>
+</file>
+
+<file path=ppt/slides/slide8.xml><?xml version="1.0" encoding="utf-8"?>
+<p:sld xmlns:a="http://schemas.openxmlformats.org/drawingml/2006/main" xmlns:r="http://schemas.openxmlformats.org/officeDocument/2006/relationships" xmlns:p="http://schemas.openxmlformats.org/presentationml/2006/main">
+  <p:cSld>
+    <p:spTree>
+      <p:nvGrpSpPr>
+        <p:cNvPr id="1" name="">
+          <a:extLst>
+            <a:ext uri="{FF2B5EF4-FFF2-40B4-BE49-F238E27FC236}">
+              <a16:creationId xmlns:a16="http://schemas.microsoft.com/office/drawing/2014/main" id="{0DBCF340-49BD-09A8-FF34-E30FDF0E25A7}"/>
+            </a:ext>
+          </a:extLst>
+        </p:cNvPr>
+        <p:cNvGrpSpPr/>
+        <p:nvPr/>
+      </p:nvGrpSpPr>
+      <p:grpSpPr>
+        <a:xfrm>
+          <a:off x="0" y="0"/>
+          <a:ext cx="0" cy="0"/>
+          <a:chOff x="0" y="0"/>
+          <a:chExt cx="0" cy="0"/>
+        </a:xfrm>
+      </p:grpSpPr>
+      <p:sp>
+        <p:nvSpPr>
+          <p:cNvPr id="4" name="Title 3">
+            <a:extLst>
+              <a:ext uri="{FF2B5EF4-FFF2-40B4-BE49-F238E27FC236}">
+                <a16:creationId xmlns:a16="http://schemas.microsoft.com/office/drawing/2014/main" id="{3B7D353A-60BF-2578-46ED-240B6F5E0EA8}"/>
+              </a:ext>
+            </a:extLst>
+          </p:cNvPr>
+          <p:cNvSpPr>
+            <a:spLocks noGrp="1"/>
+          </p:cNvSpPr>
+          <p:nvPr>
+            <p:ph type="title"/>
+          </p:nvPr>
+        </p:nvSpPr>
+        <p:spPr>
+          <a:xfrm>
+            <a:off x="838200" y="500062"/>
+            <a:ext cx="10515600" cy="1325563"/>
+          </a:xfrm>
+        </p:spPr>
+        <p:txBody>
+          <a:bodyPr/>
+          <a:lstStyle/>
+          <a:p>
+            <a:r>
+              <a:rPr lang="en-US" dirty="0"/>
+              <a:t>Factors that Drive Acceptance</a:t>
+            </a:r>
+          </a:p>
+        </p:txBody>
+      </p:sp>
+      <p:sp>
+        <p:nvSpPr>
+          <p:cNvPr id="6" name="Artifact">
+            <a:extLst>
+              <a:ext uri="{FF2B5EF4-FFF2-40B4-BE49-F238E27FC236}">
+                <a16:creationId xmlns:a16="http://schemas.microsoft.com/office/drawing/2014/main" id="{81C9DEA9-8218-A25E-3296-E42D670B23DF}"/>
+              </a:ext>
+              <a:ext uri="{C183D7F6-B498-43B3-948B-1728B52AA6E4}">
+                <adec:decorative xmlns:adec="http://schemas.microsoft.com/office/drawing/2017/decorative" val="1"/>
+              </a:ext>
+            </a:extLst>
+          </p:cNvPr>
+          <p:cNvSpPr/>
+          <p:nvPr/>
+        </p:nvSpPr>
+        <p:spPr>
+          <a:xfrm>
+            <a:off x="0" y="0"/>
+            <a:ext cx="12192000" cy="580103"/>
+          </a:xfrm>
+          <a:prstGeom prst="rect">
+            <a:avLst/>
+          </a:prstGeom>
+          <a:gradFill flip="none" rotWithShape="1">
+            <a:gsLst>
+              <a:gs pos="10000">
+                <a:srgbClr val="172140"/>
+              </a:gs>
+              <a:gs pos="100000">
+                <a:srgbClr val="0066B3"/>
+              </a:gs>
+            </a:gsLst>
+            <a:lin ang="18900000" scaled="1"/>
+            <a:tileRect/>
+          </a:gradFill>
+        </p:spPr>
+        <p:style>
+          <a:lnRef idx="2">
+            <a:schemeClr val="accent1">
+              <a:shade val="50000"/>
+            </a:schemeClr>
+          </a:lnRef>
+          <a:fillRef idx="1">
+            <a:schemeClr val="accent1"/>
+          </a:fillRef>
+          <a:effectRef idx="0">
+            <a:schemeClr val="accent1"/>
+          </a:effectRef>
+          <a:fontRef idx="minor">
+            <a:schemeClr val="lt1"/>
+          </a:fontRef>
+        </p:style>
+        <p:txBody>
+          <a:bodyPr rtlCol="0" anchor="ctr"/>
+          <a:lstStyle/>
+          <a:p>
+            <a:pPr algn="ctr"/>
+            <a:endParaRPr lang="en-US">
+              <a:ln>
+                <a:solidFill>
+                  <a:sysClr val="windowText" lastClr="000000"/>
+                </a:solidFill>
+              </a:ln>
+              <a:solidFill>
+                <a:sysClr val="windowText" lastClr="000000"/>
+              </a:solidFill>
+            </a:endParaRPr>
+          </a:p>
+        </p:txBody>
+      </p:sp>
+      <p:pic>
+        <p:nvPicPr>
+          <p:cNvPr id="5" name="Figure" descr="NAU: Northern Arizona University.">
+            <a:extLst>
+              <a:ext uri="{FF2B5EF4-FFF2-40B4-BE49-F238E27FC236}">
+                <a16:creationId xmlns:a16="http://schemas.microsoft.com/office/drawing/2014/main" id="{47442905-58A8-9599-11B0-3F206F955674}"/>
+              </a:ext>
+            </a:extLst>
+          </p:cNvPr>
+          <p:cNvPicPr>
+            <a:picLocks noChangeAspect="1"/>
+          </p:cNvPicPr>
+          <p:nvPr/>
+        </p:nvPicPr>
+        <p:blipFill>
+          <a:blip r:embed="rId2"/>
+          <a:stretch>
+            <a:fillRect/>
+          </a:stretch>
+        </p:blipFill>
+        <p:spPr>
+          <a:xfrm>
+            <a:off x="2914649" y="132174"/>
+            <a:ext cx="6362701" cy="315753"/>
+          </a:xfrm>
+          <a:prstGeom prst="rect">
+            <a:avLst/>
+          </a:prstGeom>
+        </p:spPr>
+      </p:pic>
+      <p:sp>
+        <p:nvSpPr>
+          <p:cNvPr id="12" name="Content Placeholder 6">
+            <a:extLst>
+              <a:ext uri="{FF2B5EF4-FFF2-40B4-BE49-F238E27FC236}">
+                <a16:creationId xmlns:a16="http://schemas.microsoft.com/office/drawing/2014/main" id="{5FA47949-860C-57CB-0F90-9818422FEBAD}"/>
+              </a:ext>
+            </a:extLst>
+          </p:cNvPr>
+          <p:cNvSpPr txBox="1">
+            <a:spLocks/>
+          </p:cNvSpPr>
+          <p:nvPr/>
+        </p:nvSpPr>
+        <p:spPr>
+          <a:xfrm>
+            <a:off x="715370" y="1652154"/>
+            <a:ext cx="5181600" cy="4900201"/>
+          </a:xfrm>
+          <a:prstGeom prst="rect">
+            <a:avLst/>
+          </a:prstGeom>
+        </p:spPr>
+        <p:txBody>
+          <a:bodyPr vert="horz" lIns="91440" tIns="45720" rIns="91440" bIns="45720" rtlCol="0">
+            <a:normAutofit/>
+          </a:bodyPr>
+          <a:lstStyle>
+            <a:lvl1pPr marL="228600" indent="-228600" algn="l" defTabSz="914400" rtl="0" eaLnBrk="1" latinLnBrk="0" hangingPunct="1">
+              <a:lnSpc>
+                <a:spcPct val="90000"/>
+              </a:lnSpc>
+              <a:spcBef>
+                <a:spcPts val="1000"/>
+              </a:spcBef>
+              <a:buFont typeface="Arial" panose="020B0604020202020204" pitchFamily="34" charset="0"/>
+              <a:buChar char="•"/>
+              <a:defRPr sz="2800" kern="1200">
+                <a:solidFill>
+                  <a:schemeClr val="tx1"/>
+                </a:solidFill>
+                <a:latin typeface="+mn-lt"/>
+                <a:ea typeface="+mn-ea"/>
+                <a:cs typeface="+mn-cs"/>
+              </a:defRPr>
+            </a:lvl1pPr>
+            <a:lvl2pPr marL="685800" indent="-228600" algn="l" defTabSz="914400" rtl="0" eaLnBrk="1" latinLnBrk="0" hangingPunct="1">
+              <a:lnSpc>
+                <a:spcPct val="90000"/>
+              </a:lnSpc>
+              <a:spcBef>
+                <a:spcPts val="500"/>
+              </a:spcBef>
+              <a:buFont typeface="Arial" panose="020B0604020202020204" pitchFamily="34" charset="0"/>
+              <a:buChar char="•"/>
+              <a:defRPr sz="2400" kern="1200">
+                <a:solidFill>
+                  <a:schemeClr val="tx1"/>
+                </a:solidFill>
+                <a:latin typeface="+mn-lt"/>
+                <a:ea typeface="+mn-ea"/>
+                <a:cs typeface="+mn-cs"/>
+              </a:defRPr>
+            </a:lvl2pPr>
+            <a:lvl3pPr marL="1143000" indent="-228600" algn="l" defTabSz="914400" rtl="0" eaLnBrk="1" latinLnBrk="0" hangingPunct="1">
+              <a:lnSpc>
+                <a:spcPct val="90000"/>
+              </a:lnSpc>
+              <a:spcBef>
+                <a:spcPts val="500"/>
+              </a:spcBef>
+              <a:buFont typeface="Arial" panose="020B0604020202020204" pitchFamily="34" charset="0"/>
+              <a:buChar char="•"/>
+              <a:defRPr sz="2000" kern="1200">
+                <a:solidFill>
+                  <a:schemeClr val="tx1"/>
+                </a:solidFill>
+                <a:latin typeface="+mn-lt"/>
+                <a:ea typeface="+mn-ea"/>
+                <a:cs typeface="+mn-cs"/>
+              </a:defRPr>
+            </a:lvl3pPr>
+            <a:lvl4pPr marL="1600200" indent="-228600" algn="l" defTabSz="914400" rtl="0" eaLnBrk="1" latinLnBrk="0" hangingPunct="1">
+              <a:lnSpc>
+                <a:spcPct val="90000"/>
+              </a:lnSpc>
+              <a:spcBef>
+                <a:spcPts val="500"/>
+              </a:spcBef>
+              <a:buFont typeface="Arial" panose="020B0604020202020204" pitchFamily="34" charset="0"/>
+              <a:buChar char="•"/>
+              <a:defRPr sz="1800" kern="1200">
+                <a:solidFill>
+                  <a:schemeClr val="tx1"/>
+                </a:solidFill>
+                <a:latin typeface="+mn-lt"/>
+                <a:ea typeface="+mn-ea"/>
+                <a:cs typeface="+mn-cs"/>
+              </a:defRPr>
+            </a:lvl4pPr>
+            <a:lvl5pPr marL="2057400" indent="-228600" algn="l" defTabSz="914400" rtl="0" eaLnBrk="1" latinLnBrk="0" hangingPunct="1">
+              <a:lnSpc>
+                <a:spcPct val="90000"/>
+              </a:lnSpc>
+              <a:spcBef>
+                <a:spcPts val="500"/>
+              </a:spcBef>
+              <a:buFont typeface="Arial" panose="020B0604020202020204" pitchFamily="34" charset="0"/>
+              <a:buChar char="•"/>
+              <a:defRPr sz="1800" kern="1200">
+                <a:solidFill>
+                  <a:schemeClr val="tx1"/>
+                </a:solidFill>
+                <a:latin typeface="+mn-lt"/>
+                <a:ea typeface="+mn-ea"/>
+                <a:cs typeface="+mn-cs"/>
+              </a:defRPr>
+            </a:lvl5pPr>
+            <a:lvl6pPr marL="2514600" indent="-228600" algn="l" defTabSz="914400" rtl="0" eaLnBrk="1" latinLnBrk="0" hangingPunct="1">
+              <a:lnSpc>
+                <a:spcPct val="90000"/>
+              </a:lnSpc>
+              <a:spcBef>
+                <a:spcPts val="500"/>
+              </a:spcBef>
+              <a:buFont typeface="Arial" panose="020B0604020202020204" pitchFamily="34" charset="0"/>
+              <a:buChar char="•"/>
+              <a:defRPr sz="1800" kern="1200">
+                <a:solidFill>
+                  <a:schemeClr val="tx1"/>
+                </a:solidFill>
+                <a:latin typeface="+mn-lt"/>
+                <a:ea typeface="+mn-ea"/>
+                <a:cs typeface="+mn-cs"/>
+              </a:defRPr>
+            </a:lvl6pPr>
+            <a:lvl7pPr marL="2971800" indent="-228600" algn="l" defTabSz="914400" rtl="0" eaLnBrk="1" latinLnBrk="0" hangingPunct="1">
+              <a:lnSpc>
+                <a:spcPct val="90000"/>
+              </a:lnSpc>
+              <a:spcBef>
+                <a:spcPts val="500"/>
+              </a:spcBef>
+              <a:buFont typeface="Arial" panose="020B0604020202020204" pitchFamily="34" charset="0"/>
+              <a:buChar char="•"/>
+              <a:defRPr sz="1800" kern="1200">
+                <a:solidFill>
+                  <a:schemeClr val="tx1"/>
+                </a:solidFill>
+                <a:latin typeface="+mn-lt"/>
+                <a:ea typeface="+mn-ea"/>
+                <a:cs typeface="+mn-cs"/>
+              </a:defRPr>
+            </a:lvl7pPr>
+            <a:lvl8pPr marL="3429000" indent="-228600" algn="l" defTabSz="914400" rtl="0" eaLnBrk="1" latinLnBrk="0" hangingPunct="1">
+              <a:lnSpc>
+                <a:spcPct val="90000"/>
+              </a:lnSpc>
+              <a:spcBef>
+                <a:spcPts val="500"/>
+              </a:spcBef>
+              <a:buFont typeface="Arial" panose="020B0604020202020204" pitchFamily="34" charset="0"/>
+              <a:buChar char="•"/>
+              <a:defRPr sz="1800" kern="1200">
+                <a:solidFill>
+                  <a:schemeClr val="tx1"/>
+                </a:solidFill>
+                <a:latin typeface="+mn-lt"/>
+                <a:ea typeface="+mn-ea"/>
+                <a:cs typeface="+mn-cs"/>
+              </a:defRPr>
+            </a:lvl8pPr>
+            <a:lvl9pPr marL="3886200" indent="-228600" algn="l" defTabSz="914400" rtl="0" eaLnBrk="1" latinLnBrk="0" hangingPunct="1">
+              <a:lnSpc>
+                <a:spcPct val="90000"/>
+              </a:lnSpc>
+              <a:spcBef>
+                <a:spcPts val="500"/>
+              </a:spcBef>
+              <a:buFont typeface="Arial" panose="020B0604020202020204" pitchFamily="34" charset="0"/>
+              <a:buChar char="•"/>
+              <a:defRPr sz="1800" kern="1200">
+                <a:solidFill>
+                  <a:schemeClr val="tx1"/>
+                </a:solidFill>
+                <a:latin typeface="+mn-lt"/>
+                <a:ea typeface="+mn-ea"/>
+                <a:cs typeface="+mn-cs"/>
+              </a:defRPr>
+            </a:lvl9pPr>
+          </a:lstStyle>
+          <a:p>
+            <a:r>
+              <a:rPr lang="en-US" dirty="0"/>
+              <a:t>Percent of students receiving aid: </a:t>
+            </a:r>
+          </a:p>
+          <a:p>
+            <a:r>
+              <a:rPr lang="en-US" dirty="0"/>
+              <a:t>Average Financial Aid package:</a:t>
+            </a:r>
+          </a:p>
+          <a:p>
+            <a:r>
+              <a:rPr lang="en-US" dirty="0"/>
+              <a:t>Average time between admission and acceptance:</a:t>
+            </a:r>
+          </a:p>
+          <a:p>
+            <a:r>
+              <a:rPr lang="en-US" dirty="0"/>
+              <a:t>Does increasing Financial Aid decrease time to acceptance?</a:t>
+            </a:r>
+          </a:p>
+          <a:p>
+            <a:pPr lvl="1"/>
+            <a:r>
+              <a:rPr lang="en-US" dirty="0"/>
+              <a:t>NO</a:t>
+            </a:r>
+          </a:p>
+          <a:p>
+            <a:pPr lvl="1"/>
+            <a:r>
+              <a:rPr lang="en-US" dirty="0"/>
+              <a:t>Each $1000 in aid is associated with 3 extra days between admission and acceptance </a:t>
+            </a:r>
+          </a:p>
+          <a:p>
+            <a:endParaRPr lang="en-US" dirty="0"/>
+          </a:p>
+          <a:p>
+            <a:pPr lvl="1"/>
+            <a:endParaRPr lang="en-US" dirty="0"/>
+          </a:p>
+          <a:p>
+            <a:endParaRPr lang="en-US" dirty="0"/>
+          </a:p>
+        </p:txBody>
+      </p:sp>
+      <p:sp>
+        <p:nvSpPr>
+          <p:cNvPr id="13" name="Content Placeholder 6">
+            <a:extLst>
+              <a:ext uri="{FF2B5EF4-FFF2-40B4-BE49-F238E27FC236}">
+                <a16:creationId xmlns:a16="http://schemas.microsoft.com/office/drawing/2014/main" id="{15DC784C-7E94-4DD1-3B72-FB9A2D3395F9}"/>
+              </a:ext>
+            </a:extLst>
+          </p:cNvPr>
+          <p:cNvSpPr txBox="1">
+            <a:spLocks noGrp="1"/>
+          </p:cNvSpPr>
+          <p:nvPr>
+            <p:ph sz="half" idx="2"/>
+          </p:nvPr>
+        </p:nvSpPr>
+        <p:spPr>
+          <a:xfrm>
+            <a:off x="6172200" y="1652153"/>
+            <a:ext cx="5304430" cy="4900201"/>
+          </a:xfrm>
+          <a:prstGeom prst="rect">
+            <a:avLst/>
+          </a:prstGeom>
+        </p:spPr>
+        <p:txBody>
+          <a:bodyPr vert="horz" lIns="91440" tIns="45720" rIns="91440" bIns="45720" rtlCol="0">
+            <a:normAutofit/>
+          </a:bodyPr>
+          <a:lstStyle>
+            <a:lvl1pPr marL="228600" indent="-228600" algn="l" defTabSz="914400" rtl="0" eaLnBrk="1" latinLnBrk="0" hangingPunct="1">
+              <a:lnSpc>
+                <a:spcPct val="90000"/>
+              </a:lnSpc>
+              <a:spcBef>
+                <a:spcPts val="1000"/>
+              </a:spcBef>
+              <a:buFont typeface="Arial" panose="020B0604020202020204" pitchFamily="34" charset="0"/>
+              <a:buChar char="•"/>
+              <a:defRPr sz="2800" kern="1200">
+                <a:solidFill>
+                  <a:schemeClr val="tx1"/>
+                </a:solidFill>
+                <a:latin typeface="+mn-lt"/>
+                <a:ea typeface="+mn-ea"/>
+                <a:cs typeface="+mn-cs"/>
+              </a:defRPr>
+            </a:lvl1pPr>
+            <a:lvl2pPr marL="685800" indent="-228600" algn="l" defTabSz="914400" rtl="0" eaLnBrk="1" latinLnBrk="0" hangingPunct="1">
+              <a:lnSpc>
+                <a:spcPct val="90000"/>
+              </a:lnSpc>
+              <a:spcBef>
+                <a:spcPts val="500"/>
+              </a:spcBef>
+              <a:buFont typeface="Arial" panose="020B0604020202020204" pitchFamily="34" charset="0"/>
+              <a:buChar char="•"/>
+              <a:defRPr sz="2400" kern="1200">
+                <a:solidFill>
+                  <a:schemeClr val="tx1"/>
+                </a:solidFill>
+                <a:latin typeface="+mn-lt"/>
+                <a:ea typeface="+mn-ea"/>
+                <a:cs typeface="+mn-cs"/>
+              </a:defRPr>
+            </a:lvl2pPr>
+            <a:lvl3pPr marL="1143000" indent="-228600" algn="l" defTabSz="914400" rtl="0" eaLnBrk="1" latinLnBrk="0" hangingPunct="1">
+              <a:lnSpc>
+                <a:spcPct val="90000"/>
+              </a:lnSpc>
+              <a:spcBef>
+                <a:spcPts val="500"/>
+              </a:spcBef>
+              <a:buFont typeface="Arial" panose="020B0604020202020204" pitchFamily="34" charset="0"/>
+              <a:buChar char="•"/>
+              <a:defRPr sz="2000" kern="1200">
+                <a:solidFill>
+                  <a:schemeClr val="tx1"/>
+                </a:solidFill>
+                <a:latin typeface="+mn-lt"/>
+                <a:ea typeface="+mn-ea"/>
+                <a:cs typeface="+mn-cs"/>
+              </a:defRPr>
+            </a:lvl3pPr>
+            <a:lvl4pPr marL="1600200" indent="-228600" algn="l" defTabSz="914400" rtl="0" eaLnBrk="1" latinLnBrk="0" hangingPunct="1">
+              <a:lnSpc>
+                <a:spcPct val="90000"/>
+              </a:lnSpc>
+              <a:spcBef>
+                <a:spcPts val="500"/>
+              </a:spcBef>
+              <a:buFont typeface="Arial" panose="020B0604020202020204" pitchFamily="34" charset="0"/>
+              <a:buChar char="•"/>
+              <a:defRPr sz="1800" kern="1200">
+                <a:solidFill>
+                  <a:schemeClr val="tx1"/>
+                </a:solidFill>
+                <a:latin typeface="+mn-lt"/>
+                <a:ea typeface="+mn-ea"/>
+                <a:cs typeface="+mn-cs"/>
+              </a:defRPr>
+            </a:lvl4pPr>
+            <a:lvl5pPr marL="2057400" indent="-228600" algn="l" defTabSz="914400" rtl="0" eaLnBrk="1" latinLnBrk="0" hangingPunct="1">
+              <a:lnSpc>
+                <a:spcPct val="90000"/>
+              </a:lnSpc>
+              <a:spcBef>
+                <a:spcPts val="500"/>
+              </a:spcBef>
+              <a:buFont typeface="Arial" panose="020B0604020202020204" pitchFamily="34" charset="0"/>
+              <a:buChar char="•"/>
+              <a:defRPr sz="1800" kern="1200">
+                <a:solidFill>
+                  <a:schemeClr val="tx1"/>
+                </a:solidFill>
+                <a:latin typeface="+mn-lt"/>
+                <a:ea typeface="+mn-ea"/>
+                <a:cs typeface="+mn-cs"/>
+              </a:defRPr>
+            </a:lvl5pPr>
+            <a:lvl6pPr marL="2514600" indent="-228600" algn="l" defTabSz="914400" rtl="0" eaLnBrk="1" latinLnBrk="0" hangingPunct="1">
+              <a:lnSpc>
+                <a:spcPct val="90000"/>
+              </a:lnSpc>
+              <a:spcBef>
+                <a:spcPts val="500"/>
+              </a:spcBef>
+              <a:buFont typeface="Arial" panose="020B0604020202020204" pitchFamily="34" charset="0"/>
+              <a:buChar char="•"/>
+              <a:defRPr sz="1800" kern="1200">
+                <a:solidFill>
+                  <a:schemeClr val="tx1"/>
+                </a:solidFill>
+                <a:latin typeface="+mn-lt"/>
+                <a:ea typeface="+mn-ea"/>
+                <a:cs typeface="+mn-cs"/>
+              </a:defRPr>
+            </a:lvl6pPr>
+            <a:lvl7pPr marL="2971800" indent="-228600" algn="l" defTabSz="914400" rtl="0" eaLnBrk="1" latinLnBrk="0" hangingPunct="1">
+              <a:lnSpc>
+                <a:spcPct val="90000"/>
+              </a:lnSpc>
+              <a:spcBef>
+                <a:spcPts val="500"/>
+              </a:spcBef>
+              <a:buFont typeface="Arial" panose="020B0604020202020204" pitchFamily="34" charset="0"/>
+              <a:buChar char="•"/>
+              <a:defRPr sz="1800" kern="1200">
+                <a:solidFill>
+                  <a:schemeClr val="tx1"/>
+                </a:solidFill>
+                <a:latin typeface="+mn-lt"/>
+                <a:ea typeface="+mn-ea"/>
+                <a:cs typeface="+mn-cs"/>
+              </a:defRPr>
+            </a:lvl7pPr>
+            <a:lvl8pPr marL="3429000" indent="-228600" algn="l" defTabSz="914400" rtl="0" eaLnBrk="1" latinLnBrk="0" hangingPunct="1">
+              <a:lnSpc>
+                <a:spcPct val="90000"/>
+              </a:lnSpc>
+              <a:spcBef>
+                <a:spcPts val="500"/>
+              </a:spcBef>
+              <a:buFont typeface="Arial" panose="020B0604020202020204" pitchFamily="34" charset="0"/>
+              <a:buChar char="•"/>
+              <a:defRPr sz="1800" kern="1200">
+                <a:solidFill>
+                  <a:schemeClr val="tx1"/>
+                </a:solidFill>
+                <a:latin typeface="+mn-lt"/>
+                <a:ea typeface="+mn-ea"/>
+                <a:cs typeface="+mn-cs"/>
+              </a:defRPr>
+            </a:lvl8pPr>
+            <a:lvl9pPr marL="3886200" indent="-228600" algn="l" defTabSz="914400" rtl="0" eaLnBrk="1" latinLnBrk="0" hangingPunct="1">
+              <a:lnSpc>
+                <a:spcPct val="90000"/>
+              </a:lnSpc>
+              <a:spcBef>
+                <a:spcPts val="500"/>
+              </a:spcBef>
+              <a:buFont typeface="Arial" panose="020B0604020202020204" pitchFamily="34" charset="0"/>
+              <a:buChar char="•"/>
+              <a:defRPr sz="1800" kern="1200">
+                <a:solidFill>
+                  <a:schemeClr val="tx1"/>
+                </a:solidFill>
+                <a:latin typeface="+mn-lt"/>
+                <a:ea typeface="+mn-ea"/>
+                <a:cs typeface="+mn-cs"/>
+              </a:defRPr>
+            </a:lvl9pPr>
+          </a:lstStyle>
+          <a:p>
+            <a:r>
+              <a:rPr lang="en-US" dirty="0"/>
+              <a:t>Increased Financial Aid does increase likelihood of a student accepting their offer</a:t>
+            </a:r>
+          </a:p>
+          <a:p>
+            <a:pPr lvl="1"/>
+            <a:r>
+              <a:rPr lang="en-US" dirty="0"/>
+              <a:t>$1000 in aid increases the probability of accepting by 4%</a:t>
+            </a:r>
+          </a:p>
+          <a:p>
+            <a:pPr lvl="1"/>
+            <a:r>
+              <a:rPr lang="en-US" dirty="0"/>
+              <a:t>No difference between ethnic groups</a:t>
+            </a:r>
+          </a:p>
+          <a:p>
+            <a:pPr lvl="1"/>
+            <a:r>
+              <a:rPr lang="en-US" dirty="0"/>
+              <a:t>Logistic Regression Model – all coefficients significant (p &lt; 0.01)</a:t>
+            </a:r>
+          </a:p>
+          <a:p>
+            <a:endParaRPr lang="en-US" dirty="0"/>
+          </a:p>
+        </p:txBody>
+      </p:sp>
+    </p:spTree>
+    <p:extLst>
+      <p:ext uri="{BB962C8B-B14F-4D97-AF65-F5344CB8AC3E}">
+        <p14:creationId xmlns:p14="http://schemas.microsoft.com/office/powerpoint/2010/main" val="55117229"/>
+      </p:ext>
+    </p:extLst>
+  </p:cSld>
+  <p:clrMapOvr>
+    <a:masterClrMapping/>
+  </p:clrMapOvr>
+</p:sld>
+</file>
+
+<file path=ppt/slides/slide9.xml><?xml version="1.0" encoding="utf-8"?>
+<p:sld xmlns:a="http://schemas.openxmlformats.org/drawingml/2006/main" xmlns:r="http://schemas.openxmlformats.org/officeDocument/2006/relationships" xmlns:p="http://schemas.openxmlformats.org/presentationml/2006/main">
+  <p:cSld>
+    <p:spTree>
+      <p:nvGrpSpPr>
+        <p:cNvPr id="1" name="">
+          <a:extLst>
+            <a:ext uri="{FF2B5EF4-FFF2-40B4-BE49-F238E27FC236}">
+              <a16:creationId xmlns:a16="http://schemas.microsoft.com/office/drawing/2014/main" id="{0A36DBAA-D7F9-9CED-3098-21743F910556}"/>
+            </a:ext>
+          </a:extLst>
+        </p:cNvPr>
+        <p:cNvGrpSpPr/>
+        <p:nvPr/>
+      </p:nvGrpSpPr>
+      <p:grpSpPr>
+        <a:xfrm>
+          <a:off x="0" y="0"/>
+          <a:ext cx="0" cy="0"/>
+          <a:chOff x="0" y="0"/>
+          <a:chExt cx="0" cy="0"/>
+        </a:xfrm>
+      </p:grpSpPr>
+      <p:sp>
+        <p:nvSpPr>
+          <p:cNvPr id="4" name="Title 3">
+            <a:extLst>
+              <a:ext uri="{FF2B5EF4-FFF2-40B4-BE49-F238E27FC236}">
+                <a16:creationId xmlns:a16="http://schemas.microsoft.com/office/drawing/2014/main" id="{26BC9103-D035-6E63-BACA-916CF09C09A3}"/>
+              </a:ext>
+            </a:extLst>
+          </p:cNvPr>
+          <p:cNvSpPr>
+            <a:spLocks noGrp="1"/>
+          </p:cNvSpPr>
+          <p:nvPr>
+            <p:ph type="title"/>
+          </p:nvPr>
+        </p:nvSpPr>
+        <p:spPr>
+          <a:xfrm>
+            <a:off x="838200" y="500062"/>
+            <a:ext cx="10515600" cy="1325563"/>
+          </a:xfrm>
+        </p:spPr>
+        <p:txBody>
+          <a:bodyPr/>
+          <a:lstStyle/>
+          <a:p>
+            <a:r>
+              <a:rPr lang="en-US" dirty="0"/>
+              <a:t>Online Troubles</a:t>
+            </a:r>
+          </a:p>
+        </p:txBody>
+      </p:sp>
+      <p:sp>
+        <p:nvSpPr>
+          <p:cNvPr id="6" name="Artifact">
+            <a:extLst>
+              <a:ext uri="{FF2B5EF4-FFF2-40B4-BE49-F238E27FC236}">
+                <a16:creationId xmlns:a16="http://schemas.microsoft.com/office/drawing/2014/main" id="{98ED9B5B-3AA3-EA71-BCD6-B8F08D14E721}"/>
+              </a:ext>
+              <a:ext uri="{C183D7F6-B498-43B3-948B-1728B52AA6E4}">
+                <adec:decorative xmlns:adec="http://schemas.microsoft.com/office/drawing/2017/decorative" val="1"/>
+              </a:ext>
+            </a:extLst>
+          </p:cNvPr>
+          <p:cNvSpPr/>
+          <p:nvPr/>
+        </p:nvSpPr>
+        <p:spPr>
+          <a:xfrm>
+            <a:off x="0" y="0"/>
+            <a:ext cx="12192000" cy="580103"/>
+          </a:xfrm>
+          <a:prstGeom prst="rect">
+            <a:avLst/>
+          </a:prstGeom>
+          <a:gradFill flip="none" rotWithShape="1">
+            <a:gsLst>
+              <a:gs pos="10000">
+                <a:srgbClr val="172140"/>
+              </a:gs>
+              <a:gs pos="100000">
+                <a:srgbClr val="0066B3"/>
+              </a:gs>
+            </a:gsLst>
+            <a:lin ang="18900000" scaled="1"/>
+            <a:tileRect/>
+          </a:gradFill>
+        </p:spPr>
+        <p:style>
+          <a:lnRef idx="2">
+            <a:schemeClr val="accent1">
+              <a:shade val="50000"/>
+            </a:schemeClr>
+          </a:lnRef>
+          <a:fillRef idx="1">
+            <a:schemeClr val="accent1"/>
+          </a:fillRef>
+          <a:effectRef idx="0">
+            <a:schemeClr val="accent1"/>
+          </a:effectRef>
+          <a:fontRef idx="minor">
+            <a:schemeClr val="lt1"/>
+          </a:fontRef>
+        </p:style>
+        <p:txBody>
+          <a:bodyPr rtlCol="0" anchor="ctr"/>
+          <a:lstStyle/>
+          <a:p>
+            <a:pPr algn="ctr"/>
+            <a:endParaRPr lang="en-US">
+              <a:ln>
+                <a:solidFill>
+                  <a:sysClr val="windowText" lastClr="000000"/>
+                </a:solidFill>
+              </a:ln>
+              <a:solidFill>
+                <a:sysClr val="windowText" lastClr="000000"/>
+              </a:solidFill>
+            </a:endParaRPr>
+          </a:p>
+        </p:txBody>
+      </p:sp>
+      <p:pic>
+        <p:nvPicPr>
+          <p:cNvPr id="5" name="Figure" descr="NAU: Northern Arizona University.">
+            <a:extLst>
+              <a:ext uri="{FF2B5EF4-FFF2-40B4-BE49-F238E27FC236}">
+                <a16:creationId xmlns:a16="http://schemas.microsoft.com/office/drawing/2014/main" id="{397510E6-C230-50D4-BD45-B6FEE6397E0E}"/>
+              </a:ext>
+            </a:extLst>
+          </p:cNvPr>
+          <p:cNvPicPr>
+            <a:picLocks noChangeAspect="1"/>
+          </p:cNvPicPr>
+          <p:nvPr/>
+        </p:nvPicPr>
+        <p:blipFill>
+          <a:blip r:embed="rId2"/>
+          <a:stretch>
+            <a:fillRect/>
+          </a:stretch>
+        </p:blipFill>
+        <p:spPr>
+          <a:xfrm>
+            <a:off x="2914649" y="132174"/>
+            <a:ext cx="6362701" cy="315753"/>
+          </a:xfrm>
+          <a:prstGeom prst="rect">
+            <a:avLst/>
+          </a:prstGeom>
+        </p:spPr>
+      </p:pic>
+      <p:sp>
+        <p:nvSpPr>
+          <p:cNvPr id="12" name="Content Placeholder 6">
+            <a:extLst>
+              <a:ext uri="{FF2B5EF4-FFF2-40B4-BE49-F238E27FC236}">
+                <a16:creationId xmlns:a16="http://schemas.microsoft.com/office/drawing/2014/main" id="{236E9D6A-F04C-A986-9E49-3FD5F1C54245}"/>
+              </a:ext>
+            </a:extLst>
+          </p:cNvPr>
+          <p:cNvSpPr txBox="1">
+            <a:spLocks/>
+          </p:cNvSpPr>
+          <p:nvPr/>
+        </p:nvSpPr>
+        <p:spPr>
+          <a:xfrm>
+            <a:off x="715370" y="1652154"/>
+            <a:ext cx="5181600" cy="4900201"/>
+          </a:xfrm>
+          <a:prstGeom prst="rect">
+            <a:avLst/>
+          </a:prstGeom>
+        </p:spPr>
+        <p:txBody>
+          <a:bodyPr vert="horz" lIns="91440" tIns="45720" rIns="91440" bIns="45720" rtlCol="0">
+            <a:normAutofit/>
+          </a:bodyPr>
+          <a:lstStyle>
+            <a:lvl1pPr marL="228600" indent="-228600" algn="l" defTabSz="914400" rtl="0" eaLnBrk="1" latinLnBrk="0" hangingPunct="1">
+              <a:lnSpc>
+                <a:spcPct val="90000"/>
+              </a:lnSpc>
+              <a:spcBef>
+                <a:spcPts val="1000"/>
+              </a:spcBef>
+              <a:buFont typeface="Arial" panose="020B0604020202020204" pitchFamily="34" charset="0"/>
+              <a:buChar char="•"/>
+              <a:defRPr sz="2800" kern="1200">
+                <a:solidFill>
+                  <a:schemeClr val="tx1"/>
+                </a:solidFill>
+                <a:latin typeface="+mn-lt"/>
+                <a:ea typeface="+mn-ea"/>
+                <a:cs typeface="+mn-cs"/>
+              </a:defRPr>
+            </a:lvl1pPr>
+            <a:lvl2pPr marL="685800" indent="-228600" algn="l" defTabSz="914400" rtl="0" eaLnBrk="1" latinLnBrk="0" hangingPunct="1">
+              <a:lnSpc>
+                <a:spcPct val="90000"/>
+              </a:lnSpc>
+              <a:spcBef>
+                <a:spcPts val="500"/>
+              </a:spcBef>
+              <a:buFont typeface="Arial" panose="020B0604020202020204" pitchFamily="34" charset="0"/>
+              <a:buChar char="•"/>
+              <a:defRPr sz="2400" kern="1200">
+                <a:solidFill>
+                  <a:schemeClr val="tx1"/>
+                </a:solidFill>
+                <a:latin typeface="+mn-lt"/>
+                <a:ea typeface="+mn-ea"/>
+                <a:cs typeface="+mn-cs"/>
+              </a:defRPr>
+            </a:lvl2pPr>
+            <a:lvl3pPr marL="1143000" indent="-228600" algn="l" defTabSz="914400" rtl="0" eaLnBrk="1" latinLnBrk="0" hangingPunct="1">
+              <a:lnSpc>
+                <a:spcPct val="90000"/>
+              </a:lnSpc>
+              <a:spcBef>
+                <a:spcPts val="500"/>
+              </a:spcBef>
+              <a:buFont typeface="Arial" panose="020B0604020202020204" pitchFamily="34" charset="0"/>
+              <a:buChar char="•"/>
+              <a:defRPr sz="2000" kern="1200">
+                <a:solidFill>
+                  <a:schemeClr val="tx1"/>
+                </a:solidFill>
+                <a:latin typeface="+mn-lt"/>
+                <a:ea typeface="+mn-ea"/>
+                <a:cs typeface="+mn-cs"/>
+              </a:defRPr>
+            </a:lvl3pPr>
+            <a:lvl4pPr marL="1600200" indent="-228600" algn="l" defTabSz="914400" rtl="0" eaLnBrk="1" latinLnBrk="0" hangingPunct="1">
+              <a:lnSpc>
+                <a:spcPct val="90000"/>
+              </a:lnSpc>
+              <a:spcBef>
+                <a:spcPts val="500"/>
+              </a:spcBef>
+              <a:buFont typeface="Arial" panose="020B0604020202020204" pitchFamily="34" charset="0"/>
+              <a:buChar char="•"/>
+              <a:defRPr sz="1800" kern="1200">
+                <a:solidFill>
+                  <a:schemeClr val="tx1"/>
+                </a:solidFill>
+                <a:latin typeface="+mn-lt"/>
+                <a:ea typeface="+mn-ea"/>
+                <a:cs typeface="+mn-cs"/>
+              </a:defRPr>
+            </a:lvl4pPr>
+            <a:lvl5pPr marL="2057400" indent="-228600" algn="l" defTabSz="914400" rtl="0" eaLnBrk="1" latinLnBrk="0" hangingPunct="1">
+              <a:lnSpc>
+                <a:spcPct val="90000"/>
+              </a:lnSpc>
+              <a:spcBef>
+                <a:spcPts val="500"/>
+              </a:spcBef>
+              <a:buFont typeface="Arial" panose="020B0604020202020204" pitchFamily="34" charset="0"/>
+              <a:buChar char="•"/>
+              <a:defRPr sz="1800" kern="1200">
+                <a:solidFill>
+                  <a:schemeClr val="tx1"/>
+                </a:solidFill>
+                <a:latin typeface="+mn-lt"/>
+                <a:ea typeface="+mn-ea"/>
+                <a:cs typeface="+mn-cs"/>
+              </a:defRPr>
+            </a:lvl5pPr>
+            <a:lvl6pPr marL="2514600" indent="-228600" algn="l" defTabSz="914400" rtl="0" eaLnBrk="1" latinLnBrk="0" hangingPunct="1">
+              <a:lnSpc>
+                <a:spcPct val="90000"/>
+              </a:lnSpc>
+              <a:spcBef>
+                <a:spcPts val="500"/>
+              </a:spcBef>
+              <a:buFont typeface="Arial" panose="020B0604020202020204" pitchFamily="34" charset="0"/>
+              <a:buChar char="•"/>
+              <a:defRPr sz="1800" kern="1200">
+                <a:solidFill>
+                  <a:schemeClr val="tx1"/>
+                </a:solidFill>
+                <a:latin typeface="+mn-lt"/>
+                <a:ea typeface="+mn-ea"/>
+                <a:cs typeface="+mn-cs"/>
+              </a:defRPr>
+            </a:lvl6pPr>
+            <a:lvl7pPr marL="2971800" indent="-228600" algn="l" defTabSz="914400" rtl="0" eaLnBrk="1" latinLnBrk="0" hangingPunct="1">
+              <a:lnSpc>
+                <a:spcPct val="90000"/>
+              </a:lnSpc>
+              <a:spcBef>
+                <a:spcPts val="500"/>
+              </a:spcBef>
+              <a:buFont typeface="Arial" panose="020B0604020202020204" pitchFamily="34" charset="0"/>
+              <a:buChar char="•"/>
+              <a:defRPr sz="1800" kern="1200">
+                <a:solidFill>
+                  <a:schemeClr val="tx1"/>
+                </a:solidFill>
+                <a:latin typeface="+mn-lt"/>
+                <a:ea typeface="+mn-ea"/>
+                <a:cs typeface="+mn-cs"/>
+              </a:defRPr>
+            </a:lvl7pPr>
+            <a:lvl8pPr marL="3429000" indent="-228600" algn="l" defTabSz="914400" rtl="0" eaLnBrk="1" latinLnBrk="0" hangingPunct="1">
+              <a:lnSpc>
+                <a:spcPct val="90000"/>
+              </a:lnSpc>
+              <a:spcBef>
+                <a:spcPts val="500"/>
+              </a:spcBef>
+              <a:buFont typeface="Arial" panose="020B0604020202020204" pitchFamily="34" charset="0"/>
+              <a:buChar char="•"/>
+              <a:defRPr sz="1800" kern="1200">
+                <a:solidFill>
+                  <a:schemeClr val="tx1"/>
+                </a:solidFill>
+                <a:latin typeface="+mn-lt"/>
+                <a:ea typeface="+mn-ea"/>
+                <a:cs typeface="+mn-cs"/>
+              </a:defRPr>
+            </a:lvl8pPr>
+            <a:lvl9pPr marL="3886200" indent="-228600" algn="l" defTabSz="914400" rtl="0" eaLnBrk="1" latinLnBrk="0" hangingPunct="1">
+              <a:lnSpc>
+                <a:spcPct val="90000"/>
+              </a:lnSpc>
+              <a:spcBef>
+                <a:spcPts val="500"/>
+              </a:spcBef>
+              <a:buFont typeface="Arial" panose="020B0604020202020204" pitchFamily="34" charset="0"/>
+              <a:buChar char="•"/>
+              <a:defRPr sz="1800" kern="1200">
+                <a:solidFill>
+                  <a:schemeClr val="tx1"/>
+                </a:solidFill>
+                <a:latin typeface="+mn-lt"/>
+                <a:ea typeface="+mn-ea"/>
+                <a:cs typeface="+mn-cs"/>
+              </a:defRPr>
+            </a:lvl9pPr>
+          </a:lstStyle>
+          <a:p>
+            <a:r>
+              <a:rPr lang="en-US" dirty="0"/>
+              <a:t>Online Education is another critical component of the Elevating Excellence strategic roadmap</a:t>
+            </a:r>
+          </a:p>
+          <a:p>
+            <a:r>
+              <a:rPr lang="en-US" dirty="0"/>
+              <a:t>Incentives and student behavior are the reverse of in-person programs</a:t>
+            </a:r>
+          </a:p>
+          <a:p>
+            <a:r>
+              <a:rPr lang="en-US" dirty="0"/>
+              <a:t>Recommendation: </a:t>
+            </a:r>
+          </a:p>
+          <a:p>
+            <a:pPr lvl="1"/>
+            <a:r>
+              <a:rPr lang="en-US" dirty="0"/>
+              <a:t>Incentives for students </a:t>
+            </a:r>
+            <a:r>
+              <a:rPr lang="en-US"/>
+              <a:t>to enroll</a:t>
+            </a:r>
+            <a:endParaRPr lang="en-US" dirty="0"/>
+          </a:p>
+          <a:p>
+            <a:endParaRPr lang="en-US" dirty="0"/>
+          </a:p>
+          <a:p>
+            <a:pPr lvl="1"/>
+            <a:endParaRPr lang="en-US" dirty="0"/>
+          </a:p>
+          <a:p>
+            <a:endParaRPr lang="en-US" dirty="0"/>
+          </a:p>
+        </p:txBody>
+      </p:sp>
+      <p:pic>
+        <p:nvPicPr>
+          <p:cNvPr id="8" name="Picture 7">
+            <a:extLst>
+              <a:ext uri="{FF2B5EF4-FFF2-40B4-BE49-F238E27FC236}">
+                <a16:creationId xmlns:a16="http://schemas.microsoft.com/office/drawing/2014/main" id="{9873D483-FE36-E7C7-AB8A-015CD0B3C554}"/>
+              </a:ext>
+            </a:extLst>
+          </p:cNvPr>
+          <p:cNvPicPr>
+            <a:picLocks noChangeAspect="1"/>
+          </p:cNvPicPr>
+          <p:nvPr/>
+        </p:nvPicPr>
+        <p:blipFill>
+          <a:blip r:embed="rId3"/>
+          <a:stretch>
+            <a:fillRect/>
+          </a:stretch>
+        </p:blipFill>
+        <p:spPr>
+          <a:xfrm>
+            <a:off x="6447430" y="712277"/>
+            <a:ext cx="5181600" cy="5878676"/>
+          </a:xfrm>
+          <a:prstGeom prst="rect">
+            <a:avLst/>
+          </a:prstGeom>
+        </p:spPr>
+      </p:pic>
+    </p:spTree>
+    <p:extLst>
+      <p:ext uri="{BB962C8B-B14F-4D97-AF65-F5344CB8AC3E}">
+        <p14:creationId xmlns:p14="http://schemas.microsoft.com/office/powerpoint/2010/main" val="1871677651"/>
       </p:ext>
     </p:extLst>
   </p:cSld>
